--- a/documentation/test_plan/figs/fault_table_bounds.pptx
+++ b/documentation/test_plan/figs/fault_table_bounds.pptx
@@ -2,20 +2,20 @@
 <file path=ppt/presentation.xml><?xml version="1.0" encoding="utf-8"?>
 <p:presentation xmlns:a="http://schemas.openxmlformats.org/drawingml/2006/main" xmlns:r="http://schemas.openxmlformats.org/officeDocument/2006/relationships" xmlns:p="http://schemas.openxmlformats.org/presentationml/2006/main" saveSubsetFonts="1">
   <p:sldMasterIdLst>
-    <p:sldMasterId id="2147483660" r:id="rId1"/>
+    <p:sldMasterId id="2147483708" r:id="rId1"/>
   </p:sldMasterIdLst>
   <p:sldIdLst>
     <p:sldId id="256" r:id="rId2"/>
     <p:sldId id="257" r:id="rId3"/>
   </p:sldIdLst>
-  <p:sldSz cx="6858000" cy="12192000"/>
-  <p:notesSz cx="6858000" cy="9144000"/>
+  <p:sldSz cx="7315200" cy="13258800"/>
+  <p:notesSz cx="7315200" cy="9601200"/>
   <p:defaultTextStyle>
     <a:defPPr>
       <a:defRPr lang="en-US"/>
     </a:defPPr>
-    <a:lvl1pPr marL="0" algn="l" defTabSz="914400" rtl="0" eaLnBrk="1" latinLnBrk="0" hangingPunct="1">
-      <a:defRPr sz="1800" kern="1200">
+    <a:lvl1pPr marL="0" algn="l" defTabSz="965496" rtl="0" eaLnBrk="1" latinLnBrk="0" hangingPunct="1">
+      <a:defRPr sz="1900" kern="1200">
         <a:solidFill>
           <a:schemeClr val="tx1"/>
         </a:solidFill>
@@ -24,8 +24,8 @@
         <a:cs typeface="+mn-cs"/>
       </a:defRPr>
     </a:lvl1pPr>
-    <a:lvl2pPr marL="457200" algn="l" defTabSz="914400" rtl="0" eaLnBrk="1" latinLnBrk="0" hangingPunct="1">
-      <a:defRPr sz="1800" kern="1200">
+    <a:lvl2pPr marL="482748" algn="l" defTabSz="965496" rtl="0" eaLnBrk="1" latinLnBrk="0" hangingPunct="1">
+      <a:defRPr sz="1900" kern="1200">
         <a:solidFill>
           <a:schemeClr val="tx1"/>
         </a:solidFill>
@@ -34,8 +34,8 @@
         <a:cs typeface="+mn-cs"/>
       </a:defRPr>
     </a:lvl2pPr>
-    <a:lvl3pPr marL="914400" algn="l" defTabSz="914400" rtl="0" eaLnBrk="1" latinLnBrk="0" hangingPunct="1">
-      <a:defRPr sz="1800" kern="1200">
+    <a:lvl3pPr marL="965496" algn="l" defTabSz="965496" rtl="0" eaLnBrk="1" latinLnBrk="0" hangingPunct="1">
+      <a:defRPr sz="1900" kern="1200">
         <a:solidFill>
           <a:schemeClr val="tx1"/>
         </a:solidFill>
@@ -44,8 +44,8 @@
         <a:cs typeface="+mn-cs"/>
       </a:defRPr>
     </a:lvl3pPr>
-    <a:lvl4pPr marL="1371600" algn="l" defTabSz="914400" rtl="0" eaLnBrk="1" latinLnBrk="0" hangingPunct="1">
-      <a:defRPr sz="1800" kern="1200">
+    <a:lvl4pPr marL="1448244" algn="l" defTabSz="965496" rtl="0" eaLnBrk="1" latinLnBrk="0" hangingPunct="1">
+      <a:defRPr sz="1900" kern="1200">
         <a:solidFill>
           <a:schemeClr val="tx1"/>
         </a:solidFill>
@@ -54,8 +54,8 @@
         <a:cs typeface="+mn-cs"/>
       </a:defRPr>
     </a:lvl4pPr>
-    <a:lvl5pPr marL="1828800" algn="l" defTabSz="914400" rtl="0" eaLnBrk="1" latinLnBrk="0" hangingPunct="1">
-      <a:defRPr sz="1800" kern="1200">
+    <a:lvl5pPr marL="1930991" algn="l" defTabSz="965496" rtl="0" eaLnBrk="1" latinLnBrk="0" hangingPunct="1">
+      <a:defRPr sz="1900" kern="1200">
         <a:solidFill>
           <a:schemeClr val="tx1"/>
         </a:solidFill>
@@ -64,8 +64,8 @@
         <a:cs typeface="+mn-cs"/>
       </a:defRPr>
     </a:lvl5pPr>
-    <a:lvl6pPr marL="2286000" algn="l" defTabSz="914400" rtl="0" eaLnBrk="1" latinLnBrk="0" hangingPunct="1">
-      <a:defRPr sz="1800" kern="1200">
+    <a:lvl6pPr marL="2413739" algn="l" defTabSz="965496" rtl="0" eaLnBrk="1" latinLnBrk="0" hangingPunct="1">
+      <a:defRPr sz="1900" kern="1200">
         <a:solidFill>
           <a:schemeClr val="tx1"/>
         </a:solidFill>
@@ -74,8 +74,8 @@
         <a:cs typeface="+mn-cs"/>
       </a:defRPr>
     </a:lvl6pPr>
-    <a:lvl7pPr marL="2743200" algn="l" defTabSz="914400" rtl="0" eaLnBrk="1" latinLnBrk="0" hangingPunct="1">
-      <a:defRPr sz="1800" kern="1200">
+    <a:lvl7pPr marL="2896487" algn="l" defTabSz="965496" rtl="0" eaLnBrk="1" latinLnBrk="0" hangingPunct="1">
+      <a:defRPr sz="1900" kern="1200">
         <a:solidFill>
           <a:schemeClr val="tx1"/>
         </a:solidFill>
@@ -84,8 +84,8 @@
         <a:cs typeface="+mn-cs"/>
       </a:defRPr>
     </a:lvl7pPr>
-    <a:lvl8pPr marL="3200400" algn="l" defTabSz="914400" rtl="0" eaLnBrk="1" latinLnBrk="0" hangingPunct="1">
-      <a:defRPr sz="1800" kern="1200">
+    <a:lvl8pPr marL="3379235" algn="l" defTabSz="965496" rtl="0" eaLnBrk="1" latinLnBrk="0" hangingPunct="1">
+      <a:defRPr sz="1900" kern="1200">
         <a:solidFill>
           <a:schemeClr val="tx1"/>
         </a:solidFill>
@@ -94,8 +94,8 @@
         <a:cs typeface="+mn-cs"/>
       </a:defRPr>
     </a:lvl8pPr>
-    <a:lvl9pPr marL="3657600" algn="l" defTabSz="914400" rtl="0" eaLnBrk="1" latinLnBrk="0" hangingPunct="1">
-      <a:defRPr sz="1800" kern="1200">
+    <a:lvl9pPr marL="3861983" algn="l" defTabSz="965496" rtl="0" eaLnBrk="1" latinLnBrk="0" hangingPunct="1">
+      <a:defRPr sz="1900" kern="1200">
         <a:solidFill>
           <a:schemeClr val="tx1"/>
         </a:solidFill>
@@ -105,6 +105,11 @@
       </a:defRPr>
     </a:lvl9pPr>
   </p:defaultTextStyle>
+  <p:extLst>
+    <p:ext uri="{EFAFB233-063F-42B5-8137-9DF3F51BA10A}">
+      <p15:sldGuideLst xmlns:p15="http://schemas.microsoft.com/office/powerpoint/2012/main"/>
+    </p:ext>
+  </p:extLst>
 </p:presentation>
 </file>
 
@@ -137,15 +142,15 @@
         </p:nvSpPr>
         <p:spPr>
           <a:xfrm>
-            <a:off x="514350" y="1995312"/>
-            <a:ext cx="5829300" cy="4244622"/>
+            <a:off x="548640" y="2169902"/>
+            <a:ext cx="6217920" cy="4616027"/>
           </a:xfrm>
         </p:spPr>
         <p:txBody>
           <a:bodyPr anchor="b"/>
           <a:lstStyle>
             <a:lvl1pPr algn="ctr">
-              <a:defRPr sz="4500"/>
+              <a:defRPr sz="4800"/>
             </a:lvl1pPr>
           </a:lstStyle>
           <a:p>
@@ -169,8 +174,8 @@
         </p:nvSpPr>
         <p:spPr>
           <a:xfrm>
-            <a:off x="857250" y="6403623"/>
-            <a:ext cx="5143500" cy="2943577"/>
+            <a:off x="914400" y="6963940"/>
+            <a:ext cx="5486400" cy="3201140"/>
           </a:xfrm>
         </p:spPr>
         <p:txBody>
@@ -178,39 +183,39 @@
           <a:lstStyle>
             <a:lvl1pPr marL="0" indent="0" algn="ctr">
               <a:buNone/>
-              <a:defRPr sz="1800"/>
+              <a:defRPr sz="1920"/>
             </a:lvl1pPr>
-            <a:lvl2pPr marL="342900" indent="0" algn="ctr">
+            <a:lvl2pPr marL="365760" indent="0" algn="ctr">
               <a:buNone/>
-              <a:defRPr sz="1500"/>
+              <a:defRPr sz="1600"/>
             </a:lvl2pPr>
-            <a:lvl3pPr marL="685800" indent="0" algn="ctr">
+            <a:lvl3pPr marL="731520" indent="0" algn="ctr">
               <a:buNone/>
-              <a:defRPr sz="1350"/>
+              <a:defRPr sz="1440"/>
             </a:lvl3pPr>
-            <a:lvl4pPr marL="1028700" indent="0" algn="ctr">
+            <a:lvl4pPr marL="1097280" indent="0" algn="ctr">
               <a:buNone/>
-              <a:defRPr sz="1200"/>
+              <a:defRPr sz="1280"/>
             </a:lvl4pPr>
-            <a:lvl5pPr marL="1371600" indent="0" algn="ctr">
+            <a:lvl5pPr marL="1463040" indent="0" algn="ctr">
               <a:buNone/>
-              <a:defRPr sz="1200"/>
+              <a:defRPr sz="1280"/>
             </a:lvl5pPr>
-            <a:lvl6pPr marL="1714500" indent="0" algn="ctr">
+            <a:lvl6pPr marL="1828800" indent="0" algn="ctr">
               <a:buNone/>
-              <a:defRPr sz="1200"/>
+              <a:defRPr sz="1280"/>
             </a:lvl6pPr>
-            <a:lvl7pPr marL="2057400" indent="0" algn="ctr">
+            <a:lvl7pPr marL="2194560" indent="0" algn="ctr">
               <a:buNone/>
-              <a:defRPr sz="1200"/>
+              <a:defRPr sz="1280"/>
             </a:lvl7pPr>
-            <a:lvl8pPr marL="2400300" indent="0" algn="ctr">
+            <a:lvl8pPr marL="2560320" indent="0" algn="ctr">
               <a:buNone/>
-              <a:defRPr sz="1200"/>
+              <a:defRPr sz="1280"/>
             </a:lvl8pPr>
-            <a:lvl9pPr marL="2743200" indent="0" algn="ctr">
+            <a:lvl9pPr marL="2926080" indent="0" algn="ctr">
               <a:buNone/>
-              <a:defRPr sz="1200"/>
+              <a:defRPr sz="1280"/>
             </a:lvl9pPr>
           </a:lstStyle>
           <a:p>
@@ -239,7 +244,7 @@
           <a:p>
             <a:fld id="{1114853E-3950-45E6-8D2F-BF19A8C985AC}" type="datetimeFigureOut">
               <a:rPr lang="en-US" smtClean="0"/>
-              <a:t>11/21/2016</a:t>
+              <a:t>12/1/2016</a:t>
             </a:fld>
             <a:endParaRPr lang="en-US"/>
           </a:p>
@@ -290,7 +295,7 @@
     </p:spTree>
     <p:extLst>
       <p:ext uri="{BB962C8B-B14F-4D97-AF65-F5344CB8AC3E}">
-        <p14:creationId xmlns:p14="http://schemas.microsoft.com/office/powerpoint/2010/main" val="2917341184"/>
+        <p14:creationId xmlns:p14="http://schemas.microsoft.com/office/powerpoint/2010/main" val="2616432197"/>
       </p:ext>
     </p:extLst>
   </p:cSld>
@@ -409,7 +414,7 @@
           <a:p>
             <a:fld id="{1114853E-3950-45E6-8D2F-BF19A8C985AC}" type="datetimeFigureOut">
               <a:rPr lang="en-US" smtClean="0"/>
-              <a:t>11/21/2016</a:t>
+              <a:t>12/1/2016</a:t>
             </a:fld>
             <a:endParaRPr lang="en-US"/>
           </a:p>
@@ -460,7 +465,7 @@
     </p:spTree>
     <p:extLst>
       <p:ext uri="{BB962C8B-B14F-4D97-AF65-F5344CB8AC3E}">
-        <p14:creationId xmlns:p14="http://schemas.microsoft.com/office/powerpoint/2010/main" val="313335324"/>
+        <p14:creationId xmlns:p14="http://schemas.microsoft.com/office/powerpoint/2010/main" val="2670228669"/>
       </p:ext>
     </p:extLst>
   </p:cSld>
@@ -499,8 +504,8 @@
         </p:nvSpPr>
         <p:spPr>
           <a:xfrm>
-            <a:off x="4907757" y="649111"/>
-            <a:ext cx="1478756" cy="10332156"/>
+            <a:off x="5234940" y="705908"/>
+            <a:ext cx="1577340" cy="11236220"/>
           </a:xfrm>
         </p:spPr>
         <p:txBody>
@@ -527,8 +532,8 @@
         </p:nvSpPr>
         <p:spPr>
           <a:xfrm>
-            <a:off x="471488" y="649111"/>
-            <a:ext cx="4350544" cy="10332156"/>
+            <a:off x="502920" y="705908"/>
+            <a:ext cx="4640580" cy="11236220"/>
           </a:xfrm>
         </p:spPr>
         <p:txBody>
@@ -589,7 +594,7 @@
           <a:p>
             <a:fld id="{1114853E-3950-45E6-8D2F-BF19A8C985AC}" type="datetimeFigureOut">
               <a:rPr lang="en-US" smtClean="0"/>
-              <a:t>11/21/2016</a:t>
+              <a:t>12/1/2016</a:t>
             </a:fld>
             <a:endParaRPr lang="en-US"/>
           </a:p>
@@ -640,7 +645,7 @@
     </p:spTree>
     <p:extLst>
       <p:ext uri="{BB962C8B-B14F-4D97-AF65-F5344CB8AC3E}">
-        <p14:creationId xmlns:p14="http://schemas.microsoft.com/office/powerpoint/2010/main" val="3295613575"/>
+        <p14:creationId xmlns:p14="http://schemas.microsoft.com/office/powerpoint/2010/main" val="2145292974"/>
       </p:ext>
     </p:extLst>
   </p:cSld>
@@ -759,7 +764,7 @@
           <a:p>
             <a:fld id="{1114853E-3950-45E6-8D2F-BF19A8C985AC}" type="datetimeFigureOut">
               <a:rPr lang="en-US" smtClean="0"/>
-              <a:t>11/21/2016</a:t>
+              <a:t>12/1/2016</a:t>
             </a:fld>
             <a:endParaRPr lang="en-US"/>
           </a:p>
@@ -810,7 +815,7 @@
     </p:spTree>
     <p:extLst>
       <p:ext uri="{BB962C8B-B14F-4D97-AF65-F5344CB8AC3E}">
-        <p14:creationId xmlns:p14="http://schemas.microsoft.com/office/powerpoint/2010/main" val="1635339951"/>
+        <p14:creationId xmlns:p14="http://schemas.microsoft.com/office/powerpoint/2010/main" val="752080547"/>
       </p:ext>
     </p:extLst>
   </p:cSld>
@@ -849,15 +854,15 @@
         </p:nvSpPr>
         <p:spPr>
           <a:xfrm>
-            <a:off x="467916" y="3039537"/>
-            <a:ext cx="5915025" cy="5071532"/>
+            <a:off x="499110" y="3305496"/>
+            <a:ext cx="6309360" cy="5515292"/>
           </a:xfrm>
         </p:spPr>
         <p:txBody>
           <a:bodyPr anchor="b"/>
           <a:lstStyle>
             <a:lvl1pPr>
-              <a:defRPr sz="4500"/>
+              <a:defRPr sz="4800"/>
             </a:lvl1pPr>
           </a:lstStyle>
           <a:p>
@@ -881,8 +886,8 @@
         </p:nvSpPr>
         <p:spPr>
           <a:xfrm>
-            <a:off x="467916" y="8159048"/>
-            <a:ext cx="5915025" cy="2666999"/>
+            <a:off x="499110" y="8872964"/>
+            <a:ext cx="6309360" cy="2900362"/>
           </a:xfrm>
         </p:spPr>
         <p:txBody>
@@ -890,15 +895,15 @@
           <a:lstStyle>
             <a:lvl1pPr marL="0" indent="0">
               <a:buNone/>
-              <a:defRPr sz="1800">
+              <a:defRPr sz="1920">
                 <a:solidFill>
                   <a:schemeClr val="tx1"/>
                 </a:solidFill>
               </a:defRPr>
             </a:lvl1pPr>
-            <a:lvl2pPr marL="342900" indent="0">
+            <a:lvl2pPr marL="365760" indent="0">
               <a:buNone/>
-              <a:defRPr sz="1500">
+              <a:defRPr sz="1600">
                 <a:solidFill>
                   <a:schemeClr val="tx1">
                     <a:tint val="75000"/>
@@ -906,9 +911,9 @@
                 </a:solidFill>
               </a:defRPr>
             </a:lvl2pPr>
-            <a:lvl3pPr marL="685800" indent="0">
+            <a:lvl3pPr marL="731520" indent="0">
               <a:buNone/>
-              <a:defRPr sz="1350">
+              <a:defRPr sz="1440">
                 <a:solidFill>
                   <a:schemeClr val="tx1">
                     <a:tint val="75000"/>
@@ -916,9 +921,9 @@
                 </a:solidFill>
               </a:defRPr>
             </a:lvl3pPr>
-            <a:lvl4pPr marL="1028700" indent="0">
+            <a:lvl4pPr marL="1097280" indent="0">
               <a:buNone/>
-              <a:defRPr sz="1200">
+              <a:defRPr sz="1280">
                 <a:solidFill>
                   <a:schemeClr val="tx1">
                     <a:tint val="75000"/>
@@ -926,9 +931,9 @@
                 </a:solidFill>
               </a:defRPr>
             </a:lvl4pPr>
-            <a:lvl5pPr marL="1371600" indent="0">
+            <a:lvl5pPr marL="1463040" indent="0">
               <a:buNone/>
-              <a:defRPr sz="1200">
+              <a:defRPr sz="1280">
                 <a:solidFill>
                   <a:schemeClr val="tx1">
                     <a:tint val="75000"/>
@@ -936,9 +941,9 @@
                 </a:solidFill>
               </a:defRPr>
             </a:lvl5pPr>
-            <a:lvl6pPr marL="1714500" indent="0">
+            <a:lvl6pPr marL="1828800" indent="0">
               <a:buNone/>
-              <a:defRPr sz="1200">
+              <a:defRPr sz="1280">
                 <a:solidFill>
                   <a:schemeClr val="tx1">
                     <a:tint val="75000"/>
@@ -946,9 +951,9 @@
                 </a:solidFill>
               </a:defRPr>
             </a:lvl6pPr>
-            <a:lvl7pPr marL="2057400" indent="0">
+            <a:lvl7pPr marL="2194560" indent="0">
               <a:buNone/>
-              <a:defRPr sz="1200">
+              <a:defRPr sz="1280">
                 <a:solidFill>
                   <a:schemeClr val="tx1">
                     <a:tint val="75000"/>
@@ -956,9 +961,9 @@
                 </a:solidFill>
               </a:defRPr>
             </a:lvl7pPr>
-            <a:lvl8pPr marL="2400300" indent="0">
+            <a:lvl8pPr marL="2560320" indent="0">
               <a:buNone/>
-              <a:defRPr sz="1200">
+              <a:defRPr sz="1280">
                 <a:solidFill>
                   <a:schemeClr val="tx1">
                     <a:tint val="75000"/>
@@ -966,9 +971,9 @@
                 </a:solidFill>
               </a:defRPr>
             </a:lvl8pPr>
-            <a:lvl9pPr marL="2743200" indent="0">
+            <a:lvl9pPr marL="2926080" indent="0">
               <a:buNone/>
-              <a:defRPr sz="1200">
+              <a:defRPr sz="1280">
                 <a:solidFill>
                   <a:schemeClr val="tx1">
                     <a:tint val="75000"/>
@@ -1003,7 +1008,7 @@
           <a:p>
             <a:fld id="{1114853E-3950-45E6-8D2F-BF19A8C985AC}" type="datetimeFigureOut">
               <a:rPr lang="en-US" smtClean="0"/>
-              <a:t>11/21/2016</a:t>
+              <a:t>12/1/2016</a:t>
             </a:fld>
             <a:endParaRPr lang="en-US"/>
           </a:p>
@@ -1054,7 +1059,7 @@
     </p:spTree>
     <p:extLst>
       <p:ext uri="{BB962C8B-B14F-4D97-AF65-F5344CB8AC3E}">
-        <p14:creationId xmlns:p14="http://schemas.microsoft.com/office/powerpoint/2010/main" val="1279118376"/>
+        <p14:creationId xmlns:p14="http://schemas.microsoft.com/office/powerpoint/2010/main" val="2493561279"/>
       </p:ext>
     </p:extLst>
   </p:cSld>
@@ -1116,8 +1121,8 @@
         </p:nvSpPr>
         <p:spPr>
           <a:xfrm>
-            <a:off x="471488" y="3245556"/>
-            <a:ext cx="2914650" cy="7735712"/>
+            <a:off x="502920" y="3529542"/>
+            <a:ext cx="3108960" cy="8412587"/>
           </a:xfrm>
         </p:spPr>
         <p:txBody>
@@ -1173,8 +1178,8 @@
         </p:nvSpPr>
         <p:spPr>
           <a:xfrm>
-            <a:off x="3471863" y="3245556"/>
-            <a:ext cx="2914650" cy="7735712"/>
+            <a:off x="3703320" y="3529542"/>
+            <a:ext cx="3108960" cy="8412587"/>
           </a:xfrm>
         </p:spPr>
         <p:txBody>
@@ -1235,7 +1240,7 @@
           <a:p>
             <a:fld id="{1114853E-3950-45E6-8D2F-BF19A8C985AC}" type="datetimeFigureOut">
               <a:rPr lang="en-US" smtClean="0"/>
-              <a:t>11/21/2016</a:t>
+              <a:t>12/1/2016</a:t>
             </a:fld>
             <a:endParaRPr lang="en-US"/>
           </a:p>
@@ -1286,7 +1291,7 @@
     </p:spTree>
     <p:extLst>
       <p:ext uri="{BB962C8B-B14F-4D97-AF65-F5344CB8AC3E}">
-        <p14:creationId xmlns:p14="http://schemas.microsoft.com/office/powerpoint/2010/main" val="1580724022"/>
+        <p14:creationId xmlns:p14="http://schemas.microsoft.com/office/powerpoint/2010/main" val="3141446849"/>
       </p:ext>
     </p:extLst>
   </p:cSld>
@@ -1325,8 +1330,8 @@
         </p:nvSpPr>
         <p:spPr>
           <a:xfrm>
-            <a:off x="472381" y="649114"/>
-            <a:ext cx="5915025" cy="2356556"/>
+            <a:off x="503873" y="705911"/>
+            <a:ext cx="6309360" cy="2562755"/>
           </a:xfrm>
         </p:spPr>
         <p:txBody>
@@ -1353,8 +1358,8 @@
         </p:nvSpPr>
         <p:spPr>
           <a:xfrm>
-            <a:off x="472381" y="2988734"/>
-            <a:ext cx="2901255" cy="1464732"/>
+            <a:off x="503874" y="3250248"/>
+            <a:ext cx="3094672" cy="1592897"/>
           </a:xfrm>
         </p:spPr>
         <p:txBody>
@@ -1362,39 +1367,39 @@
           <a:lstStyle>
             <a:lvl1pPr marL="0" indent="0">
               <a:buNone/>
-              <a:defRPr sz="1800" b="1"/>
+              <a:defRPr sz="1920" b="1"/>
             </a:lvl1pPr>
-            <a:lvl2pPr marL="342900" indent="0">
+            <a:lvl2pPr marL="365760" indent="0">
               <a:buNone/>
-              <a:defRPr sz="1500" b="1"/>
+              <a:defRPr sz="1600" b="1"/>
             </a:lvl2pPr>
-            <a:lvl3pPr marL="685800" indent="0">
+            <a:lvl3pPr marL="731520" indent="0">
               <a:buNone/>
-              <a:defRPr sz="1350" b="1"/>
+              <a:defRPr sz="1440" b="1"/>
             </a:lvl3pPr>
-            <a:lvl4pPr marL="1028700" indent="0">
+            <a:lvl4pPr marL="1097280" indent="0">
               <a:buNone/>
-              <a:defRPr sz="1200" b="1"/>
+              <a:defRPr sz="1280" b="1"/>
             </a:lvl4pPr>
-            <a:lvl5pPr marL="1371600" indent="0">
+            <a:lvl5pPr marL="1463040" indent="0">
               <a:buNone/>
-              <a:defRPr sz="1200" b="1"/>
+              <a:defRPr sz="1280" b="1"/>
             </a:lvl5pPr>
-            <a:lvl6pPr marL="1714500" indent="0">
+            <a:lvl6pPr marL="1828800" indent="0">
               <a:buNone/>
-              <a:defRPr sz="1200" b="1"/>
+              <a:defRPr sz="1280" b="1"/>
             </a:lvl6pPr>
-            <a:lvl7pPr marL="2057400" indent="0">
+            <a:lvl7pPr marL="2194560" indent="0">
               <a:buNone/>
-              <a:defRPr sz="1200" b="1"/>
+              <a:defRPr sz="1280" b="1"/>
             </a:lvl7pPr>
-            <a:lvl8pPr marL="2400300" indent="0">
+            <a:lvl8pPr marL="2560320" indent="0">
               <a:buNone/>
-              <a:defRPr sz="1200" b="1"/>
+              <a:defRPr sz="1280" b="1"/>
             </a:lvl8pPr>
-            <a:lvl9pPr marL="2743200" indent="0">
+            <a:lvl9pPr marL="2926080" indent="0">
               <a:buNone/>
-              <a:defRPr sz="1200" b="1"/>
+              <a:defRPr sz="1280" b="1"/>
             </a:lvl9pPr>
           </a:lstStyle>
           <a:p>
@@ -1418,8 +1423,8 @@
         </p:nvSpPr>
         <p:spPr>
           <a:xfrm>
-            <a:off x="472381" y="4453467"/>
-            <a:ext cx="2901255" cy="6550379"/>
+            <a:off x="503874" y="4843145"/>
+            <a:ext cx="3094672" cy="7123537"/>
           </a:xfrm>
         </p:spPr>
         <p:txBody>
@@ -1475,8 +1480,8 @@
         </p:nvSpPr>
         <p:spPr>
           <a:xfrm>
-            <a:off x="3471863" y="2988734"/>
-            <a:ext cx="2915543" cy="1464732"/>
+            <a:off x="3703320" y="3250248"/>
+            <a:ext cx="3109913" cy="1592897"/>
           </a:xfrm>
         </p:spPr>
         <p:txBody>
@@ -1484,39 +1489,39 @@
           <a:lstStyle>
             <a:lvl1pPr marL="0" indent="0">
               <a:buNone/>
-              <a:defRPr sz="1800" b="1"/>
+              <a:defRPr sz="1920" b="1"/>
             </a:lvl1pPr>
-            <a:lvl2pPr marL="342900" indent="0">
+            <a:lvl2pPr marL="365760" indent="0">
               <a:buNone/>
-              <a:defRPr sz="1500" b="1"/>
+              <a:defRPr sz="1600" b="1"/>
             </a:lvl2pPr>
-            <a:lvl3pPr marL="685800" indent="0">
+            <a:lvl3pPr marL="731520" indent="0">
               <a:buNone/>
-              <a:defRPr sz="1350" b="1"/>
+              <a:defRPr sz="1440" b="1"/>
             </a:lvl3pPr>
-            <a:lvl4pPr marL="1028700" indent="0">
+            <a:lvl4pPr marL="1097280" indent="0">
               <a:buNone/>
-              <a:defRPr sz="1200" b="1"/>
+              <a:defRPr sz="1280" b="1"/>
             </a:lvl4pPr>
-            <a:lvl5pPr marL="1371600" indent="0">
+            <a:lvl5pPr marL="1463040" indent="0">
               <a:buNone/>
-              <a:defRPr sz="1200" b="1"/>
+              <a:defRPr sz="1280" b="1"/>
             </a:lvl5pPr>
-            <a:lvl6pPr marL="1714500" indent="0">
+            <a:lvl6pPr marL="1828800" indent="0">
               <a:buNone/>
-              <a:defRPr sz="1200" b="1"/>
+              <a:defRPr sz="1280" b="1"/>
             </a:lvl6pPr>
-            <a:lvl7pPr marL="2057400" indent="0">
+            <a:lvl7pPr marL="2194560" indent="0">
               <a:buNone/>
-              <a:defRPr sz="1200" b="1"/>
+              <a:defRPr sz="1280" b="1"/>
             </a:lvl7pPr>
-            <a:lvl8pPr marL="2400300" indent="0">
+            <a:lvl8pPr marL="2560320" indent="0">
               <a:buNone/>
-              <a:defRPr sz="1200" b="1"/>
+              <a:defRPr sz="1280" b="1"/>
             </a:lvl8pPr>
-            <a:lvl9pPr marL="2743200" indent="0">
+            <a:lvl9pPr marL="2926080" indent="0">
               <a:buNone/>
-              <a:defRPr sz="1200" b="1"/>
+              <a:defRPr sz="1280" b="1"/>
             </a:lvl9pPr>
           </a:lstStyle>
           <a:p>
@@ -1540,8 +1545,8 @@
         </p:nvSpPr>
         <p:spPr>
           <a:xfrm>
-            <a:off x="3471863" y="4453467"/>
-            <a:ext cx="2915543" cy="6550379"/>
+            <a:off x="3703320" y="4843145"/>
+            <a:ext cx="3109913" cy="7123537"/>
           </a:xfrm>
         </p:spPr>
         <p:txBody>
@@ -1602,7 +1607,7 @@
           <a:p>
             <a:fld id="{1114853E-3950-45E6-8D2F-BF19A8C985AC}" type="datetimeFigureOut">
               <a:rPr lang="en-US" smtClean="0"/>
-              <a:t>11/21/2016</a:t>
+              <a:t>12/1/2016</a:t>
             </a:fld>
             <a:endParaRPr lang="en-US"/>
           </a:p>
@@ -1653,7 +1658,7 @@
     </p:spTree>
     <p:extLst>
       <p:ext uri="{BB962C8B-B14F-4D97-AF65-F5344CB8AC3E}">
-        <p14:creationId xmlns:p14="http://schemas.microsoft.com/office/powerpoint/2010/main" val="4030931948"/>
+        <p14:creationId xmlns:p14="http://schemas.microsoft.com/office/powerpoint/2010/main" val="2188227109"/>
       </p:ext>
     </p:extLst>
   </p:cSld>
@@ -1720,7 +1725,7 @@
           <a:p>
             <a:fld id="{1114853E-3950-45E6-8D2F-BF19A8C985AC}" type="datetimeFigureOut">
               <a:rPr lang="en-US" smtClean="0"/>
-              <a:t>11/21/2016</a:t>
+              <a:t>12/1/2016</a:t>
             </a:fld>
             <a:endParaRPr lang="en-US"/>
           </a:p>
@@ -1771,7 +1776,7 @@
     </p:spTree>
     <p:extLst>
       <p:ext uri="{BB962C8B-B14F-4D97-AF65-F5344CB8AC3E}">
-        <p14:creationId xmlns:p14="http://schemas.microsoft.com/office/powerpoint/2010/main" val="2044598190"/>
+        <p14:creationId xmlns:p14="http://schemas.microsoft.com/office/powerpoint/2010/main" val="3390648468"/>
       </p:ext>
     </p:extLst>
   </p:cSld>
@@ -1815,7 +1820,7 @@
           <a:p>
             <a:fld id="{1114853E-3950-45E6-8D2F-BF19A8C985AC}" type="datetimeFigureOut">
               <a:rPr lang="en-US" smtClean="0"/>
-              <a:t>11/21/2016</a:t>
+              <a:t>12/1/2016</a:t>
             </a:fld>
             <a:endParaRPr lang="en-US"/>
           </a:p>
@@ -1866,7 +1871,7 @@
     </p:spTree>
     <p:extLst>
       <p:ext uri="{BB962C8B-B14F-4D97-AF65-F5344CB8AC3E}">
-        <p14:creationId xmlns:p14="http://schemas.microsoft.com/office/powerpoint/2010/main" val="3050680342"/>
+        <p14:creationId xmlns:p14="http://schemas.microsoft.com/office/powerpoint/2010/main" val="10233729"/>
       </p:ext>
     </p:extLst>
   </p:cSld>
@@ -1905,15 +1910,15 @@
         </p:nvSpPr>
         <p:spPr>
           <a:xfrm>
-            <a:off x="472381" y="812800"/>
-            <a:ext cx="2211884" cy="2844800"/>
+            <a:off x="503873" y="883920"/>
+            <a:ext cx="2359342" cy="3093720"/>
           </a:xfrm>
         </p:spPr>
         <p:txBody>
           <a:bodyPr anchor="b"/>
           <a:lstStyle>
             <a:lvl1pPr>
-              <a:defRPr sz="2400"/>
+              <a:defRPr sz="2560"/>
             </a:lvl1pPr>
           </a:lstStyle>
           <a:p>
@@ -1937,39 +1942,39 @@
         </p:nvSpPr>
         <p:spPr>
           <a:xfrm>
-            <a:off x="2915543" y="1755425"/>
-            <a:ext cx="3471863" cy="8664222"/>
+            <a:off x="3109913" y="1909024"/>
+            <a:ext cx="3703320" cy="9422342"/>
           </a:xfrm>
         </p:spPr>
         <p:txBody>
           <a:bodyPr/>
           <a:lstStyle>
             <a:lvl1pPr>
-              <a:defRPr sz="2400"/>
+              <a:defRPr sz="2560"/>
             </a:lvl1pPr>
             <a:lvl2pPr>
-              <a:defRPr sz="2100"/>
+              <a:defRPr sz="2240"/>
             </a:lvl2pPr>
             <a:lvl3pPr>
-              <a:defRPr sz="1800"/>
+              <a:defRPr sz="1920"/>
             </a:lvl3pPr>
             <a:lvl4pPr>
-              <a:defRPr sz="1500"/>
+              <a:defRPr sz="1600"/>
             </a:lvl4pPr>
             <a:lvl5pPr>
-              <a:defRPr sz="1500"/>
+              <a:defRPr sz="1600"/>
             </a:lvl5pPr>
             <a:lvl6pPr>
-              <a:defRPr sz="1500"/>
+              <a:defRPr sz="1600"/>
             </a:lvl6pPr>
             <a:lvl7pPr>
-              <a:defRPr sz="1500"/>
+              <a:defRPr sz="1600"/>
             </a:lvl7pPr>
             <a:lvl8pPr>
-              <a:defRPr sz="1500"/>
+              <a:defRPr sz="1600"/>
             </a:lvl8pPr>
             <a:lvl9pPr>
-              <a:defRPr sz="1500"/>
+              <a:defRPr sz="1600"/>
             </a:lvl9pPr>
           </a:lstStyle>
           <a:p>
@@ -2022,8 +2027,8 @@
         </p:nvSpPr>
         <p:spPr>
           <a:xfrm>
-            <a:off x="472381" y="3657600"/>
-            <a:ext cx="2211884" cy="6776156"/>
+            <a:off x="503873" y="3977640"/>
+            <a:ext cx="2359342" cy="7369070"/>
           </a:xfrm>
         </p:spPr>
         <p:txBody>
@@ -2031,39 +2036,39 @@
           <a:lstStyle>
             <a:lvl1pPr marL="0" indent="0">
               <a:buNone/>
-              <a:defRPr sz="1200"/>
+              <a:defRPr sz="1280"/>
             </a:lvl1pPr>
-            <a:lvl2pPr marL="342900" indent="0">
+            <a:lvl2pPr marL="365760" indent="0">
               <a:buNone/>
-              <a:defRPr sz="1050"/>
+              <a:defRPr sz="1120"/>
             </a:lvl2pPr>
-            <a:lvl3pPr marL="685800" indent="0">
+            <a:lvl3pPr marL="731520" indent="0">
               <a:buNone/>
-              <a:defRPr sz="900"/>
+              <a:defRPr sz="960"/>
             </a:lvl3pPr>
-            <a:lvl4pPr marL="1028700" indent="0">
+            <a:lvl4pPr marL="1097280" indent="0">
               <a:buNone/>
-              <a:defRPr sz="750"/>
+              <a:defRPr sz="800"/>
             </a:lvl4pPr>
-            <a:lvl5pPr marL="1371600" indent="0">
+            <a:lvl5pPr marL="1463040" indent="0">
               <a:buNone/>
-              <a:defRPr sz="750"/>
+              <a:defRPr sz="800"/>
             </a:lvl5pPr>
-            <a:lvl6pPr marL="1714500" indent="0">
+            <a:lvl6pPr marL="1828800" indent="0">
               <a:buNone/>
-              <a:defRPr sz="750"/>
+              <a:defRPr sz="800"/>
             </a:lvl6pPr>
-            <a:lvl7pPr marL="2057400" indent="0">
+            <a:lvl7pPr marL="2194560" indent="0">
               <a:buNone/>
-              <a:defRPr sz="750"/>
+              <a:defRPr sz="800"/>
             </a:lvl7pPr>
-            <a:lvl8pPr marL="2400300" indent="0">
+            <a:lvl8pPr marL="2560320" indent="0">
               <a:buNone/>
-              <a:defRPr sz="750"/>
+              <a:defRPr sz="800"/>
             </a:lvl8pPr>
-            <a:lvl9pPr marL="2743200" indent="0">
+            <a:lvl9pPr marL="2926080" indent="0">
               <a:buNone/>
-              <a:defRPr sz="750"/>
+              <a:defRPr sz="800"/>
             </a:lvl9pPr>
           </a:lstStyle>
           <a:p>
@@ -2092,7 +2097,7 @@
           <a:p>
             <a:fld id="{1114853E-3950-45E6-8D2F-BF19A8C985AC}" type="datetimeFigureOut">
               <a:rPr lang="en-US" smtClean="0"/>
-              <a:t>11/21/2016</a:t>
+              <a:t>12/1/2016</a:t>
             </a:fld>
             <a:endParaRPr lang="en-US"/>
           </a:p>
@@ -2143,7 +2148,7 @@
     </p:spTree>
     <p:extLst>
       <p:ext uri="{BB962C8B-B14F-4D97-AF65-F5344CB8AC3E}">
-        <p14:creationId xmlns:p14="http://schemas.microsoft.com/office/powerpoint/2010/main" val="71002512"/>
+        <p14:creationId xmlns:p14="http://schemas.microsoft.com/office/powerpoint/2010/main" val="1936535925"/>
       </p:ext>
     </p:extLst>
   </p:cSld>
@@ -2182,15 +2187,15 @@
         </p:nvSpPr>
         <p:spPr>
           <a:xfrm>
-            <a:off x="472381" y="812800"/>
-            <a:ext cx="2211884" cy="2844800"/>
+            <a:off x="503873" y="883920"/>
+            <a:ext cx="2359342" cy="3093720"/>
           </a:xfrm>
         </p:spPr>
         <p:txBody>
           <a:bodyPr anchor="b"/>
           <a:lstStyle>
             <a:lvl1pPr>
-              <a:defRPr sz="2400"/>
+              <a:defRPr sz="2560"/>
             </a:lvl1pPr>
           </a:lstStyle>
           <a:p>
@@ -2214,8 +2219,8 @@
         </p:nvSpPr>
         <p:spPr>
           <a:xfrm>
-            <a:off x="2915543" y="1755425"/>
-            <a:ext cx="3471863" cy="8664222"/>
+            <a:off x="3109913" y="1909024"/>
+            <a:ext cx="3703320" cy="9422342"/>
           </a:xfrm>
         </p:spPr>
         <p:txBody>
@@ -2223,39 +2228,39 @@
           <a:lstStyle>
             <a:lvl1pPr marL="0" indent="0">
               <a:buNone/>
-              <a:defRPr sz="2400"/>
+              <a:defRPr sz="2560"/>
             </a:lvl1pPr>
-            <a:lvl2pPr marL="342900" indent="0">
+            <a:lvl2pPr marL="365760" indent="0">
               <a:buNone/>
-              <a:defRPr sz="2100"/>
+              <a:defRPr sz="2240"/>
             </a:lvl2pPr>
-            <a:lvl3pPr marL="685800" indent="0">
+            <a:lvl3pPr marL="731520" indent="0">
               <a:buNone/>
-              <a:defRPr sz="1800"/>
+              <a:defRPr sz="1920"/>
             </a:lvl3pPr>
-            <a:lvl4pPr marL="1028700" indent="0">
+            <a:lvl4pPr marL="1097280" indent="0">
               <a:buNone/>
-              <a:defRPr sz="1500"/>
+              <a:defRPr sz="1600"/>
             </a:lvl4pPr>
-            <a:lvl5pPr marL="1371600" indent="0">
+            <a:lvl5pPr marL="1463040" indent="0">
               <a:buNone/>
-              <a:defRPr sz="1500"/>
+              <a:defRPr sz="1600"/>
             </a:lvl5pPr>
-            <a:lvl6pPr marL="1714500" indent="0">
+            <a:lvl6pPr marL="1828800" indent="0">
               <a:buNone/>
-              <a:defRPr sz="1500"/>
+              <a:defRPr sz="1600"/>
             </a:lvl6pPr>
-            <a:lvl7pPr marL="2057400" indent="0">
+            <a:lvl7pPr marL="2194560" indent="0">
               <a:buNone/>
-              <a:defRPr sz="1500"/>
+              <a:defRPr sz="1600"/>
             </a:lvl7pPr>
-            <a:lvl8pPr marL="2400300" indent="0">
+            <a:lvl8pPr marL="2560320" indent="0">
               <a:buNone/>
-              <a:defRPr sz="1500"/>
+              <a:defRPr sz="1600"/>
             </a:lvl8pPr>
-            <a:lvl9pPr marL="2743200" indent="0">
+            <a:lvl9pPr marL="2926080" indent="0">
               <a:buNone/>
-              <a:defRPr sz="1500"/>
+              <a:defRPr sz="1600"/>
             </a:lvl9pPr>
           </a:lstStyle>
           <a:p>
@@ -2279,8 +2284,8 @@
         </p:nvSpPr>
         <p:spPr>
           <a:xfrm>
-            <a:off x="472381" y="3657600"/>
-            <a:ext cx="2211884" cy="6776156"/>
+            <a:off x="503873" y="3977640"/>
+            <a:ext cx="2359342" cy="7369070"/>
           </a:xfrm>
         </p:spPr>
         <p:txBody>
@@ -2288,39 +2293,39 @@
           <a:lstStyle>
             <a:lvl1pPr marL="0" indent="0">
               <a:buNone/>
-              <a:defRPr sz="1200"/>
+              <a:defRPr sz="1280"/>
             </a:lvl1pPr>
-            <a:lvl2pPr marL="342900" indent="0">
+            <a:lvl2pPr marL="365760" indent="0">
               <a:buNone/>
-              <a:defRPr sz="1050"/>
+              <a:defRPr sz="1120"/>
             </a:lvl2pPr>
-            <a:lvl3pPr marL="685800" indent="0">
+            <a:lvl3pPr marL="731520" indent="0">
               <a:buNone/>
-              <a:defRPr sz="900"/>
+              <a:defRPr sz="960"/>
             </a:lvl3pPr>
-            <a:lvl4pPr marL="1028700" indent="0">
+            <a:lvl4pPr marL="1097280" indent="0">
               <a:buNone/>
-              <a:defRPr sz="750"/>
+              <a:defRPr sz="800"/>
             </a:lvl4pPr>
-            <a:lvl5pPr marL="1371600" indent="0">
+            <a:lvl5pPr marL="1463040" indent="0">
               <a:buNone/>
-              <a:defRPr sz="750"/>
+              <a:defRPr sz="800"/>
             </a:lvl5pPr>
-            <a:lvl6pPr marL="1714500" indent="0">
+            <a:lvl6pPr marL="1828800" indent="0">
               <a:buNone/>
-              <a:defRPr sz="750"/>
+              <a:defRPr sz="800"/>
             </a:lvl6pPr>
-            <a:lvl7pPr marL="2057400" indent="0">
+            <a:lvl7pPr marL="2194560" indent="0">
               <a:buNone/>
-              <a:defRPr sz="750"/>
+              <a:defRPr sz="800"/>
             </a:lvl7pPr>
-            <a:lvl8pPr marL="2400300" indent="0">
+            <a:lvl8pPr marL="2560320" indent="0">
               <a:buNone/>
-              <a:defRPr sz="750"/>
+              <a:defRPr sz="800"/>
             </a:lvl8pPr>
-            <a:lvl9pPr marL="2743200" indent="0">
+            <a:lvl9pPr marL="2926080" indent="0">
               <a:buNone/>
-              <a:defRPr sz="750"/>
+              <a:defRPr sz="800"/>
             </a:lvl9pPr>
           </a:lstStyle>
           <a:p>
@@ -2349,7 +2354,7 @@
           <a:p>
             <a:fld id="{1114853E-3950-45E6-8D2F-BF19A8C985AC}" type="datetimeFigureOut">
               <a:rPr lang="en-US" smtClean="0"/>
-              <a:t>11/21/2016</a:t>
+              <a:t>12/1/2016</a:t>
             </a:fld>
             <a:endParaRPr lang="en-US"/>
           </a:p>
@@ -2400,7 +2405,7 @@
     </p:spTree>
     <p:extLst>
       <p:ext uri="{BB962C8B-B14F-4D97-AF65-F5344CB8AC3E}">
-        <p14:creationId xmlns:p14="http://schemas.microsoft.com/office/powerpoint/2010/main" val="4155670230"/>
+        <p14:creationId xmlns:p14="http://schemas.microsoft.com/office/powerpoint/2010/main" val="1734902420"/>
       </p:ext>
     </p:extLst>
   </p:cSld>
@@ -2444,8 +2449,8 @@
         </p:nvSpPr>
         <p:spPr>
           <a:xfrm>
-            <a:off x="471488" y="649114"/>
-            <a:ext cx="5915025" cy="2356556"/>
+            <a:off x="502920" y="705911"/>
+            <a:ext cx="6309360" cy="2562755"/>
           </a:xfrm>
           <a:prstGeom prst="rect">
             <a:avLst/>
@@ -2477,8 +2482,8 @@
         </p:nvSpPr>
         <p:spPr>
           <a:xfrm>
-            <a:off x="471488" y="3245556"/>
-            <a:ext cx="5915025" cy="7735712"/>
+            <a:off x="502920" y="3529542"/>
+            <a:ext cx="6309360" cy="8412587"/>
           </a:xfrm>
           <a:prstGeom prst="rect">
             <a:avLst/>
@@ -2539,8 +2544,8 @@
         </p:nvSpPr>
         <p:spPr>
           <a:xfrm>
-            <a:off x="471488" y="11300181"/>
-            <a:ext cx="1543050" cy="649111"/>
+            <a:off x="502920" y="12288946"/>
+            <a:ext cx="1645920" cy="705908"/>
           </a:xfrm>
           <a:prstGeom prst="rect">
             <a:avLst/>
@@ -2550,7 +2555,7 @@
           <a:bodyPr vert="horz" lIns="91440" tIns="45720" rIns="91440" bIns="45720" rtlCol="0" anchor="ctr"/>
           <a:lstStyle>
             <a:lvl1pPr algn="l">
-              <a:defRPr sz="900">
+              <a:defRPr sz="960">
                 <a:solidFill>
                   <a:schemeClr val="tx1">
                     <a:tint val="75000"/>
@@ -2562,7 +2567,7 @@
           <a:p>
             <a:fld id="{1114853E-3950-45E6-8D2F-BF19A8C985AC}" type="datetimeFigureOut">
               <a:rPr lang="en-US" smtClean="0"/>
-              <a:t>11/21/2016</a:t>
+              <a:t>12/1/2016</a:t>
             </a:fld>
             <a:endParaRPr lang="en-US"/>
           </a:p>
@@ -2580,8 +2585,8 @@
         </p:nvSpPr>
         <p:spPr>
           <a:xfrm>
-            <a:off x="2271713" y="11300181"/>
-            <a:ext cx="2314575" cy="649111"/>
+            <a:off x="2423160" y="12288946"/>
+            <a:ext cx="2468880" cy="705908"/>
           </a:xfrm>
           <a:prstGeom prst="rect">
             <a:avLst/>
@@ -2591,7 +2596,7 @@
           <a:bodyPr vert="horz" lIns="91440" tIns="45720" rIns="91440" bIns="45720" rtlCol="0" anchor="ctr"/>
           <a:lstStyle>
             <a:lvl1pPr algn="ctr">
-              <a:defRPr sz="900">
+              <a:defRPr sz="960">
                 <a:solidFill>
                   <a:schemeClr val="tx1">
                     <a:tint val="75000"/>
@@ -2617,8 +2622,8 @@
         </p:nvSpPr>
         <p:spPr>
           <a:xfrm>
-            <a:off x="4843463" y="11300181"/>
-            <a:ext cx="1543050" cy="649111"/>
+            <a:off x="5166360" y="12288946"/>
+            <a:ext cx="1645920" cy="705908"/>
           </a:xfrm>
           <a:prstGeom prst="rect">
             <a:avLst/>
@@ -2628,7 +2633,7 @@
           <a:bodyPr vert="horz" lIns="91440" tIns="45720" rIns="91440" bIns="45720" rtlCol="0" anchor="ctr"/>
           <a:lstStyle>
             <a:lvl1pPr algn="r">
-              <a:defRPr sz="900">
+              <a:defRPr sz="960">
                 <a:solidFill>
                   <a:schemeClr val="tx1">
                     <a:tint val="75000"/>
@@ -2649,27 +2654,27 @@
     </p:spTree>
     <p:extLst>
       <p:ext uri="{BB962C8B-B14F-4D97-AF65-F5344CB8AC3E}">
-        <p14:creationId xmlns:p14="http://schemas.microsoft.com/office/powerpoint/2010/main" val="2215492123"/>
+        <p14:creationId xmlns:p14="http://schemas.microsoft.com/office/powerpoint/2010/main" val="1386706309"/>
       </p:ext>
     </p:extLst>
   </p:cSld>
   <p:clrMap bg1="lt1" tx1="dk1" bg2="lt2" tx2="dk2" accent1="accent1" accent2="accent2" accent3="accent3" accent4="accent4" accent5="accent5" accent6="accent6" hlink="hlink" folHlink="folHlink"/>
   <p:sldLayoutIdLst>
-    <p:sldLayoutId id="2147483661" r:id="rId1"/>
-    <p:sldLayoutId id="2147483662" r:id="rId2"/>
-    <p:sldLayoutId id="2147483663" r:id="rId3"/>
-    <p:sldLayoutId id="2147483664" r:id="rId4"/>
-    <p:sldLayoutId id="2147483665" r:id="rId5"/>
-    <p:sldLayoutId id="2147483666" r:id="rId6"/>
-    <p:sldLayoutId id="2147483667" r:id="rId7"/>
-    <p:sldLayoutId id="2147483668" r:id="rId8"/>
-    <p:sldLayoutId id="2147483669" r:id="rId9"/>
-    <p:sldLayoutId id="2147483670" r:id="rId10"/>
-    <p:sldLayoutId id="2147483671" r:id="rId11"/>
+    <p:sldLayoutId id="2147483709" r:id="rId1"/>
+    <p:sldLayoutId id="2147483710" r:id="rId2"/>
+    <p:sldLayoutId id="2147483711" r:id="rId3"/>
+    <p:sldLayoutId id="2147483712" r:id="rId4"/>
+    <p:sldLayoutId id="2147483713" r:id="rId5"/>
+    <p:sldLayoutId id="2147483714" r:id="rId6"/>
+    <p:sldLayoutId id="2147483715" r:id="rId7"/>
+    <p:sldLayoutId id="2147483716" r:id="rId8"/>
+    <p:sldLayoutId id="2147483717" r:id="rId9"/>
+    <p:sldLayoutId id="2147483718" r:id="rId10"/>
+    <p:sldLayoutId id="2147483719" r:id="rId11"/>
   </p:sldLayoutIdLst>
   <p:txStyles>
     <p:titleStyle>
-      <a:lvl1pPr algn="l" defTabSz="685800" rtl="0" eaLnBrk="1" latinLnBrk="0" hangingPunct="1">
+      <a:lvl1pPr algn="l" defTabSz="731520" rtl="0" eaLnBrk="1" latinLnBrk="0" hangingPunct="1">
         <a:lnSpc>
           <a:spcPct val="90000"/>
         </a:lnSpc>
@@ -2677,7 +2682,7 @@
           <a:spcPct val="0"/>
         </a:spcBef>
         <a:buNone/>
-        <a:defRPr sz="3300" kern="1200">
+        <a:defRPr sz="3520" kern="1200">
           <a:solidFill>
             <a:schemeClr val="tx1"/>
           </a:solidFill>
@@ -2688,16 +2693,16 @@
       </a:lvl1pPr>
     </p:titleStyle>
     <p:bodyStyle>
-      <a:lvl1pPr marL="171450" indent="-171450" algn="l" defTabSz="685800" rtl="0" eaLnBrk="1" latinLnBrk="0" hangingPunct="1">
+      <a:lvl1pPr marL="182880" indent="-182880" algn="l" defTabSz="731520" rtl="0" eaLnBrk="1" latinLnBrk="0" hangingPunct="1">
         <a:lnSpc>
           <a:spcPct val="90000"/>
         </a:lnSpc>
         <a:spcBef>
-          <a:spcPts val="750"/>
+          <a:spcPts val="800"/>
         </a:spcBef>
         <a:buFont typeface="Arial" panose="020B0604020202020204" pitchFamily="34" charset="0"/>
         <a:buChar char="•"/>
-        <a:defRPr sz="2100" kern="1200">
+        <a:defRPr sz="2240" kern="1200">
           <a:solidFill>
             <a:schemeClr val="tx1"/>
           </a:solidFill>
@@ -2706,16 +2711,16 @@
           <a:cs typeface="+mn-cs"/>
         </a:defRPr>
       </a:lvl1pPr>
-      <a:lvl2pPr marL="514350" indent="-171450" algn="l" defTabSz="685800" rtl="0" eaLnBrk="1" latinLnBrk="0" hangingPunct="1">
+      <a:lvl2pPr marL="548640" indent="-182880" algn="l" defTabSz="731520" rtl="0" eaLnBrk="1" latinLnBrk="0" hangingPunct="1">
         <a:lnSpc>
           <a:spcPct val="90000"/>
         </a:lnSpc>
         <a:spcBef>
-          <a:spcPts val="375"/>
+          <a:spcPts val="400"/>
         </a:spcBef>
         <a:buFont typeface="Arial" panose="020B0604020202020204" pitchFamily="34" charset="0"/>
         <a:buChar char="•"/>
-        <a:defRPr sz="1800" kern="1200">
+        <a:defRPr sz="1920" kern="1200">
           <a:solidFill>
             <a:schemeClr val="tx1"/>
           </a:solidFill>
@@ -2724,16 +2729,16 @@
           <a:cs typeface="+mn-cs"/>
         </a:defRPr>
       </a:lvl2pPr>
-      <a:lvl3pPr marL="857250" indent="-171450" algn="l" defTabSz="685800" rtl="0" eaLnBrk="1" latinLnBrk="0" hangingPunct="1">
+      <a:lvl3pPr marL="914400" indent="-182880" algn="l" defTabSz="731520" rtl="0" eaLnBrk="1" latinLnBrk="0" hangingPunct="1">
         <a:lnSpc>
           <a:spcPct val="90000"/>
         </a:lnSpc>
         <a:spcBef>
-          <a:spcPts val="375"/>
+          <a:spcPts val="400"/>
         </a:spcBef>
         <a:buFont typeface="Arial" panose="020B0604020202020204" pitchFamily="34" charset="0"/>
         <a:buChar char="•"/>
-        <a:defRPr sz="1500" kern="1200">
+        <a:defRPr sz="1600" kern="1200">
           <a:solidFill>
             <a:schemeClr val="tx1"/>
           </a:solidFill>
@@ -2742,16 +2747,16 @@
           <a:cs typeface="+mn-cs"/>
         </a:defRPr>
       </a:lvl3pPr>
-      <a:lvl4pPr marL="1200150" indent="-171450" algn="l" defTabSz="685800" rtl="0" eaLnBrk="1" latinLnBrk="0" hangingPunct="1">
+      <a:lvl4pPr marL="1280160" indent="-182880" algn="l" defTabSz="731520" rtl="0" eaLnBrk="1" latinLnBrk="0" hangingPunct="1">
         <a:lnSpc>
           <a:spcPct val="90000"/>
         </a:lnSpc>
         <a:spcBef>
-          <a:spcPts val="375"/>
+          <a:spcPts val="400"/>
         </a:spcBef>
         <a:buFont typeface="Arial" panose="020B0604020202020204" pitchFamily="34" charset="0"/>
         <a:buChar char="•"/>
-        <a:defRPr sz="1350" kern="1200">
+        <a:defRPr sz="1440" kern="1200">
           <a:solidFill>
             <a:schemeClr val="tx1"/>
           </a:solidFill>
@@ -2760,16 +2765,16 @@
           <a:cs typeface="+mn-cs"/>
         </a:defRPr>
       </a:lvl4pPr>
-      <a:lvl5pPr marL="1543050" indent="-171450" algn="l" defTabSz="685800" rtl="0" eaLnBrk="1" latinLnBrk="0" hangingPunct="1">
+      <a:lvl5pPr marL="1645920" indent="-182880" algn="l" defTabSz="731520" rtl="0" eaLnBrk="1" latinLnBrk="0" hangingPunct="1">
         <a:lnSpc>
           <a:spcPct val="90000"/>
         </a:lnSpc>
         <a:spcBef>
-          <a:spcPts val="375"/>
+          <a:spcPts val="400"/>
         </a:spcBef>
         <a:buFont typeface="Arial" panose="020B0604020202020204" pitchFamily="34" charset="0"/>
         <a:buChar char="•"/>
-        <a:defRPr sz="1350" kern="1200">
+        <a:defRPr sz="1440" kern="1200">
           <a:solidFill>
             <a:schemeClr val="tx1"/>
           </a:solidFill>
@@ -2778,16 +2783,16 @@
           <a:cs typeface="+mn-cs"/>
         </a:defRPr>
       </a:lvl5pPr>
-      <a:lvl6pPr marL="1885950" indent="-171450" algn="l" defTabSz="685800" rtl="0" eaLnBrk="1" latinLnBrk="0" hangingPunct="1">
+      <a:lvl6pPr marL="2011680" indent="-182880" algn="l" defTabSz="731520" rtl="0" eaLnBrk="1" latinLnBrk="0" hangingPunct="1">
         <a:lnSpc>
           <a:spcPct val="90000"/>
         </a:lnSpc>
         <a:spcBef>
-          <a:spcPts val="375"/>
+          <a:spcPts val="400"/>
         </a:spcBef>
         <a:buFont typeface="Arial" panose="020B0604020202020204" pitchFamily="34" charset="0"/>
         <a:buChar char="•"/>
-        <a:defRPr sz="1350" kern="1200">
+        <a:defRPr sz="1440" kern="1200">
           <a:solidFill>
             <a:schemeClr val="tx1"/>
           </a:solidFill>
@@ -2796,16 +2801,16 @@
           <a:cs typeface="+mn-cs"/>
         </a:defRPr>
       </a:lvl6pPr>
-      <a:lvl7pPr marL="2228850" indent="-171450" algn="l" defTabSz="685800" rtl="0" eaLnBrk="1" latinLnBrk="0" hangingPunct="1">
+      <a:lvl7pPr marL="2377440" indent="-182880" algn="l" defTabSz="731520" rtl="0" eaLnBrk="1" latinLnBrk="0" hangingPunct="1">
         <a:lnSpc>
           <a:spcPct val="90000"/>
         </a:lnSpc>
         <a:spcBef>
-          <a:spcPts val="375"/>
+          <a:spcPts val="400"/>
         </a:spcBef>
         <a:buFont typeface="Arial" panose="020B0604020202020204" pitchFamily="34" charset="0"/>
         <a:buChar char="•"/>
-        <a:defRPr sz="1350" kern="1200">
+        <a:defRPr sz="1440" kern="1200">
           <a:solidFill>
             <a:schemeClr val="tx1"/>
           </a:solidFill>
@@ -2814,16 +2819,16 @@
           <a:cs typeface="+mn-cs"/>
         </a:defRPr>
       </a:lvl7pPr>
-      <a:lvl8pPr marL="2571750" indent="-171450" algn="l" defTabSz="685800" rtl="0" eaLnBrk="1" latinLnBrk="0" hangingPunct="1">
+      <a:lvl8pPr marL="2743200" indent="-182880" algn="l" defTabSz="731520" rtl="0" eaLnBrk="1" latinLnBrk="0" hangingPunct="1">
         <a:lnSpc>
           <a:spcPct val="90000"/>
         </a:lnSpc>
         <a:spcBef>
-          <a:spcPts val="375"/>
+          <a:spcPts val="400"/>
         </a:spcBef>
         <a:buFont typeface="Arial" panose="020B0604020202020204" pitchFamily="34" charset="0"/>
         <a:buChar char="•"/>
-        <a:defRPr sz="1350" kern="1200">
+        <a:defRPr sz="1440" kern="1200">
           <a:solidFill>
             <a:schemeClr val="tx1"/>
           </a:solidFill>
@@ -2832,16 +2837,16 @@
           <a:cs typeface="+mn-cs"/>
         </a:defRPr>
       </a:lvl8pPr>
-      <a:lvl9pPr marL="2914650" indent="-171450" algn="l" defTabSz="685800" rtl="0" eaLnBrk="1" latinLnBrk="0" hangingPunct="1">
+      <a:lvl9pPr marL="3108960" indent="-182880" algn="l" defTabSz="731520" rtl="0" eaLnBrk="1" latinLnBrk="0" hangingPunct="1">
         <a:lnSpc>
           <a:spcPct val="90000"/>
         </a:lnSpc>
         <a:spcBef>
-          <a:spcPts val="375"/>
+          <a:spcPts val="400"/>
         </a:spcBef>
         <a:buFont typeface="Arial" panose="020B0604020202020204" pitchFamily="34" charset="0"/>
         <a:buChar char="•"/>
-        <a:defRPr sz="1350" kern="1200">
+        <a:defRPr sz="1440" kern="1200">
           <a:solidFill>
             <a:schemeClr val="tx1"/>
           </a:solidFill>
@@ -2855,8 +2860,8 @@
       <a:defPPr>
         <a:defRPr lang="en-US"/>
       </a:defPPr>
-      <a:lvl1pPr marL="0" algn="l" defTabSz="685800" rtl="0" eaLnBrk="1" latinLnBrk="0" hangingPunct="1">
-        <a:defRPr sz="1350" kern="1200">
+      <a:lvl1pPr marL="0" algn="l" defTabSz="731520" rtl="0" eaLnBrk="1" latinLnBrk="0" hangingPunct="1">
+        <a:defRPr sz="1440" kern="1200">
           <a:solidFill>
             <a:schemeClr val="tx1"/>
           </a:solidFill>
@@ -2865,8 +2870,8 @@
           <a:cs typeface="+mn-cs"/>
         </a:defRPr>
       </a:lvl1pPr>
-      <a:lvl2pPr marL="342900" algn="l" defTabSz="685800" rtl="0" eaLnBrk="1" latinLnBrk="0" hangingPunct="1">
-        <a:defRPr sz="1350" kern="1200">
+      <a:lvl2pPr marL="365760" algn="l" defTabSz="731520" rtl="0" eaLnBrk="1" latinLnBrk="0" hangingPunct="1">
+        <a:defRPr sz="1440" kern="1200">
           <a:solidFill>
             <a:schemeClr val="tx1"/>
           </a:solidFill>
@@ -2875,8 +2880,8 @@
           <a:cs typeface="+mn-cs"/>
         </a:defRPr>
       </a:lvl2pPr>
-      <a:lvl3pPr marL="685800" algn="l" defTabSz="685800" rtl="0" eaLnBrk="1" latinLnBrk="0" hangingPunct="1">
-        <a:defRPr sz="1350" kern="1200">
+      <a:lvl3pPr marL="731520" algn="l" defTabSz="731520" rtl="0" eaLnBrk="1" latinLnBrk="0" hangingPunct="1">
+        <a:defRPr sz="1440" kern="1200">
           <a:solidFill>
             <a:schemeClr val="tx1"/>
           </a:solidFill>
@@ -2885,8 +2890,8 @@
           <a:cs typeface="+mn-cs"/>
         </a:defRPr>
       </a:lvl3pPr>
-      <a:lvl4pPr marL="1028700" algn="l" defTabSz="685800" rtl="0" eaLnBrk="1" latinLnBrk="0" hangingPunct="1">
-        <a:defRPr sz="1350" kern="1200">
+      <a:lvl4pPr marL="1097280" algn="l" defTabSz="731520" rtl="0" eaLnBrk="1" latinLnBrk="0" hangingPunct="1">
+        <a:defRPr sz="1440" kern="1200">
           <a:solidFill>
             <a:schemeClr val="tx1"/>
           </a:solidFill>
@@ -2895,8 +2900,8 @@
           <a:cs typeface="+mn-cs"/>
         </a:defRPr>
       </a:lvl4pPr>
-      <a:lvl5pPr marL="1371600" algn="l" defTabSz="685800" rtl="0" eaLnBrk="1" latinLnBrk="0" hangingPunct="1">
-        <a:defRPr sz="1350" kern="1200">
+      <a:lvl5pPr marL="1463040" algn="l" defTabSz="731520" rtl="0" eaLnBrk="1" latinLnBrk="0" hangingPunct="1">
+        <a:defRPr sz="1440" kern="1200">
           <a:solidFill>
             <a:schemeClr val="tx1"/>
           </a:solidFill>
@@ -2905,8 +2910,8 @@
           <a:cs typeface="+mn-cs"/>
         </a:defRPr>
       </a:lvl5pPr>
-      <a:lvl6pPr marL="1714500" algn="l" defTabSz="685800" rtl="0" eaLnBrk="1" latinLnBrk="0" hangingPunct="1">
-        <a:defRPr sz="1350" kern="1200">
+      <a:lvl6pPr marL="1828800" algn="l" defTabSz="731520" rtl="0" eaLnBrk="1" latinLnBrk="0" hangingPunct="1">
+        <a:defRPr sz="1440" kern="1200">
           <a:solidFill>
             <a:schemeClr val="tx1"/>
           </a:solidFill>
@@ -2915,8 +2920,8 @@
           <a:cs typeface="+mn-cs"/>
         </a:defRPr>
       </a:lvl6pPr>
-      <a:lvl7pPr marL="2057400" algn="l" defTabSz="685800" rtl="0" eaLnBrk="1" latinLnBrk="0" hangingPunct="1">
-        <a:defRPr sz="1350" kern="1200">
+      <a:lvl7pPr marL="2194560" algn="l" defTabSz="731520" rtl="0" eaLnBrk="1" latinLnBrk="0" hangingPunct="1">
+        <a:defRPr sz="1440" kern="1200">
           <a:solidFill>
             <a:schemeClr val="tx1"/>
           </a:solidFill>
@@ -2925,8 +2930,8 @@
           <a:cs typeface="+mn-cs"/>
         </a:defRPr>
       </a:lvl7pPr>
-      <a:lvl8pPr marL="2400300" algn="l" defTabSz="685800" rtl="0" eaLnBrk="1" latinLnBrk="0" hangingPunct="1">
-        <a:defRPr sz="1350" kern="1200">
+      <a:lvl8pPr marL="2560320" algn="l" defTabSz="731520" rtl="0" eaLnBrk="1" latinLnBrk="0" hangingPunct="1">
+        <a:defRPr sz="1440" kern="1200">
           <a:solidFill>
             <a:schemeClr val="tx1"/>
           </a:solidFill>
@@ -2935,8 +2940,8 @@
           <a:cs typeface="+mn-cs"/>
         </a:defRPr>
       </a:lvl8pPr>
-      <a:lvl9pPr marL="2743200" algn="l" defTabSz="685800" rtl="0" eaLnBrk="1" latinLnBrk="0" hangingPunct="1">
-        <a:defRPr sz="1350" kern="1200">
+      <a:lvl9pPr marL="2926080" algn="l" defTabSz="731520" rtl="0" eaLnBrk="1" latinLnBrk="0" hangingPunct="1">
+        <a:defRPr sz="1440" kern="1200">
           <a:solidFill>
             <a:schemeClr val="tx1"/>
           </a:solidFill>
@@ -2967,416 +2972,38 @@
           <a:chExt cx="0" cy="0"/>
         </a:xfrm>
       </p:grpSpPr>
-      <p:sp>
-        <p:nvSpPr>
-          <p:cNvPr id="156" name="Rectangle 155"/>
-          <p:cNvSpPr/>
-          <p:nvPr/>
-        </p:nvSpPr>
-        <p:spPr>
-          <a:xfrm>
-            <a:off x="0" y="129651"/>
-            <a:ext cx="6858000" cy="10690749"/>
-          </a:xfrm>
-          <a:prstGeom prst="rect">
-            <a:avLst/>
-          </a:prstGeom>
-          <a:solidFill>
-            <a:schemeClr val="bg1"/>
-          </a:solidFill>
-          <a:ln>
-            <a:noFill/>
-          </a:ln>
-        </p:spPr>
-        <p:style>
-          <a:lnRef idx="2">
-            <a:schemeClr val="accent1">
-              <a:shade val="50000"/>
-            </a:schemeClr>
-          </a:lnRef>
-          <a:fillRef idx="1">
-            <a:schemeClr val="accent1"/>
-          </a:fillRef>
-          <a:effectRef idx="0">
-            <a:schemeClr val="accent1"/>
-          </a:effectRef>
-          <a:fontRef idx="minor">
-            <a:schemeClr val="lt1"/>
-          </a:fontRef>
-        </p:style>
-        <p:txBody>
-          <a:bodyPr rtlCol="0" anchor="ctr"/>
-          <a:lstStyle/>
-          <a:p>
-            <a:pPr algn="ctr"/>
-            <a:endParaRPr lang="en-US"/>
-          </a:p>
-        </p:txBody>
-      </p:sp>
-      <p:sp>
-        <p:nvSpPr>
-          <p:cNvPr id="4" name="Flowchart: Stored Data 3"/>
-          <p:cNvSpPr/>
-          <p:nvPr/>
-        </p:nvSpPr>
-        <p:spPr>
-          <a:xfrm rot="5400000">
-            <a:off x="4137493" y="2686714"/>
-            <a:ext cx="431315" cy="458203"/>
-          </a:xfrm>
-          <a:prstGeom prst="flowChartOnlineStorage">
-            <a:avLst/>
-          </a:prstGeom>
-          <a:noFill/>
-          <a:ln w="19050">
-            <a:solidFill>
-              <a:schemeClr val="tx1"/>
-            </a:solidFill>
-          </a:ln>
-        </p:spPr>
-        <p:style>
-          <a:lnRef idx="2">
-            <a:schemeClr val="accent1">
-              <a:shade val="50000"/>
-            </a:schemeClr>
-          </a:lnRef>
-          <a:fillRef idx="1">
-            <a:schemeClr val="accent1"/>
-          </a:fillRef>
-          <a:effectRef idx="0">
-            <a:schemeClr val="accent1"/>
-          </a:effectRef>
-          <a:fontRef idx="minor">
-            <a:schemeClr val="lt1"/>
-          </a:fontRef>
-        </p:style>
-        <p:txBody>
-          <a:bodyPr rot="0" spcFirstLastPara="0" vertOverflow="overflow" horzOverflow="overflow" vert="horz" wrap="square" lIns="51435" tIns="25718" rIns="51435" bIns="25718" numCol="1" spcCol="0" rtlCol="0" fromWordArt="0" anchor="ctr" anchorCtr="0" forceAA="0" compatLnSpc="1">
-            <a:prstTxWarp prst="textNoShape">
-              <a:avLst/>
-            </a:prstTxWarp>
-            <a:noAutofit/>
-          </a:bodyPr>
-          <a:lstStyle/>
-          <a:p>
-            <a:pPr algn="ctr"/>
-            <a:endParaRPr lang="en-US" sz="1013"/>
-          </a:p>
-        </p:txBody>
-      </p:sp>
-      <p:sp>
-        <p:nvSpPr>
-          <p:cNvPr id="5" name="Flowchart: Delay 4"/>
-          <p:cNvSpPr/>
-          <p:nvPr/>
-        </p:nvSpPr>
-        <p:spPr>
-          <a:xfrm rot="16200000">
-            <a:off x="3922721" y="6845290"/>
-            <a:ext cx="414152" cy="374073"/>
-          </a:xfrm>
-          <a:prstGeom prst="flowChartDelay">
-            <a:avLst/>
-          </a:prstGeom>
-          <a:noFill/>
-          <a:ln w="19050">
-            <a:solidFill>
-              <a:schemeClr val="tx1"/>
-            </a:solidFill>
-          </a:ln>
-        </p:spPr>
-        <p:style>
-          <a:lnRef idx="2">
-            <a:schemeClr val="accent1">
-              <a:shade val="50000"/>
-            </a:schemeClr>
-          </a:lnRef>
-          <a:fillRef idx="1">
-            <a:schemeClr val="accent1"/>
-          </a:fillRef>
-          <a:effectRef idx="0">
-            <a:schemeClr val="accent1"/>
-          </a:effectRef>
-          <a:fontRef idx="minor">
-            <a:schemeClr val="lt1"/>
-          </a:fontRef>
-        </p:style>
-        <p:txBody>
-          <a:bodyPr rot="0" spcFirstLastPara="0" vertOverflow="overflow" horzOverflow="overflow" vert="horz" wrap="square" lIns="51435" tIns="25718" rIns="51435" bIns="25718" numCol="1" spcCol="0" rtlCol="0" fromWordArt="0" anchor="ctr" anchorCtr="0" forceAA="0" compatLnSpc="1">
-            <a:prstTxWarp prst="textNoShape">
-              <a:avLst/>
-            </a:prstTxWarp>
-            <a:noAutofit/>
-          </a:bodyPr>
-          <a:lstStyle/>
-          <a:p>
-            <a:pPr algn="ctr"/>
-            <a:endParaRPr lang="en-US" sz="1013"/>
-          </a:p>
-        </p:txBody>
-      </p:sp>
-      <p:sp>
-        <p:nvSpPr>
-          <p:cNvPr id="9" name="Rectangle 8"/>
-          <p:cNvSpPr/>
-          <p:nvPr/>
-        </p:nvSpPr>
-        <p:spPr>
-          <a:xfrm>
-            <a:off x="2986881" y="287848"/>
-            <a:ext cx="955879" cy="510811"/>
-          </a:xfrm>
-          <a:prstGeom prst="rect">
-            <a:avLst/>
-          </a:prstGeom>
-          <a:noFill/>
-          <a:ln w="19050">
-            <a:solidFill>
-              <a:schemeClr val="tx1"/>
-            </a:solidFill>
-          </a:ln>
-        </p:spPr>
-        <p:style>
-          <a:lnRef idx="2">
-            <a:schemeClr val="accent1">
-              <a:shade val="50000"/>
-            </a:schemeClr>
-          </a:lnRef>
-          <a:fillRef idx="1">
-            <a:schemeClr val="accent1"/>
-          </a:fillRef>
-          <a:effectRef idx="0">
-            <a:schemeClr val="accent1"/>
-          </a:effectRef>
-          <a:fontRef idx="minor">
-            <a:schemeClr val="lt1"/>
-          </a:fontRef>
-        </p:style>
-        <p:txBody>
-          <a:bodyPr rot="0" spcFirstLastPara="0" vertOverflow="overflow" horzOverflow="overflow" vert="horz" wrap="square" lIns="51435" tIns="25718" rIns="51435" bIns="25718" numCol="1" spcCol="0" rtlCol="0" fromWordArt="0" anchor="ctr" anchorCtr="0" forceAA="0" compatLnSpc="1">
-            <a:prstTxWarp prst="textNoShape">
-              <a:avLst/>
-            </a:prstTxWarp>
-            <a:noAutofit/>
-          </a:bodyPr>
-          <a:lstStyle/>
-          <a:p>
-            <a:pPr algn="ctr"/>
-            <a:r>
-              <a:rPr lang="en-US" sz="1200" dirty="0">
-                <a:solidFill>
-                  <a:schemeClr val="tx1"/>
-                </a:solidFill>
-              </a:rPr>
-              <a:t>Out of Bounds</a:t>
-            </a:r>
-          </a:p>
-        </p:txBody>
-      </p:sp>
-      <p:sp>
-        <p:nvSpPr>
-          <p:cNvPr id="11" name="Rectangle 10"/>
-          <p:cNvSpPr/>
-          <p:nvPr/>
-        </p:nvSpPr>
-        <p:spPr>
-          <a:xfrm>
-            <a:off x="1829355" y="1781559"/>
-            <a:ext cx="955879" cy="686573"/>
-          </a:xfrm>
-          <a:prstGeom prst="rect">
-            <a:avLst/>
-          </a:prstGeom>
-          <a:noFill/>
-          <a:ln w="19050">
-            <a:solidFill>
-              <a:schemeClr val="tx1"/>
-            </a:solidFill>
-          </a:ln>
-        </p:spPr>
-        <p:style>
-          <a:lnRef idx="2">
-            <a:schemeClr val="accent1">
-              <a:shade val="50000"/>
-            </a:schemeClr>
-          </a:lnRef>
-          <a:fillRef idx="1">
-            <a:schemeClr val="accent1"/>
-          </a:fillRef>
-          <a:effectRef idx="0">
-            <a:schemeClr val="accent1"/>
-          </a:effectRef>
-          <a:fontRef idx="minor">
-            <a:schemeClr val="lt1"/>
-          </a:fontRef>
-        </p:style>
-        <p:txBody>
-          <a:bodyPr rot="0" spcFirstLastPara="0" vertOverflow="overflow" horzOverflow="overflow" vert="horz" wrap="square" lIns="51435" tIns="25718" rIns="51435" bIns="25718" numCol="1" spcCol="0" rtlCol="0" fromWordArt="0" anchor="ctr" anchorCtr="0" forceAA="0" compatLnSpc="1">
-            <a:prstTxWarp prst="textNoShape">
-              <a:avLst/>
-            </a:prstTxWarp>
-            <a:noAutofit/>
-          </a:bodyPr>
-          <a:lstStyle/>
-          <a:p>
-            <a:pPr algn="ctr"/>
-            <a:r>
-              <a:rPr lang="en-US" sz="1200" dirty="0">
-                <a:solidFill>
-                  <a:schemeClr val="tx1"/>
-                </a:solidFill>
-              </a:rPr>
-              <a:t>Incorrect Locomotion Commands</a:t>
-            </a:r>
-          </a:p>
-        </p:txBody>
-      </p:sp>
-      <p:sp>
-        <p:nvSpPr>
-          <p:cNvPr id="12" name="Rectangle 11"/>
-          <p:cNvSpPr/>
-          <p:nvPr/>
-        </p:nvSpPr>
-        <p:spPr>
-          <a:xfrm>
-            <a:off x="1829240" y="2908319"/>
-            <a:ext cx="955879" cy="617562"/>
-          </a:xfrm>
-          <a:prstGeom prst="rect">
-            <a:avLst/>
-          </a:prstGeom>
-          <a:noFill/>
-          <a:ln w="19050">
-            <a:solidFill>
-              <a:schemeClr val="tx1"/>
-            </a:solidFill>
-          </a:ln>
-        </p:spPr>
-        <p:style>
-          <a:lnRef idx="2">
-            <a:schemeClr val="accent1">
-              <a:shade val="50000"/>
-            </a:schemeClr>
-          </a:lnRef>
-          <a:fillRef idx="1">
-            <a:schemeClr val="accent1"/>
-          </a:fillRef>
-          <a:effectRef idx="0">
-            <a:schemeClr val="accent1"/>
-          </a:effectRef>
-          <a:fontRef idx="minor">
-            <a:schemeClr val="lt1"/>
-          </a:fontRef>
-        </p:style>
-        <p:txBody>
-          <a:bodyPr rot="0" spcFirstLastPara="0" vertOverflow="overflow" horzOverflow="overflow" vert="horz" wrap="square" lIns="51435" tIns="25718" rIns="51435" bIns="25718" numCol="1" spcCol="0" rtlCol="0" fromWordArt="0" anchor="ctr" anchorCtr="0" forceAA="0" compatLnSpc="1">
-            <a:prstTxWarp prst="textNoShape">
-              <a:avLst/>
-            </a:prstTxWarp>
-            <a:noAutofit/>
-          </a:bodyPr>
-          <a:lstStyle/>
-          <a:p>
-            <a:pPr algn="ctr"/>
-            <a:r>
-              <a:rPr lang="en-US" sz="1200" dirty="0">
-                <a:solidFill>
-                  <a:schemeClr val="tx1"/>
-                </a:solidFill>
-              </a:rPr>
-              <a:t>Inaccurate Planning</a:t>
-            </a:r>
-          </a:p>
-        </p:txBody>
-      </p:sp>
-      <p:sp>
-        <p:nvSpPr>
-          <p:cNvPr id="13" name="Rectangle 12"/>
-          <p:cNvSpPr/>
-          <p:nvPr/>
-        </p:nvSpPr>
-        <p:spPr>
-          <a:xfrm>
-            <a:off x="1839107" y="3927664"/>
-            <a:ext cx="936143" cy="703825"/>
-          </a:xfrm>
-          <a:prstGeom prst="rect">
-            <a:avLst/>
-          </a:prstGeom>
-          <a:noFill/>
-          <a:ln w="19050">
-            <a:solidFill>
-              <a:schemeClr val="tx1"/>
-            </a:solidFill>
-          </a:ln>
-        </p:spPr>
-        <p:style>
-          <a:lnRef idx="2">
-            <a:schemeClr val="accent1">
-              <a:shade val="50000"/>
-            </a:schemeClr>
-          </a:lnRef>
-          <a:fillRef idx="1">
-            <a:schemeClr val="accent1"/>
-          </a:fillRef>
-          <a:effectRef idx="0">
-            <a:schemeClr val="accent1"/>
-          </a:effectRef>
-          <a:fontRef idx="minor">
-            <a:schemeClr val="lt1"/>
-          </a:fontRef>
-        </p:style>
-        <p:txBody>
-          <a:bodyPr rot="0" spcFirstLastPara="0" vertOverflow="overflow" horzOverflow="overflow" vert="horz" wrap="square" lIns="51435" tIns="25718" rIns="51435" bIns="25718" numCol="1" spcCol="0" rtlCol="0" fromWordArt="0" anchor="ctr" anchorCtr="0" forceAA="0" compatLnSpc="1">
-            <a:prstTxWarp prst="textNoShape">
-              <a:avLst/>
-            </a:prstTxWarp>
-            <a:noAutofit/>
-          </a:bodyPr>
-          <a:lstStyle/>
-          <a:p>
-            <a:pPr algn="ctr"/>
-            <a:r>
-              <a:rPr lang="en-US" sz="1200" dirty="0">
-                <a:solidFill>
-                  <a:schemeClr val="tx1"/>
-                </a:solidFill>
-              </a:rPr>
-              <a:t>Incorrect Localization</a:t>
-            </a:r>
-          </a:p>
-        </p:txBody>
-      </p:sp>
       <p:grpSp>
         <p:nvGrpSpPr>
-          <p:cNvPr id="16" name="Group 15"/>
+          <p:cNvPr id="6" name="Group 5"/>
           <p:cNvGrpSpPr/>
           <p:nvPr/>
         </p:nvGrpSpPr>
         <p:grpSpPr>
           <a:xfrm>
-            <a:off x="181927" y="7801152"/>
-            <a:ext cx="1154522" cy="1009291"/>
-            <a:chOff x="640162" y="4840830"/>
-            <a:chExt cx="941862" cy="902847"/>
+            <a:off x="0" y="428927"/>
+            <a:ext cx="7445828" cy="12467923"/>
+            <a:chOff x="3000375" y="145858"/>
+            <a:chExt cx="7715250" cy="12027093"/>
           </a:xfrm>
         </p:grpSpPr>
         <p:sp>
           <p:nvSpPr>
-            <p:cNvPr id="14" name="Rectangle 13"/>
+            <p:cNvPr id="156" name="Rectangle 155"/>
             <p:cNvSpPr/>
             <p:nvPr/>
           </p:nvSpPr>
           <p:spPr>
             <a:xfrm>
-              <a:off x="640162" y="4840830"/>
-              <a:ext cx="941862" cy="902847"/>
+              <a:off x="3000375" y="145858"/>
+              <a:ext cx="7715250" cy="12027093"/>
             </a:xfrm>
             <a:prstGeom prst="rect">
               <a:avLst/>
             </a:prstGeom>
-            <a:noFill/>
-            <a:ln w="19050">
+            <a:solidFill>
+              <a:schemeClr val="bg1"/>
+            </a:solidFill>
+            <a:ln>
               <a:noFill/>
             </a:ln>
           </p:spPr>
@@ -3397,43 +3024,26 @@
             </a:fontRef>
           </p:style>
           <p:txBody>
-            <a:bodyPr rot="0" spcFirstLastPara="0" vertOverflow="overflow" horzOverflow="overflow" vert="horz" wrap="square" lIns="51435" tIns="25718" rIns="51435" bIns="25718" numCol="1" spcCol="0" rtlCol="0" fromWordArt="0" anchor="ctr" anchorCtr="0" forceAA="0" compatLnSpc="1">
-              <a:prstTxWarp prst="textNoShape">
-                <a:avLst/>
-              </a:prstTxWarp>
-              <a:noAutofit/>
-            </a:bodyPr>
+            <a:bodyPr rtlCol="0" anchor="ctr"/>
             <a:lstStyle/>
             <a:p>
               <a:pPr algn="ctr"/>
-              <a:r>
-                <a:rPr lang="en-US" sz="1200" dirty="0" smtClean="0">
-                  <a:solidFill>
-                    <a:schemeClr val="tx1"/>
-                  </a:solidFill>
-                </a:rPr>
-                <a:t>Incorrectly Placed Boundary Vision Tag</a:t>
-              </a:r>
-              <a:endParaRPr lang="en-US" sz="1200" dirty="0">
-                <a:solidFill>
-                  <a:schemeClr val="tx1"/>
-                </a:solidFill>
-              </a:endParaRPr>
+              <a:endParaRPr lang="en-US" sz="3221"/>
             </a:p>
           </p:txBody>
         </p:sp>
         <p:sp>
           <p:nvSpPr>
-            <p:cNvPr id="15" name="Diamond 14"/>
+            <p:cNvPr id="4" name="Flowchart: Stored Data 3"/>
             <p:cNvSpPr/>
             <p:nvPr/>
           </p:nvSpPr>
           <p:spPr>
-            <a:xfrm>
-              <a:off x="640162" y="4840830"/>
-              <a:ext cx="941862" cy="902847"/>
+            <a:xfrm rot="5400000">
+              <a:off x="7655055" y="3022554"/>
+              <a:ext cx="485229" cy="515478"/>
             </a:xfrm>
-            <a:prstGeom prst="diamond">
+            <a:prstGeom prst="flowChartOnlineStorage">
               <a:avLst/>
             </a:prstGeom>
             <a:noFill/>
@@ -3460,7 +3070,7 @@
             </a:fontRef>
           </p:style>
           <p:txBody>
-            <a:bodyPr rot="0" spcFirstLastPara="0" vertOverflow="overflow" horzOverflow="overflow" vert="horz" wrap="square" lIns="51435" tIns="25718" rIns="51435" bIns="25718" numCol="1" spcCol="0" rtlCol="0" fromWordArt="0" anchor="ctr" anchorCtr="0" forceAA="0" compatLnSpc="1">
+            <a:bodyPr rot="0" spcFirstLastPara="0" vertOverflow="overflow" horzOverflow="overflow" vert="horz" wrap="square" lIns="63926" tIns="31964" rIns="63926" bIns="31964" numCol="1" spcCol="0" rtlCol="0" fromWordArt="0" anchor="ctr" anchorCtr="0" forceAA="0" compatLnSpc="1">
               <a:prstTxWarp prst="textNoShape">
                 <a:avLst/>
               </a:prstTxWarp>
@@ -3469,102 +3079,22 @@
             <a:lstStyle/>
             <a:p>
               <a:pPr algn="ctr"/>
-              <a:endParaRPr lang="en-US" sz="1013" dirty="0">
-                <a:solidFill>
-                  <a:schemeClr val="tx1"/>
-                </a:solidFill>
-              </a:endParaRPr>
-            </a:p>
-          </p:txBody>
-        </p:sp>
-      </p:grpSp>
-      <p:grpSp>
-        <p:nvGrpSpPr>
-          <p:cNvPr id="17" name="Group 16"/>
-          <p:cNvGrpSpPr/>
-          <p:nvPr/>
-        </p:nvGrpSpPr>
-        <p:grpSpPr>
-          <a:xfrm>
-            <a:off x="3435130" y="7801152"/>
-            <a:ext cx="1015260" cy="902847"/>
-            <a:chOff x="640162" y="4840830"/>
-            <a:chExt cx="1015260" cy="902847"/>
-          </a:xfrm>
-        </p:grpSpPr>
-        <p:sp>
-          <p:nvSpPr>
-            <p:cNvPr id="18" name="Rectangle 17"/>
-            <p:cNvSpPr/>
-            <p:nvPr/>
-          </p:nvSpPr>
-          <p:spPr>
-            <a:xfrm>
-              <a:off x="640162" y="4943343"/>
-              <a:ext cx="1015260" cy="702380"/>
-            </a:xfrm>
-            <a:prstGeom prst="rect">
-              <a:avLst/>
-            </a:prstGeom>
-            <a:noFill/>
-            <a:ln w="19050">
-              <a:noFill/>
-            </a:ln>
-          </p:spPr>
-          <p:style>
-            <a:lnRef idx="2">
-              <a:schemeClr val="accent1">
-                <a:shade val="50000"/>
-              </a:schemeClr>
-            </a:lnRef>
-            <a:fillRef idx="1">
-              <a:schemeClr val="accent1"/>
-            </a:fillRef>
-            <a:effectRef idx="0">
-              <a:schemeClr val="accent1"/>
-            </a:effectRef>
-            <a:fontRef idx="minor">
-              <a:schemeClr val="lt1"/>
-            </a:fontRef>
-          </p:style>
-          <p:txBody>
-            <a:bodyPr rot="0" spcFirstLastPara="0" vertOverflow="overflow" horzOverflow="overflow" vert="horz" wrap="square" lIns="51435" tIns="25718" rIns="51435" bIns="25718" numCol="1" spcCol="0" rtlCol="0" fromWordArt="0" anchor="ctr" anchorCtr="0" forceAA="0" compatLnSpc="1">
-              <a:prstTxWarp prst="textNoShape">
-                <a:avLst/>
-              </a:prstTxWarp>
-              <a:noAutofit/>
-            </a:bodyPr>
-            <a:lstStyle/>
-            <a:p>
-              <a:pPr algn="ctr"/>
-              <a:r>
-                <a:rPr lang="en-US" sz="1200" dirty="0" smtClean="0">
-                  <a:solidFill>
-                    <a:schemeClr val="tx1"/>
-                  </a:solidFill>
-                </a:rPr>
-                <a:t>Fail to check bounds</a:t>
-              </a:r>
-              <a:endParaRPr lang="en-US" sz="1200" dirty="0">
-                <a:solidFill>
-                  <a:schemeClr val="tx1"/>
-                </a:solidFill>
-              </a:endParaRPr>
+              <a:endParaRPr lang="en-US" sz="1259"/>
             </a:p>
           </p:txBody>
         </p:sp>
         <p:sp>
           <p:nvSpPr>
-            <p:cNvPr id="19" name="Diamond 18"/>
+            <p:cNvPr id="5" name="Flowchart: Delay 4"/>
             <p:cNvSpPr/>
             <p:nvPr/>
           </p:nvSpPr>
           <p:spPr>
-            <a:xfrm>
-              <a:off x="640162" y="4840830"/>
-              <a:ext cx="941862" cy="902847"/>
+            <a:xfrm rot="16200000">
+              <a:off x="7413436" y="7700952"/>
+              <a:ext cx="465921" cy="420832"/>
             </a:xfrm>
-            <a:prstGeom prst="diamond">
+            <a:prstGeom prst="flowChartDelay">
               <a:avLst/>
             </a:prstGeom>
             <a:noFill/>
@@ -3591,7 +3121,7 @@
             </a:fontRef>
           </p:style>
           <p:txBody>
-            <a:bodyPr rot="0" spcFirstLastPara="0" vertOverflow="overflow" horzOverflow="overflow" vert="horz" wrap="square" lIns="51435" tIns="25718" rIns="51435" bIns="25718" numCol="1" spcCol="0" rtlCol="0" fromWordArt="0" anchor="ctr" anchorCtr="0" forceAA="0" compatLnSpc="1">
+            <a:bodyPr rot="0" spcFirstLastPara="0" vertOverflow="overflow" horzOverflow="overflow" vert="horz" wrap="square" lIns="63926" tIns="31964" rIns="63926" bIns="31964" numCol="1" spcCol="0" rtlCol="0" fromWordArt="0" anchor="ctr" anchorCtr="0" forceAA="0" compatLnSpc="1">
               <a:prstTxWarp prst="textNoShape">
                 <a:avLst/>
               </a:prstTxWarp>
@@ -3600,692 +3130,22 @@
             <a:lstStyle/>
             <a:p>
               <a:pPr algn="ctr"/>
-              <a:endParaRPr lang="en-US" sz="1013" dirty="0">
-                <a:solidFill>
-                  <a:schemeClr val="tx1"/>
-                </a:solidFill>
-              </a:endParaRPr>
+              <a:endParaRPr lang="en-US" sz="1259"/>
             </a:p>
           </p:txBody>
         </p:sp>
-      </p:grpSp>
-      <p:sp>
-        <p:nvSpPr>
-          <p:cNvPr id="20" name="Rectangle 19"/>
-          <p:cNvSpPr/>
-          <p:nvPr/>
-        </p:nvSpPr>
-        <p:spPr>
-          <a:xfrm>
-            <a:off x="5102523" y="7801152"/>
-            <a:ext cx="903180" cy="703825"/>
-          </a:xfrm>
-          <a:prstGeom prst="rect">
-            <a:avLst/>
-          </a:prstGeom>
-          <a:noFill/>
-          <a:ln w="19050">
-            <a:solidFill>
-              <a:schemeClr val="tx1"/>
-            </a:solidFill>
-          </a:ln>
-        </p:spPr>
-        <p:style>
-          <a:lnRef idx="2">
-            <a:schemeClr val="accent1">
-              <a:shade val="50000"/>
-            </a:schemeClr>
-          </a:lnRef>
-          <a:fillRef idx="1">
-            <a:schemeClr val="accent1"/>
-          </a:fillRef>
-          <a:effectRef idx="0">
-            <a:schemeClr val="accent1"/>
-          </a:effectRef>
-          <a:fontRef idx="minor">
-            <a:schemeClr val="lt1"/>
-          </a:fontRef>
-        </p:style>
-        <p:txBody>
-          <a:bodyPr rot="0" spcFirstLastPara="0" vertOverflow="overflow" horzOverflow="overflow" vert="horz" wrap="square" lIns="51435" tIns="25718" rIns="51435" bIns="25718" numCol="1" spcCol="0" rtlCol="0" fromWordArt="0" anchor="ctr" anchorCtr="0" forceAA="0" compatLnSpc="1">
-            <a:prstTxWarp prst="textNoShape">
-              <a:avLst/>
-            </a:prstTxWarp>
-            <a:noAutofit/>
-          </a:bodyPr>
-          <a:lstStyle/>
-          <a:p>
-            <a:pPr algn="ctr"/>
-            <a:r>
-              <a:rPr lang="en-US" sz="1200" dirty="0" smtClean="0">
-                <a:solidFill>
-                  <a:schemeClr val="tx1"/>
-                </a:solidFill>
-              </a:rPr>
-              <a:t>Out of bounds input</a:t>
-            </a:r>
-            <a:endParaRPr lang="en-US" sz="1200" dirty="0">
-              <a:solidFill>
-                <a:schemeClr val="tx1"/>
-              </a:solidFill>
-            </a:endParaRPr>
-          </a:p>
-        </p:txBody>
-      </p:sp>
-      <p:sp>
-        <p:nvSpPr>
-          <p:cNvPr id="21" name="Rectangle 20"/>
-          <p:cNvSpPr/>
-          <p:nvPr/>
-        </p:nvSpPr>
-        <p:spPr>
-          <a:xfrm>
-            <a:off x="3464307" y="3754469"/>
-            <a:ext cx="1072900" cy="760894"/>
-          </a:xfrm>
-          <a:prstGeom prst="rect">
-            <a:avLst/>
-          </a:prstGeom>
-          <a:noFill/>
-          <a:ln w="19050">
-            <a:solidFill>
-              <a:schemeClr val="tx1"/>
-            </a:solidFill>
-          </a:ln>
-        </p:spPr>
-        <p:style>
-          <a:lnRef idx="2">
-            <a:schemeClr val="accent1">
-              <a:shade val="50000"/>
-            </a:schemeClr>
-          </a:lnRef>
-          <a:fillRef idx="1">
-            <a:schemeClr val="accent1"/>
-          </a:fillRef>
-          <a:effectRef idx="0">
-            <a:schemeClr val="accent1"/>
-          </a:effectRef>
-          <a:fontRef idx="minor">
-            <a:schemeClr val="lt1"/>
-          </a:fontRef>
-        </p:style>
-        <p:txBody>
-          <a:bodyPr rot="0" spcFirstLastPara="0" vertOverflow="overflow" horzOverflow="overflow" vert="horz" wrap="square" lIns="51435" tIns="25718" rIns="51435" bIns="25718" numCol="1" spcCol="0" rtlCol="0" fromWordArt="0" anchor="ctr" anchorCtr="0" forceAA="0" compatLnSpc="1">
-            <a:prstTxWarp prst="textNoShape">
-              <a:avLst/>
-            </a:prstTxWarp>
-            <a:noAutofit/>
-          </a:bodyPr>
-          <a:lstStyle/>
-          <a:p>
-            <a:pPr algn="ctr"/>
-            <a:r>
-              <a:rPr lang="en-US" sz="1200" dirty="0" smtClean="0">
-                <a:solidFill>
-                  <a:schemeClr val="tx1"/>
-                </a:solidFill>
-              </a:rPr>
-              <a:t>Loss of communication</a:t>
-            </a:r>
-            <a:endParaRPr lang="en-US" sz="1200" dirty="0">
-              <a:solidFill>
-                <a:schemeClr val="tx1"/>
-              </a:solidFill>
-            </a:endParaRPr>
-          </a:p>
-        </p:txBody>
-      </p:sp>
-      <p:sp>
-        <p:nvSpPr>
-          <p:cNvPr id="22" name="Rectangle 21"/>
-          <p:cNvSpPr/>
-          <p:nvPr/>
-        </p:nvSpPr>
-        <p:spPr>
-          <a:xfrm>
-            <a:off x="4932803" y="3754469"/>
-            <a:ext cx="1072900" cy="760894"/>
-          </a:xfrm>
-          <a:prstGeom prst="rect">
-            <a:avLst/>
-          </a:prstGeom>
-          <a:noFill/>
-          <a:ln w="19050">
-            <a:solidFill>
-              <a:schemeClr val="tx1"/>
-            </a:solidFill>
-          </a:ln>
-        </p:spPr>
-        <p:style>
-          <a:lnRef idx="2">
-            <a:schemeClr val="accent1">
-              <a:shade val="50000"/>
-            </a:schemeClr>
-          </a:lnRef>
-          <a:fillRef idx="1">
-            <a:schemeClr val="accent1"/>
-          </a:fillRef>
-          <a:effectRef idx="0">
-            <a:schemeClr val="accent1"/>
-          </a:effectRef>
-          <a:fontRef idx="minor">
-            <a:schemeClr val="lt1"/>
-          </a:fontRef>
-        </p:style>
-        <p:txBody>
-          <a:bodyPr rot="0" spcFirstLastPara="0" vertOverflow="overflow" horzOverflow="overflow" vert="horz" wrap="square" lIns="51435" tIns="25718" rIns="51435" bIns="25718" numCol="1" spcCol="0" rtlCol="0" fromWordArt="0" anchor="ctr" anchorCtr="0" forceAA="0" compatLnSpc="1">
-            <a:prstTxWarp prst="textNoShape">
-              <a:avLst/>
-            </a:prstTxWarp>
-            <a:noAutofit/>
-          </a:bodyPr>
-          <a:lstStyle/>
-          <a:p>
-            <a:pPr algn="ctr"/>
-            <a:r>
-              <a:rPr lang="en-US" sz="1200" dirty="0" smtClean="0">
-                <a:solidFill>
-                  <a:schemeClr val="tx1"/>
-                </a:solidFill>
-              </a:rPr>
-              <a:t>Wheel Mechanical Failure</a:t>
-            </a:r>
-            <a:endParaRPr lang="en-US" sz="1200" dirty="0">
-              <a:solidFill>
-                <a:schemeClr val="tx1"/>
-              </a:solidFill>
-            </a:endParaRPr>
-          </a:p>
-        </p:txBody>
-      </p:sp>
-      <p:sp>
-        <p:nvSpPr>
-          <p:cNvPr id="23" name="Rectangle 22"/>
-          <p:cNvSpPr/>
-          <p:nvPr/>
-        </p:nvSpPr>
-        <p:spPr>
-          <a:xfrm>
-            <a:off x="3822877" y="1796073"/>
-            <a:ext cx="1064342" cy="657544"/>
-          </a:xfrm>
-          <a:prstGeom prst="rect">
-            <a:avLst/>
-          </a:prstGeom>
-          <a:noFill/>
-          <a:ln w="19050">
-            <a:solidFill>
-              <a:schemeClr val="tx1"/>
-            </a:solidFill>
-          </a:ln>
-        </p:spPr>
-        <p:style>
-          <a:lnRef idx="2">
-            <a:schemeClr val="accent1">
-              <a:shade val="50000"/>
-            </a:schemeClr>
-          </a:lnRef>
-          <a:fillRef idx="1">
-            <a:schemeClr val="accent1"/>
-          </a:fillRef>
-          <a:effectRef idx="0">
-            <a:schemeClr val="accent1"/>
-          </a:effectRef>
-          <a:fontRef idx="minor">
-            <a:schemeClr val="lt1"/>
-          </a:fontRef>
-        </p:style>
-        <p:txBody>
-          <a:bodyPr rot="0" spcFirstLastPara="0" vertOverflow="overflow" horzOverflow="overflow" vert="horz" wrap="square" lIns="51435" tIns="25718" rIns="51435" bIns="25718" numCol="1" spcCol="0" rtlCol="0" fromWordArt="0" anchor="ctr" anchorCtr="0" forceAA="0" compatLnSpc="1">
-            <a:prstTxWarp prst="textNoShape">
-              <a:avLst/>
-            </a:prstTxWarp>
-            <a:noAutofit/>
-          </a:bodyPr>
-          <a:lstStyle/>
-          <a:p>
-            <a:pPr algn="ctr"/>
-            <a:r>
-              <a:rPr lang="en-US" sz="1200" dirty="0" smtClean="0">
-                <a:solidFill>
-                  <a:schemeClr val="tx1"/>
-                </a:solidFill>
-              </a:rPr>
-              <a:t>Loss of Robot Control</a:t>
-            </a:r>
-            <a:endParaRPr lang="en-US" sz="1200" dirty="0">
-              <a:solidFill>
-                <a:schemeClr val="tx1"/>
-              </a:solidFill>
-            </a:endParaRPr>
-          </a:p>
-        </p:txBody>
-      </p:sp>
-      <p:sp>
-        <p:nvSpPr>
-          <p:cNvPr id="24" name="Flowchart: Stored Data 23"/>
-          <p:cNvSpPr/>
-          <p:nvPr/>
-        </p:nvSpPr>
-        <p:spPr>
-          <a:xfrm rot="5400000">
-            <a:off x="3248649" y="996895"/>
-            <a:ext cx="431315" cy="458203"/>
-          </a:xfrm>
-          <a:prstGeom prst="flowChartOnlineStorage">
-            <a:avLst/>
-          </a:prstGeom>
-          <a:noFill/>
-          <a:ln w="19050">
-            <a:solidFill>
-              <a:schemeClr val="tx1"/>
-            </a:solidFill>
-          </a:ln>
-        </p:spPr>
-        <p:style>
-          <a:lnRef idx="2">
-            <a:schemeClr val="accent1">
-              <a:shade val="50000"/>
-            </a:schemeClr>
-          </a:lnRef>
-          <a:fillRef idx="1">
-            <a:schemeClr val="accent1"/>
-          </a:fillRef>
-          <a:effectRef idx="0">
-            <a:schemeClr val="accent1"/>
-          </a:effectRef>
-          <a:fontRef idx="minor">
-            <a:schemeClr val="lt1"/>
-          </a:fontRef>
-        </p:style>
-        <p:txBody>
-          <a:bodyPr rot="0" spcFirstLastPara="0" vertOverflow="overflow" horzOverflow="overflow" vert="horz" wrap="square" lIns="51435" tIns="25718" rIns="51435" bIns="25718" numCol="1" spcCol="0" rtlCol="0" fromWordArt="0" anchor="ctr" anchorCtr="0" forceAA="0" compatLnSpc="1">
-            <a:prstTxWarp prst="textNoShape">
-              <a:avLst/>
-            </a:prstTxWarp>
-            <a:noAutofit/>
-          </a:bodyPr>
-          <a:lstStyle/>
-          <a:p>
-            <a:pPr algn="ctr"/>
-            <a:endParaRPr lang="en-US" sz="1013"/>
-          </a:p>
-        </p:txBody>
-      </p:sp>
-      <p:sp>
-        <p:nvSpPr>
-          <p:cNvPr id="25" name="Flowchart: Stored Data 24"/>
-          <p:cNvSpPr/>
-          <p:nvPr/>
-        </p:nvSpPr>
-        <p:spPr>
-          <a:xfrm rot="5400000">
-            <a:off x="2091520" y="4902511"/>
-            <a:ext cx="431315" cy="458203"/>
-          </a:xfrm>
-          <a:prstGeom prst="flowChartOnlineStorage">
-            <a:avLst/>
-          </a:prstGeom>
-          <a:noFill/>
-          <a:ln w="19050">
-            <a:solidFill>
-              <a:schemeClr val="tx1"/>
-            </a:solidFill>
-          </a:ln>
-        </p:spPr>
-        <p:style>
-          <a:lnRef idx="2">
-            <a:schemeClr val="accent1">
-              <a:shade val="50000"/>
-            </a:schemeClr>
-          </a:lnRef>
-          <a:fillRef idx="1">
-            <a:schemeClr val="accent1"/>
-          </a:fillRef>
-          <a:effectRef idx="0">
-            <a:schemeClr val="accent1"/>
-          </a:effectRef>
-          <a:fontRef idx="minor">
-            <a:schemeClr val="lt1"/>
-          </a:fontRef>
-        </p:style>
-        <p:txBody>
-          <a:bodyPr rot="0" spcFirstLastPara="0" vertOverflow="overflow" horzOverflow="overflow" vert="horz" wrap="square" lIns="51435" tIns="25718" rIns="51435" bIns="25718" numCol="1" spcCol="0" rtlCol="0" fromWordArt="0" anchor="ctr" anchorCtr="0" forceAA="0" compatLnSpc="1">
-            <a:prstTxWarp prst="textNoShape">
-              <a:avLst/>
-            </a:prstTxWarp>
-            <a:noAutofit/>
-          </a:bodyPr>
-          <a:lstStyle/>
-          <a:p>
-            <a:pPr algn="ctr"/>
-            <a:endParaRPr lang="en-US" sz="1013"/>
-          </a:p>
-        </p:txBody>
-      </p:sp>
-      <p:sp>
-        <p:nvSpPr>
-          <p:cNvPr id="29" name="Rectangle 28"/>
-          <p:cNvSpPr/>
-          <p:nvPr/>
-        </p:nvSpPr>
-        <p:spPr>
-          <a:xfrm>
-            <a:off x="1055841" y="5936261"/>
-            <a:ext cx="903180" cy="703825"/>
-          </a:xfrm>
-          <a:prstGeom prst="rect">
-            <a:avLst/>
-          </a:prstGeom>
-          <a:noFill/>
-          <a:ln w="19050">
-            <a:solidFill>
-              <a:schemeClr val="tx1"/>
-            </a:solidFill>
-          </a:ln>
-        </p:spPr>
-        <p:style>
-          <a:lnRef idx="2">
-            <a:schemeClr val="accent1">
-              <a:shade val="50000"/>
-            </a:schemeClr>
-          </a:lnRef>
-          <a:fillRef idx="1">
-            <a:schemeClr val="accent1"/>
-          </a:fillRef>
-          <a:effectRef idx="0">
-            <a:schemeClr val="accent1"/>
-          </a:effectRef>
-          <a:fontRef idx="minor">
-            <a:schemeClr val="lt1"/>
-          </a:fontRef>
-        </p:style>
-        <p:txBody>
-          <a:bodyPr rot="0" spcFirstLastPara="0" vertOverflow="overflow" horzOverflow="overflow" vert="horz" wrap="square" lIns="51435" tIns="25718" rIns="51435" bIns="25718" numCol="1" spcCol="0" rtlCol="0" fromWordArt="0" anchor="ctr" anchorCtr="0" forceAA="0" compatLnSpc="1">
-            <a:prstTxWarp prst="textNoShape">
-              <a:avLst/>
-            </a:prstTxWarp>
-            <a:noAutofit/>
-          </a:bodyPr>
-          <a:lstStyle/>
-          <a:p>
-            <a:pPr algn="ctr"/>
-            <a:r>
-              <a:rPr lang="en-US" sz="1200" dirty="0" smtClean="0">
-                <a:solidFill>
-                  <a:schemeClr val="tx1"/>
-                </a:solidFill>
-              </a:rPr>
-              <a:t>Poor Localization</a:t>
-            </a:r>
-            <a:endParaRPr lang="en-US" sz="1200" dirty="0">
-              <a:solidFill>
-                <a:schemeClr val="tx1"/>
-              </a:solidFill>
-            </a:endParaRPr>
-          </a:p>
-        </p:txBody>
-      </p:sp>
-      <p:sp>
-        <p:nvSpPr>
-          <p:cNvPr id="30" name="Flowchart: Stored Data 29"/>
-          <p:cNvSpPr/>
-          <p:nvPr/>
-        </p:nvSpPr>
-        <p:spPr>
-          <a:xfrm rot="5400000">
-            <a:off x="1286734" y="6916925"/>
-            <a:ext cx="431315" cy="458203"/>
-          </a:xfrm>
-          <a:prstGeom prst="flowChartOnlineStorage">
-            <a:avLst/>
-          </a:prstGeom>
-          <a:noFill/>
-          <a:ln w="19050">
-            <a:solidFill>
-              <a:schemeClr val="tx1"/>
-            </a:solidFill>
-          </a:ln>
-        </p:spPr>
-        <p:style>
-          <a:lnRef idx="2">
-            <a:schemeClr val="accent1">
-              <a:shade val="50000"/>
-            </a:schemeClr>
-          </a:lnRef>
-          <a:fillRef idx="1">
-            <a:schemeClr val="accent1"/>
-          </a:fillRef>
-          <a:effectRef idx="0">
-            <a:schemeClr val="accent1"/>
-          </a:effectRef>
-          <a:fontRef idx="minor">
-            <a:schemeClr val="lt1"/>
-          </a:fontRef>
-        </p:style>
-        <p:txBody>
-          <a:bodyPr rot="0" spcFirstLastPara="0" vertOverflow="overflow" horzOverflow="overflow" vert="horz" wrap="square" lIns="51435" tIns="25718" rIns="51435" bIns="25718" numCol="1" spcCol="0" rtlCol="0" fromWordArt="0" anchor="ctr" anchorCtr="0" forceAA="0" compatLnSpc="1">
-            <a:prstTxWarp prst="textNoShape">
-              <a:avLst/>
-            </a:prstTxWarp>
-            <a:noAutofit/>
-          </a:bodyPr>
-          <a:lstStyle/>
-          <a:p>
-            <a:pPr algn="ctr"/>
-            <a:endParaRPr lang="en-US" sz="1013"/>
-          </a:p>
-        </p:txBody>
-      </p:sp>
-      <p:sp>
-        <p:nvSpPr>
-          <p:cNvPr id="31" name="Rectangle 30"/>
-          <p:cNvSpPr/>
-          <p:nvPr/>
-        </p:nvSpPr>
-        <p:spPr>
-          <a:xfrm>
-            <a:off x="2031965" y="7801154"/>
-            <a:ext cx="903180" cy="703825"/>
-          </a:xfrm>
-          <a:prstGeom prst="rect">
-            <a:avLst/>
-          </a:prstGeom>
-          <a:noFill/>
-          <a:ln w="19050">
-            <a:solidFill>
-              <a:schemeClr val="tx1"/>
-            </a:solidFill>
-          </a:ln>
-        </p:spPr>
-        <p:style>
-          <a:lnRef idx="2">
-            <a:schemeClr val="accent1">
-              <a:shade val="50000"/>
-            </a:schemeClr>
-          </a:lnRef>
-          <a:fillRef idx="1">
-            <a:schemeClr val="accent1"/>
-          </a:fillRef>
-          <a:effectRef idx="0">
-            <a:schemeClr val="accent1"/>
-          </a:effectRef>
-          <a:fontRef idx="minor">
-            <a:schemeClr val="lt1"/>
-          </a:fontRef>
-        </p:style>
-        <p:txBody>
-          <a:bodyPr rot="0" spcFirstLastPara="0" vertOverflow="overflow" horzOverflow="overflow" vert="horz" wrap="square" lIns="51435" tIns="25718" rIns="51435" bIns="25718" numCol="1" spcCol="0" rtlCol="0" fromWordArt="0" anchor="ctr" anchorCtr="0" forceAA="0" compatLnSpc="1">
-            <a:prstTxWarp prst="textNoShape">
-              <a:avLst/>
-            </a:prstTxWarp>
-            <a:noAutofit/>
-          </a:bodyPr>
-          <a:lstStyle/>
-          <a:p>
-            <a:pPr algn="ctr"/>
-            <a:r>
-              <a:rPr lang="en-US" sz="1200" dirty="0" smtClean="0">
-                <a:solidFill>
-                  <a:schemeClr val="tx1"/>
-                </a:solidFill>
-              </a:rPr>
-              <a:t>Bad Camera Data</a:t>
-            </a:r>
-            <a:endParaRPr lang="en-US" sz="1200" dirty="0">
-              <a:solidFill>
-                <a:schemeClr val="tx1"/>
-              </a:solidFill>
-            </a:endParaRPr>
-          </a:p>
-        </p:txBody>
-      </p:sp>
-      <p:sp>
-        <p:nvSpPr>
-          <p:cNvPr id="32" name="Flowchart: Stored Data 31"/>
-          <p:cNvSpPr/>
-          <p:nvPr/>
-        </p:nvSpPr>
-        <p:spPr>
-          <a:xfrm rot="5400000">
-            <a:off x="2267897" y="8853818"/>
-            <a:ext cx="431315" cy="458203"/>
-          </a:xfrm>
-          <a:prstGeom prst="flowChartOnlineStorage">
-            <a:avLst/>
-          </a:prstGeom>
-          <a:noFill/>
-          <a:ln w="19050">
-            <a:solidFill>
-              <a:schemeClr val="tx1"/>
-            </a:solidFill>
-          </a:ln>
-        </p:spPr>
-        <p:style>
-          <a:lnRef idx="2">
-            <a:schemeClr val="accent1">
-              <a:shade val="50000"/>
-            </a:schemeClr>
-          </a:lnRef>
-          <a:fillRef idx="1">
-            <a:schemeClr val="accent1"/>
-          </a:fillRef>
-          <a:effectRef idx="0">
-            <a:schemeClr val="accent1"/>
-          </a:effectRef>
-          <a:fontRef idx="minor">
-            <a:schemeClr val="lt1"/>
-          </a:fontRef>
-        </p:style>
-        <p:txBody>
-          <a:bodyPr rot="0" spcFirstLastPara="0" vertOverflow="overflow" horzOverflow="overflow" vert="horz" wrap="square" lIns="51435" tIns="25718" rIns="51435" bIns="25718" numCol="1" spcCol="0" rtlCol="0" fromWordArt="0" anchor="ctr" anchorCtr="0" forceAA="0" compatLnSpc="1">
-            <a:prstTxWarp prst="textNoShape">
-              <a:avLst/>
-            </a:prstTxWarp>
-            <a:noAutofit/>
-          </a:bodyPr>
-          <a:lstStyle/>
-          <a:p>
-            <a:pPr algn="ctr"/>
-            <a:endParaRPr lang="en-US" sz="1013"/>
-          </a:p>
-        </p:txBody>
-      </p:sp>
-      <p:grpSp>
-        <p:nvGrpSpPr>
-          <p:cNvPr id="33" name="Group 32"/>
-          <p:cNvGrpSpPr/>
-          <p:nvPr/>
-        </p:nvGrpSpPr>
-        <p:grpSpPr>
-          <a:xfrm>
-            <a:off x="1055841" y="9686979"/>
-            <a:ext cx="1154522" cy="1009291"/>
-            <a:chOff x="640162" y="4840830"/>
-            <a:chExt cx="941862" cy="902847"/>
-          </a:xfrm>
-        </p:grpSpPr>
         <p:sp>
           <p:nvSpPr>
-            <p:cNvPr id="34" name="Rectangle 33"/>
+            <p:cNvPr id="9" name="Rectangle 8"/>
             <p:cNvSpPr/>
             <p:nvPr/>
           </p:nvSpPr>
           <p:spPr>
             <a:xfrm>
-              <a:off x="640162" y="4840830"/>
-              <a:ext cx="941862" cy="902847"/>
+              <a:off x="6360617" y="323830"/>
+              <a:ext cx="1075364" cy="574662"/>
             </a:xfrm>
             <a:prstGeom prst="rect">
-              <a:avLst/>
-            </a:prstGeom>
-            <a:noFill/>
-            <a:ln w="19050">
-              <a:noFill/>
-            </a:ln>
-          </p:spPr>
-          <p:style>
-            <a:lnRef idx="2">
-              <a:schemeClr val="accent1">
-                <a:shade val="50000"/>
-              </a:schemeClr>
-            </a:lnRef>
-            <a:fillRef idx="1">
-              <a:schemeClr val="accent1"/>
-            </a:fillRef>
-            <a:effectRef idx="0">
-              <a:schemeClr val="accent1"/>
-            </a:effectRef>
-            <a:fontRef idx="minor">
-              <a:schemeClr val="lt1"/>
-            </a:fontRef>
-          </p:style>
-          <p:txBody>
-            <a:bodyPr rot="0" spcFirstLastPara="0" vertOverflow="overflow" horzOverflow="overflow" vert="horz" wrap="square" lIns="51435" tIns="25718" rIns="51435" bIns="25718" numCol="1" spcCol="0" rtlCol="0" fromWordArt="0" anchor="ctr" anchorCtr="0" forceAA="0" compatLnSpc="1">
-              <a:prstTxWarp prst="textNoShape">
-                <a:avLst/>
-              </a:prstTxWarp>
-              <a:noAutofit/>
-            </a:bodyPr>
-            <a:lstStyle/>
-            <a:p>
-              <a:pPr algn="ctr"/>
-              <a:r>
-                <a:rPr lang="en-US" sz="1200" dirty="0" err="1" smtClean="0">
-                  <a:solidFill>
-                    <a:schemeClr val="tx1"/>
-                  </a:solidFill>
-                </a:rPr>
-                <a:t>Miscalibrated</a:t>
-              </a:r>
-              <a:r>
-                <a:rPr lang="en-US" sz="1200" dirty="0" smtClean="0">
-                  <a:solidFill>
-                    <a:schemeClr val="tx1"/>
-                  </a:solidFill>
-                </a:rPr>
-                <a:t> Camera</a:t>
-              </a:r>
-              <a:endParaRPr lang="en-US" sz="1200" dirty="0">
-                <a:solidFill>
-                  <a:schemeClr val="tx1"/>
-                </a:solidFill>
-              </a:endParaRPr>
-            </a:p>
-          </p:txBody>
-        </p:sp>
-        <p:sp>
-          <p:nvSpPr>
-            <p:cNvPr id="35" name="Diamond 34"/>
-            <p:cNvSpPr/>
-            <p:nvPr/>
-          </p:nvSpPr>
-          <p:spPr>
-            <a:xfrm>
-              <a:off x="640162" y="4840830"/>
-              <a:ext cx="941862" cy="902847"/>
-            </a:xfrm>
-            <a:prstGeom prst="diamond">
               <a:avLst/>
             </a:prstGeom>
             <a:noFill/>
@@ -4312,7 +3172,7 @@
             </a:fontRef>
           </p:style>
           <p:txBody>
-            <a:bodyPr rot="0" spcFirstLastPara="0" vertOverflow="overflow" horzOverflow="overflow" vert="horz" wrap="square" lIns="51435" tIns="25718" rIns="51435" bIns="25718" numCol="1" spcCol="0" rtlCol="0" fromWordArt="0" anchor="ctr" anchorCtr="0" forceAA="0" compatLnSpc="1">
+            <a:bodyPr rot="0" spcFirstLastPara="0" vertOverflow="overflow" horzOverflow="overflow" vert="horz" wrap="square" lIns="63926" tIns="31964" rIns="63926" bIns="31964" numCol="1" spcCol="0" rtlCol="0" fromWordArt="0" anchor="ctr" anchorCtr="0" forceAA="0" compatLnSpc="1">
               <a:prstTxWarp prst="textNoShape">
                 <a:avLst/>
               </a:prstTxWarp>
@@ -4321,7 +3181,509 @@
             <a:lstStyle/>
             <a:p>
               <a:pPr algn="ctr"/>
-              <a:endParaRPr lang="en-US" sz="1013" dirty="0">
+              <a:r>
+                <a:rPr lang="en-US" sz="1491" dirty="0">
+                  <a:solidFill>
+                    <a:schemeClr val="tx1"/>
+                  </a:solidFill>
+                </a:rPr>
+                <a:t>Out of Bounds</a:t>
+              </a:r>
+            </a:p>
+          </p:txBody>
+        </p:sp>
+        <p:sp>
+          <p:nvSpPr>
+            <p:cNvPr id="11" name="Rectangle 10"/>
+            <p:cNvSpPr/>
+            <p:nvPr/>
+          </p:nvSpPr>
+          <p:spPr>
+            <a:xfrm>
+              <a:off x="5058400" y="2004253"/>
+              <a:ext cx="1151897" cy="885227"/>
+            </a:xfrm>
+            <a:prstGeom prst="rect">
+              <a:avLst/>
+            </a:prstGeom>
+            <a:noFill/>
+            <a:ln w="19050">
+              <a:solidFill>
+                <a:schemeClr val="tx1"/>
+              </a:solidFill>
+            </a:ln>
+          </p:spPr>
+          <p:style>
+            <a:lnRef idx="2">
+              <a:schemeClr val="accent1">
+                <a:shade val="50000"/>
+              </a:schemeClr>
+            </a:lnRef>
+            <a:fillRef idx="1">
+              <a:schemeClr val="accent1"/>
+            </a:fillRef>
+            <a:effectRef idx="0">
+              <a:schemeClr val="accent1"/>
+            </a:effectRef>
+            <a:fontRef idx="minor">
+              <a:schemeClr val="lt1"/>
+            </a:fontRef>
+          </p:style>
+          <p:txBody>
+            <a:bodyPr rot="0" spcFirstLastPara="0" vertOverflow="overflow" horzOverflow="overflow" vert="horz" wrap="square" lIns="63926" tIns="31964" rIns="63926" bIns="31964" numCol="1" spcCol="0" rtlCol="0" fromWordArt="0" anchor="ctr" anchorCtr="0" forceAA="0" compatLnSpc="1">
+              <a:prstTxWarp prst="textNoShape">
+                <a:avLst/>
+              </a:prstTxWarp>
+              <a:noAutofit/>
+            </a:bodyPr>
+            <a:lstStyle/>
+            <a:p>
+              <a:pPr algn="ctr"/>
+              <a:r>
+                <a:rPr lang="en-US" sz="1491" dirty="0">
+                  <a:solidFill>
+                    <a:schemeClr val="tx1"/>
+                  </a:solidFill>
+                </a:rPr>
+                <a:t>Incorrect Locomotion Commands</a:t>
+              </a:r>
+            </a:p>
+          </p:txBody>
+        </p:sp>
+        <p:sp>
+          <p:nvSpPr>
+            <p:cNvPr id="12" name="Rectangle 11"/>
+            <p:cNvSpPr/>
+            <p:nvPr/>
+          </p:nvSpPr>
+          <p:spPr>
+            <a:xfrm>
+              <a:off x="5058271" y="3271859"/>
+              <a:ext cx="1075364" cy="694757"/>
+            </a:xfrm>
+            <a:prstGeom prst="rect">
+              <a:avLst/>
+            </a:prstGeom>
+            <a:noFill/>
+            <a:ln w="19050">
+              <a:solidFill>
+                <a:schemeClr val="tx1"/>
+              </a:solidFill>
+            </a:ln>
+          </p:spPr>
+          <p:style>
+            <a:lnRef idx="2">
+              <a:schemeClr val="accent1">
+                <a:shade val="50000"/>
+              </a:schemeClr>
+            </a:lnRef>
+            <a:fillRef idx="1">
+              <a:schemeClr val="accent1"/>
+            </a:fillRef>
+            <a:effectRef idx="0">
+              <a:schemeClr val="accent1"/>
+            </a:effectRef>
+            <a:fontRef idx="minor">
+              <a:schemeClr val="lt1"/>
+            </a:fontRef>
+          </p:style>
+          <p:txBody>
+            <a:bodyPr rot="0" spcFirstLastPara="0" vertOverflow="overflow" horzOverflow="overflow" vert="horz" wrap="square" lIns="63926" tIns="31964" rIns="63926" bIns="31964" numCol="1" spcCol="0" rtlCol="0" fromWordArt="0" anchor="ctr" anchorCtr="0" forceAA="0" compatLnSpc="1">
+              <a:prstTxWarp prst="textNoShape">
+                <a:avLst/>
+              </a:prstTxWarp>
+              <a:noAutofit/>
+            </a:bodyPr>
+            <a:lstStyle/>
+            <a:p>
+              <a:pPr algn="ctr"/>
+              <a:r>
+                <a:rPr lang="en-US" sz="1491" dirty="0">
+                  <a:solidFill>
+                    <a:schemeClr val="tx1"/>
+                  </a:solidFill>
+                </a:rPr>
+                <a:t>Inaccurate Planning</a:t>
+              </a:r>
+            </a:p>
+          </p:txBody>
+        </p:sp>
+        <p:sp>
+          <p:nvSpPr>
+            <p:cNvPr id="13" name="Rectangle 12"/>
+            <p:cNvSpPr/>
+            <p:nvPr/>
+          </p:nvSpPr>
+          <p:spPr>
+            <a:xfrm>
+              <a:off x="4977254" y="4430874"/>
+              <a:ext cx="1233043" cy="791803"/>
+            </a:xfrm>
+            <a:prstGeom prst="rect">
+              <a:avLst/>
+            </a:prstGeom>
+            <a:noFill/>
+            <a:ln w="19050">
+              <a:solidFill>
+                <a:schemeClr val="tx1"/>
+              </a:solidFill>
+            </a:ln>
+          </p:spPr>
+          <p:style>
+            <a:lnRef idx="2">
+              <a:schemeClr val="accent1">
+                <a:shade val="50000"/>
+              </a:schemeClr>
+            </a:lnRef>
+            <a:fillRef idx="1">
+              <a:schemeClr val="accent1"/>
+            </a:fillRef>
+            <a:effectRef idx="0">
+              <a:schemeClr val="accent1"/>
+            </a:effectRef>
+            <a:fontRef idx="minor">
+              <a:schemeClr val="lt1"/>
+            </a:fontRef>
+          </p:style>
+          <p:txBody>
+            <a:bodyPr rot="0" spcFirstLastPara="0" vertOverflow="overflow" horzOverflow="overflow" vert="horz" wrap="square" lIns="63926" tIns="31964" rIns="63926" bIns="31964" numCol="1" spcCol="0" rtlCol="0" fromWordArt="0" anchor="ctr" anchorCtr="0" forceAA="0" compatLnSpc="1">
+              <a:prstTxWarp prst="textNoShape">
+                <a:avLst/>
+              </a:prstTxWarp>
+              <a:noAutofit/>
+            </a:bodyPr>
+            <a:lstStyle/>
+            <a:p>
+              <a:pPr algn="ctr"/>
+              <a:r>
+                <a:rPr lang="en-US" sz="1491" dirty="0">
+                  <a:solidFill>
+                    <a:schemeClr val="tx1"/>
+                  </a:solidFill>
+                </a:rPr>
+                <a:t>Incorrect Localization</a:t>
+              </a:r>
+            </a:p>
+          </p:txBody>
+        </p:sp>
+        <p:grpSp>
+          <p:nvGrpSpPr>
+            <p:cNvPr id="16" name="Group 15"/>
+            <p:cNvGrpSpPr/>
+            <p:nvPr/>
+          </p:nvGrpSpPr>
+          <p:grpSpPr>
+            <a:xfrm>
+              <a:off x="3205043" y="8776297"/>
+              <a:ext cx="1298837" cy="1135452"/>
+              <a:chOff x="640162" y="4840830"/>
+              <a:chExt cx="941862" cy="902847"/>
+            </a:xfrm>
+          </p:grpSpPr>
+          <p:sp>
+            <p:nvSpPr>
+              <p:cNvPr id="14" name="Rectangle 13"/>
+              <p:cNvSpPr/>
+              <p:nvPr/>
+            </p:nvSpPr>
+            <p:spPr>
+              <a:xfrm>
+                <a:off x="640162" y="4840830"/>
+                <a:ext cx="941862" cy="902847"/>
+              </a:xfrm>
+              <a:prstGeom prst="rect">
+                <a:avLst/>
+              </a:prstGeom>
+              <a:noFill/>
+              <a:ln w="19050">
+                <a:noFill/>
+              </a:ln>
+            </p:spPr>
+            <p:style>
+              <a:lnRef idx="2">
+                <a:schemeClr val="accent1">
+                  <a:shade val="50000"/>
+                </a:schemeClr>
+              </a:lnRef>
+              <a:fillRef idx="1">
+                <a:schemeClr val="accent1"/>
+              </a:fillRef>
+              <a:effectRef idx="0">
+                <a:schemeClr val="accent1"/>
+              </a:effectRef>
+              <a:fontRef idx="minor">
+                <a:schemeClr val="lt1"/>
+              </a:fontRef>
+            </p:style>
+            <p:txBody>
+              <a:bodyPr rot="0" spcFirstLastPara="0" vertOverflow="overflow" horzOverflow="overflow" vert="horz" wrap="square" lIns="63926" tIns="31964" rIns="63926" bIns="31964" numCol="1" spcCol="0" rtlCol="0" fromWordArt="0" anchor="ctr" anchorCtr="0" forceAA="0" compatLnSpc="1">
+                <a:prstTxWarp prst="textNoShape">
+                  <a:avLst/>
+                </a:prstTxWarp>
+                <a:noAutofit/>
+              </a:bodyPr>
+              <a:lstStyle/>
+              <a:p>
+                <a:pPr algn="ctr"/>
+                <a:r>
+                  <a:rPr lang="en-US" sz="1491" dirty="0">
+                    <a:solidFill>
+                      <a:schemeClr val="tx1"/>
+                    </a:solidFill>
+                  </a:rPr>
+                  <a:t>Incorrectly Placed Boundary Vision Tag</a:t>
+                </a:r>
+                <a:endParaRPr lang="en-US" sz="1491" dirty="0">
+                  <a:solidFill>
+                    <a:schemeClr val="tx1"/>
+                  </a:solidFill>
+                </a:endParaRPr>
+              </a:p>
+            </p:txBody>
+          </p:sp>
+          <p:sp>
+            <p:nvSpPr>
+              <p:cNvPr id="15" name="Diamond 14"/>
+              <p:cNvSpPr/>
+              <p:nvPr/>
+            </p:nvSpPr>
+            <p:spPr>
+              <a:xfrm>
+                <a:off x="640162" y="4840830"/>
+                <a:ext cx="941862" cy="902847"/>
+              </a:xfrm>
+              <a:prstGeom prst="diamond">
+                <a:avLst/>
+              </a:prstGeom>
+              <a:noFill/>
+              <a:ln w="19050">
+                <a:solidFill>
+                  <a:schemeClr val="tx1"/>
+                </a:solidFill>
+              </a:ln>
+            </p:spPr>
+            <p:style>
+              <a:lnRef idx="2">
+                <a:schemeClr val="accent1">
+                  <a:shade val="50000"/>
+                </a:schemeClr>
+              </a:lnRef>
+              <a:fillRef idx="1">
+                <a:schemeClr val="accent1"/>
+              </a:fillRef>
+              <a:effectRef idx="0">
+                <a:schemeClr val="accent1"/>
+              </a:effectRef>
+              <a:fontRef idx="minor">
+                <a:schemeClr val="lt1"/>
+              </a:fontRef>
+            </p:style>
+            <p:txBody>
+              <a:bodyPr rot="0" spcFirstLastPara="0" vertOverflow="overflow" horzOverflow="overflow" vert="horz" wrap="square" lIns="63926" tIns="31964" rIns="63926" bIns="31964" numCol="1" spcCol="0" rtlCol="0" fromWordArt="0" anchor="ctr" anchorCtr="0" forceAA="0" compatLnSpc="1">
+                <a:prstTxWarp prst="textNoShape">
+                  <a:avLst/>
+                </a:prstTxWarp>
+                <a:noAutofit/>
+              </a:bodyPr>
+              <a:lstStyle/>
+              <a:p>
+                <a:pPr algn="ctr"/>
+                <a:endParaRPr lang="en-US" sz="1259" dirty="0">
+                  <a:solidFill>
+                    <a:schemeClr val="tx1"/>
+                  </a:solidFill>
+                </a:endParaRPr>
+              </a:p>
+            </p:txBody>
+          </p:sp>
+        </p:grpSp>
+        <p:grpSp>
+          <p:nvGrpSpPr>
+            <p:cNvPr id="17" name="Group 16"/>
+            <p:cNvGrpSpPr/>
+            <p:nvPr/>
+          </p:nvGrpSpPr>
+          <p:grpSpPr>
+            <a:xfrm>
+              <a:off x="6864896" y="8776297"/>
+              <a:ext cx="1142168" cy="1015703"/>
+              <a:chOff x="640162" y="4840830"/>
+              <a:chExt cx="1015260" cy="902847"/>
+            </a:xfrm>
+          </p:grpSpPr>
+          <p:sp>
+            <p:nvSpPr>
+              <p:cNvPr id="18" name="Rectangle 17"/>
+              <p:cNvSpPr/>
+              <p:nvPr/>
+            </p:nvSpPr>
+            <p:spPr>
+              <a:xfrm>
+                <a:off x="640162" y="4943343"/>
+                <a:ext cx="1015260" cy="702380"/>
+              </a:xfrm>
+              <a:prstGeom prst="rect">
+                <a:avLst/>
+              </a:prstGeom>
+              <a:noFill/>
+              <a:ln w="19050">
+                <a:noFill/>
+              </a:ln>
+            </p:spPr>
+            <p:style>
+              <a:lnRef idx="2">
+                <a:schemeClr val="accent1">
+                  <a:shade val="50000"/>
+                </a:schemeClr>
+              </a:lnRef>
+              <a:fillRef idx="1">
+                <a:schemeClr val="accent1"/>
+              </a:fillRef>
+              <a:effectRef idx="0">
+                <a:schemeClr val="accent1"/>
+              </a:effectRef>
+              <a:fontRef idx="minor">
+                <a:schemeClr val="lt1"/>
+              </a:fontRef>
+            </p:style>
+            <p:txBody>
+              <a:bodyPr rot="0" spcFirstLastPara="0" vertOverflow="overflow" horzOverflow="overflow" vert="horz" wrap="square" lIns="63926" tIns="31964" rIns="63926" bIns="31964" numCol="1" spcCol="0" rtlCol="0" fromWordArt="0" anchor="ctr" anchorCtr="0" forceAA="0" compatLnSpc="1">
+                <a:prstTxWarp prst="textNoShape">
+                  <a:avLst/>
+                </a:prstTxWarp>
+                <a:noAutofit/>
+              </a:bodyPr>
+              <a:lstStyle/>
+              <a:p>
+                <a:pPr algn="ctr"/>
+                <a:r>
+                  <a:rPr lang="en-US" sz="1491" dirty="0">
+                    <a:solidFill>
+                      <a:schemeClr val="tx1"/>
+                    </a:solidFill>
+                  </a:rPr>
+                  <a:t>Fail to check bounds</a:t>
+                </a:r>
+                <a:endParaRPr lang="en-US" sz="1491" dirty="0">
+                  <a:solidFill>
+                    <a:schemeClr val="tx1"/>
+                  </a:solidFill>
+                </a:endParaRPr>
+              </a:p>
+            </p:txBody>
+          </p:sp>
+          <p:sp>
+            <p:nvSpPr>
+              <p:cNvPr id="19" name="Diamond 18"/>
+              <p:cNvSpPr/>
+              <p:nvPr/>
+            </p:nvSpPr>
+            <p:spPr>
+              <a:xfrm>
+                <a:off x="640162" y="4840830"/>
+                <a:ext cx="941862" cy="902847"/>
+              </a:xfrm>
+              <a:prstGeom prst="diamond">
+                <a:avLst/>
+              </a:prstGeom>
+              <a:noFill/>
+              <a:ln w="19050">
+                <a:solidFill>
+                  <a:schemeClr val="tx1"/>
+                </a:solidFill>
+              </a:ln>
+            </p:spPr>
+            <p:style>
+              <a:lnRef idx="2">
+                <a:schemeClr val="accent1">
+                  <a:shade val="50000"/>
+                </a:schemeClr>
+              </a:lnRef>
+              <a:fillRef idx="1">
+                <a:schemeClr val="accent1"/>
+              </a:fillRef>
+              <a:effectRef idx="0">
+                <a:schemeClr val="accent1"/>
+              </a:effectRef>
+              <a:fontRef idx="minor">
+                <a:schemeClr val="lt1"/>
+              </a:fontRef>
+            </p:style>
+            <p:txBody>
+              <a:bodyPr rot="0" spcFirstLastPara="0" vertOverflow="overflow" horzOverflow="overflow" vert="horz" wrap="square" lIns="63926" tIns="31964" rIns="63926" bIns="31964" numCol="1" spcCol="0" rtlCol="0" fromWordArt="0" anchor="ctr" anchorCtr="0" forceAA="0" compatLnSpc="1">
+                <a:prstTxWarp prst="textNoShape">
+                  <a:avLst/>
+                </a:prstTxWarp>
+                <a:noAutofit/>
+              </a:bodyPr>
+              <a:lstStyle/>
+              <a:p>
+                <a:pPr algn="ctr"/>
+                <a:endParaRPr lang="en-US" sz="1259" dirty="0">
+                  <a:solidFill>
+                    <a:schemeClr val="tx1"/>
+                  </a:solidFill>
+                </a:endParaRPr>
+              </a:p>
+            </p:txBody>
+          </p:sp>
+        </p:grpSp>
+        <p:sp>
+          <p:nvSpPr>
+            <p:cNvPr id="20" name="Rectangle 19"/>
+            <p:cNvSpPr/>
+            <p:nvPr/>
+          </p:nvSpPr>
+          <p:spPr>
+            <a:xfrm>
+              <a:off x="8740713" y="8776297"/>
+              <a:ext cx="1016078" cy="791803"/>
+            </a:xfrm>
+            <a:prstGeom prst="rect">
+              <a:avLst/>
+            </a:prstGeom>
+            <a:noFill/>
+            <a:ln w="19050">
+              <a:solidFill>
+                <a:schemeClr val="tx1"/>
+              </a:solidFill>
+            </a:ln>
+          </p:spPr>
+          <p:style>
+            <a:lnRef idx="2">
+              <a:schemeClr val="accent1">
+                <a:shade val="50000"/>
+              </a:schemeClr>
+            </a:lnRef>
+            <a:fillRef idx="1">
+              <a:schemeClr val="accent1"/>
+            </a:fillRef>
+            <a:effectRef idx="0">
+              <a:schemeClr val="accent1"/>
+            </a:effectRef>
+            <a:fontRef idx="minor">
+              <a:schemeClr val="lt1"/>
+            </a:fontRef>
+          </p:style>
+          <p:txBody>
+            <a:bodyPr rot="0" spcFirstLastPara="0" vertOverflow="overflow" horzOverflow="overflow" vert="horz" wrap="square" lIns="63926" tIns="31964" rIns="63926" bIns="31964" numCol="1" spcCol="0" rtlCol="0" fromWordArt="0" anchor="ctr" anchorCtr="0" forceAA="0" compatLnSpc="1">
+              <a:prstTxWarp prst="textNoShape">
+                <a:avLst/>
+              </a:prstTxWarp>
+              <a:noAutofit/>
+            </a:bodyPr>
+            <a:lstStyle/>
+            <a:p>
+              <a:pPr algn="ctr"/>
+              <a:r>
+                <a:rPr lang="en-US" sz="1491" dirty="0">
+                  <a:solidFill>
+                    <a:schemeClr val="tx1"/>
+                  </a:solidFill>
+                </a:rPr>
+                <a:t>Out of bounds input</a:t>
+              </a:r>
+              <a:endParaRPr lang="en-US" sz="1491" dirty="0">
                 <a:solidFill>
                   <a:schemeClr val="tx1"/>
                 </a:solidFill>
@@ -4329,192 +3691,1360 @@
             </a:p>
           </p:txBody>
         </p:sp>
-      </p:grpSp>
-      <p:sp>
-        <p:nvSpPr>
-          <p:cNvPr id="37" name="Oval 36"/>
-          <p:cNvSpPr/>
-          <p:nvPr/>
-        </p:nvSpPr>
-        <p:spPr>
-          <a:xfrm>
-            <a:off x="2785119" y="9686979"/>
-            <a:ext cx="1201987" cy="866877"/>
-          </a:xfrm>
-          <a:prstGeom prst="ellipse">
-            <a:avLst/>
-          </a:prstGeom>
-          <a:noFill/>
-          <a:ln w="19050">
-            <a:solidFill>
-              <a:schemeClr val="tx1"/>
-            </a:solidFill>
-          </a:ln>
-        </p:spPr>
-        <p:style>
-          <a:lnRef idx="2">
-            <a:schemeClr val="accent1">
-              <a:shade val="50000"/>
-            </a:schemeClr>
-          </a:lnRef>
-          <a:fillRef idx="1">
-            <a:schemeClr val="accent1"/>
-          </a:fillRef>
-          <a:effectRef idx="0">
-            <a:schemeClr val="accent1"/>
-          </a:effectRef>
-          <a:fontRef idx="minor">
-            <a:schemeClr val="lt1"/>
-          </a:fontRef>
-        </p:style>
-        <p:txBody>
-          <a:bodyPr rot="0" spcFirstLastPara="0" vertOverflow="overflow" horzOverflow="overflow" vert="horz" wrap="square" lIns="51435" tIns="25718" rIns="51435" bIns="25718" numCol="1" spcCol="0" rtlCol="0" fromWordArt="0" anchor="ctr" anchorCtr="0" forceAA="0" compatLnSpc="1">
-            <a:prstTxWarp prst="textNoShape">
+        <p:sp>
+          <p:nvSpPr>
+            <p:cNvPr id="21" name="Rectangle 20"/>
+            <p:cNvSpPr/>
+            <p:nvPr/>
+          </p:nvSpPr>
+          <p:spPr>
+            <a:xfrm>
+              <a:off x="6810591" y="4223778"/>
+              <a:ext cx="1376584" cy="856006"/>
+            </a:xfrm>
+            <a:prstGeom prst="rect">
               <a:avLst/>
-            </a:prstTxWarp>
-            <a:noAutofit/>
-          </a:bodyPr>
-          <a:lstStyle/>
-          <a:p>
-            <a:pPr algn="ctr"/>
-            <a:r>
-              <a:rPr lang="en-US" sz="1200" dirty="0" smtClean="0">
+            </a:prstGeom>
+            <a:noFill/>
+            <a:ln w="19050">
+              <a:solidFill>
+                <a:schemeClr val="tx1"/>
+              </a:solidFill>
+            </a:ln>
+          </p:spPr>
+          <p:style>
+            <a:lnRef idx="2">
+              <a:schemeClr val="accent1">
+                <a:shade val="50000"/>
+              </a:schemeClr>
+            </a:lnRef>
+            <a:fillRef idx="1">
+              <a:schemeClr val="accent1"/>
+            </a:fillRef>
+            <a:effectRef idx="0">
+              <a:schemeClr val="accent1"/>
+            </a:effectRef>
+            <a:fontRef idx="minor">
+              <a:schemeClr val="lt1"/>
+            </a:fontRef>
+          </p:style>
+          <p:txBody>
+            <a:bodyPr rot="0" spcFirstLastPara="0" vertOverflow="overflow" horzOverflow="overflow" vert="horz" wrap="square" lIns="63926" tIns="31964" rIns="63926" bIns="31964" numCol="1" spcCol="0" rtlCol="0" fromWordArt="0" anchor="ctr" anchorCtr="0" forceAA="0" compatLnSpc="1">
+              <a:prstTxWarp prst="textNoShape">
+                <a:avLst/>
+              </a:prstTxWarp>
+              <a:noAutofit/>
+            </a:bodyPr>
+            <a:lstStyle/>
+            <a:p>
+              <a:pPr algn="ctr"/>
+              <a:r>
+                <a:rPr lang="en-US" sz="1491" dirty="0">
+                  <a:solidFill>
+                    <a:schemeClr val="tx1"/>
+                  </a:solidFill>
+                </a:rPr>
+                <a:t>Loss of communication</a:t>
+              </a:r>
+              <a:endParaRPr lang="en-US" sz="1491" dirty="0">
                 <a:solidFill>
                   <a:schemeClr val="tx1"/>
                 </a:solidFill>
-              </a:rPr>
-              <a:t>Obstacles Obstructing Vision Tags</a:t>
-            </a:r>
-            <a:endParaRPr lang="en-US" sz="1200" dirty="0">
+              </a:endParaRPr>
+            </a:p>
+          </p:txBody>
+        </p:sp>
+        <p:sp>
+          <p:nvSpPr>
+            <p:cNvPr id="22" name="Rectangle 21"/>
+            <p:cNvSpPr/>
+            <p:nvPr/>
+          </p:nvSpPr>
+          <p:spPr>
+            <a:xfrm>
+              <a:off x="8549778" y="4223778"/>
+              <a:ext cx="1207013" cy="856006"/>
+            </a:xfrm>
+            <a:prstGeom prst="rect">
+              <a:avLst/>
+            </a:prstGeom>
+            <a:noFill/>
+            <a:ln w="19050">
               <a:solidFill>
                 <a:schemeClr val="tx1"/>
               </a:solidFill>
-            </a:endParaRPr>
-          </a:p>
-        </p:txBody>
-      </p:sp>
-      <p:sp>
-        <p:nvSpPr>
-          <p:cNvPr id="38" name="Rectangle 37"/>
-          <p:cNvSpPr/>
-          <p:nvPr/>
-        </p:nvSpPr>
-        <p:spPr>
-          <a:xfrm>
-            <a:off x="3675176" y="5890880"/>
-            <a:ext cx="903180" cy="703825"/>
-          </a:xfrm>
-          <a:prstGeom prst="rect">
-            <a:avLst/>
-          </a:prstGeom>
-          <a:noFill/>
-          <a:ln w="19050">
-            <a:solidFill>
-              <a:schemeClr val="tx1"/>
-            </a:solidFill>
-          </a:ln>
-        </p:spPr>
-        <p:style>
-          <a:lnRef idx="2">
-            <a:schemeClr val="accent1">
-              <a:shade val="50000"/>
-            </a:schemeClr>
-          </a:lnRef>
-          <a:fillRef idx="1">
-            <a:schemeClr val="accent1"/>
-          </a:fillRef>
-          <a:effectRef idx="0">
-            <a:schemeClr val="accent1"/>
-          </a:effectRef>
-          <a:fontRef idx="minor">
-            <a:schemeClr val="lt1"/>
-          </a:fontRef>
-        </p:style>
-        <p:txBody>
-          <a:bodyPr rot="0" spcFirstLastPara="0" vertOverflow="overflow" horzOverflow="overflow" vert="horz" wrap="square" lIns="51435" tIns="25718" rIns="51435" bIns="25718" numCol="1" spcCol="0" rtlCol="0" fromWordArt="0" anchor="ctr" anchorCtr="0" forceAA="0" compatLnSpc="1">
-            <a:prstTxWarp prst="textNoShape">
-              <a:avLst/>
-            </a:prstTxWarp>
-            <a:noAutofit/>
-          </a:bodyPr>
-          <a:lstStyle/>
-          <a:p>
-            <a:pPr algn="ctr"/>
-            <a:r>
-              <a:rPr lang="en-US" sz="1200" dirty="0" smtClean="0">
+            </a:ln>
+          </p:spPr>
+          <p:style>
+            <a:lnRef idx="2">
+              <a:schemeClr val="accent1">
+                <a:shade val="50000"/>
+              </a:schemeClr>
+            </a:lnRef>
+            <a:fillRef idx="1">
+              <a:schemeClr val="accent1"/>
+            </a:fillRef>
+            <a:effectRef idx="0">
+              <a:schemeClr val="accent1"/>
+            </a:effectRef>
+            <a:fontRef idx="minor">
+              <a:schemeClr val="lt1"/>
+            </a:fontRef>
+          </p:style>
+          <p:txBody>
+            <a:bodyPr rot="0" spcFirstLastPara="0" vertOverflow="overflow" horzOverflow="overflow" vert="horz" wrap="square" lIns="63926" tIns="31964" rIns="63926" bIns="31964" numCol="1" spcCol="0" rtlCol="0" fromWordArt="0" anchor="ctr" anchorCtr="0" forceAA="0" compatLnSpc="1">
+              <a:prstTxWarp prst="textNoShape">
+                <a:avLst/>
+              </a:prstTxWarp>
+              <a:noAutofit/>
+            </a:bodyPr>
+            <a:lstStyle/>
+            <a:p>
+              <a:pPr algn="ctr"/>
+              <a:r>
+                <a:rPr lang="en-US" sz="1491" dirty="0">
+                  <a:solidFill>
+                    <a:schemeClr val="tx1"/>
+                  </a:solidFill>
+                </a:rPr>
+                <a:t>Wheel Mechanical Failure</a:t>
+              </a:r>
+              <a:endParaRPr lang="en-US" sz="1491" dirty="0">
                 <a:solidFill>
                   <a:schemeClr val="tx1"/>
                 </a:solidFill>
-              </a:rPr>
-              <a:t>Incorrect Input Image</a:t>
-            </a:r>
-          </a:p>
-        </p:txBody>
-      </p:sp>
-      <p:cxnSp>
-        <p:nvCxnSpPr>
-          <p:cNvPr id="41" name="Straight Connector 40"/>
-          <p:cNvCxnSpPr>
-            <a:stCxn id="9" idx="2"/>
-            <a:endCxn id="24" idx="1"/>
-          </p:cNvCxnSpPr>
-          <p:nvPr/>
-        </p:nvCxnSpPr>
-        <p:spPr>
-          <a:xfrm flipH="1">
-            <a:off x="3464306" y="798659"/>
-            <a:ext cx="515" cy="211680"/>
-          </a:xfrm>
-          <a:prstGeom prst="line">
-            <a:avLst/>
-          </a:prstGeom>
-          <a:ln w="25400">
-            <a:solidFill>
-              <a:schemeClr val="tx1"/>
-            </a:solidFill>
-          </a:ln>
-        </p:spPr>
-        <p:style>
-          <a:lnRef idx="1">
-            <a:schemeClr val="accent1"/>
-          </a:lnRef>
-          <a:fillRef idx="0">
-            <a:schemeClr val="accent1"/>
-          </a:fillRef>
-          <a:effectRef idx="0">
-            <a:schemeClr val="accent1"/>
-          </a:effectRef>
-          <a:fontRef idx="minor">
-            <a:schemeClr val="tx1"/>
-          </a:fontRef>
-        </p:style>
-      </p:cxnSp>
-      <p:grpSp>
-        <p:nvGrpSpPr>
-          <p:cNvPr id="60" name="Group 59"/>
-          <p:cNvGrpSpPr/>
-          <p:nvPr/>
-        </p:nvGrpSpPr>
-        <p:grpSpPr>
-          <a:xfrm>
-            <a:off x="3573780" y="1379220"/>
-            <a:ext cx="795592" cy="416853"/>
-            <a:chOff x="3573780" y="1379220"/>
-            <a:chExt cx="795592" cy="416853"/>
-          </a:xfrm>
-        </p:grpSpPr>
+              </a:endParaRPr>
+            </a:p>
+          </p:txBody>
+        </p:sp>
+        <p:sp>
+          <p:nvSpPr>
+            <p:cNvPr id="23" name="Rectangle 22"/>
+            <p:cNvSpPr/>
+            <p:nvPr/>
+          </p:nvSpPr>
+          <p:spPr>
+            <a:xfrm>
+              <a:off x="7301112" y="2020582"/>
+              <a:ext cx="1197385" cy="739737"/>
+            </a:xfrm>
+            <a:prstGeom prst="rect">
+              <a:avLst/>
+            </a:prstGeom>
+            <a:noFill/>
+            <a:ln w="19050">
+              <a:solidFill>
+                <a:schemeClr val="tx1"/>
+              </a:solidFill>
+            </a:ln>
+          </p:spPr>
+          <p:style>
+            <a:lnRef idx="2">
+              <a:schemeClr val="accent1">
+                <a:shade val="50000"/>
+              </a:schemeClr>
+            </a:lnRef>
+            <a:fillRef idx="1">
+              <a:schemeClr val="accent1"/>
+            </a:fillRef>
+            <a:effectRef idx="0">
+              <a:schemeClr val="accent1"/>
+            </a:effectRef>
+            <a:fontRef idx="minor">
+              <a:schemeClr val="lt1"/>
+            </a:fontRef>
+          </p:style>
+          <p:txBody>
+            <a:bodyPr rot="0" spcFirstLastPara="0" vertOverflow="overflow" horzOverflow="overflow" vert="horz" wrap="square" lIns="63926" tIns="31964" rIns="63926" bIns="31964" numCol="1" spcCol="0" rtlCol="0" fromWordArt="0" anchor="ctr" anchorCtr="0" forceAA="0" compatLnSpc="1">
+              <a:prstTxWarp prst="textNoShape">
+                <a:avLst/>
+              </a:prstTxWarp>
+              <a:noAutofit/>
+            </a:bodyPr>
+            <a:lstStyle/>
+            <a:p>
+              <a:pPr algn="ctr"/>
+              <a:r>
+                <a:rPr lang="en-US" sz="1491" dirty="0">
+                  <a:solidFill>
+                    <a:schemeClr val="tx1"/>
+                  </a:solidFill>
+                </a:rPr>
+                <a:t>Loss of Robot Control</a:t>
+              </a:r>
+              <a:endParaRPr lang="en-US" sz="1491" dirty="0">
+                <a:solidFill>
+                  <a:schemeClr val="tx1"/>
+                </a:solidFill>
+              </a:endParaRPr>
+            </a:p>
+          </p:txBody>
+        </p:sp>
+        <p:sp>
+          <p:nvSpPr>
+            <p:cNvPr id="24" name="Flowchart: Stored Data 23"/>
+            <p:cNvSpPr/>
+            <p:nvPr/>
+          </p:nvSpPr>
+          <p:spPr>
+            <a:xfrm rot="5400000">
+              <a:off x="6655106" y="1121508"/>
+              <a:ext cx="485229" cy="515478"/>
+            </a:xfrm>
+            <a:prstGeom prst="flowChartOnlineStorage">
+              <a:avLst/>
+            </a:prstGeom>
+            <a:noFill/>
+            <a:ln w="19050">
+              <a:solidFill>
+                <a:schemeClr val="tx1"/>
+              </a:solidFill>
+            </a:ln>
+          </p:spPr>
+          <p:style>
+            <a:lnRef idx="2">
+              <a:schemeClr val="accent1">
+                <a:shade val="50000"/>
+              </a:schemeClr>
+            </a:lnRef>
+            <a:fillRef idx="1">
+              <a:schemeClr val="accent1"/>
+            </a:fillRef>
+            <a:effectRef idx="0">
+              <a:schemeClr val="accent1"/>
+            </a:effectRef>
+            <a:fontRef idx="minor">
+              <a:schemeClr val="lt1"/>
+            </a:fontRef>
+          </p:style>
+          <p:txBody>
+            <a:bodyPr rot="0" spcFirstLastPara="0" vertOverflow="overflow" horzOverflow="overflow" vert="horz" wrap="square" lIns="63926" tIns="31964" rIns="63926" bIns="31964" numCol="1" spcCol="0" rtlCol="0" fromWordArt="0" anchor="ctr" anchorCtr="0" forceAA="0" compatLnSpc="1">
+              <a:prstTxWarp prst="textNoShape">
+                <a:avLst/>
+              </a:prstTxWarp>
+              <a:noAutofit/>
+            </a:bodyPr>
+            <a:lstStyle/>
+            <a:p>
+              <a:pPr algn="ctr"/>
+              <a:endParaRPr lang="en-US" sz="1259"/>
+            </a:p>
+          </p:txBody>
+        </p:sp>
+        <p:sp>
+          <p:nvSpPr>
+            <p:cNvPr id="25" name="Flowchart: Stored Data 24"/>
+            <p:cNvSpPr/>
+            <p:nvPr/>
+          </p:nvSpPr>
+          <p:spPr>
+            <a:xfrm rot="5400000">
+              <a:off x="5353336" y="5515326"/>
+              <a:ext cx="485229" cy="515478"/>
+            </a:xfrm>
+            <a:prstGeom prst="flowChartOnlineStorage">
+              <a:avLst/>
+            </a:prstGeom>
+            <a:noFill/>
+            <a:ln w="19050">
+              <a:solidFill>
+                <a:schemeClr val="tx1"/>
+              </a:solidFill>
+            </a:ln>
+          </p:spPr>
+          <p:style>
+            <a:lnRef idx="2">
+              <a:schemeClr val="accent1">
+                <a:shade val="50000"/>
+              </a:schemeClr>
+            </a:lnRef>
+            <a:fillRef idx="1">
+              <a:schemeClr val="accent1"/>
+            </a:fillRef>
+            <a:effectRef idx="0">
+              <a:schemeClr val="accent1"/>
+            </a:effectRef>
+            <a:fontRef idx="minor">
+              <a:schemeClr val="lt1"/>
+            </a:fontRef>
+          </p:style>
+          <p:txBody>
+            <a:bodyPr rot="0" spcFirstLastPara="0" vertOverflow="overflow" horzOverflow="overflow" vert="horz" wrap="square" lIns="63926" tIns="31964" rIns="63926" bIns="31964" numCol="1" spcCol="0" rtlCol="0" fromWordArt="0" anchor="ctr" anchorCtr="0" forceAA="0" compatLnSpc="1">
+              <a:prstTxWarp prst="textNoShape">
+                <a:avLst/>
+              </a:prstTxWarp>
+              <a:noAutofit/>
+            </a:bodyPr>
+            <a:lstStyle/>
+            <a:p>
+              <a:pPr algn="ctr"/>
+              <a:endParaRPr lang="en-US" sz="1259"/>
+            </a:p>
+          </p:txBody>
+        </p:sp>
+        <p:sp>
+          <p:nvSpPr>
+            <p:cNvPr id="29" name="Rectangle 28"/>
+            <p:cNvSpPr/>
+            <p:nvPr/>
+          </p:nvSpPr>
+          <p:spPr>
+            <a:xfrm>
+              <a:off x="4188196" y="6678294"/>
+              <a:ext cx="1016078" cy="791803"/>
+            </a:xfrm>
+            <a:prstGeom prst="rect">
+              <a:avLst/>
+            </a:prstGeom>
+            <a:noFill/>
+            <a:ln w="19050">
+              <a:solidFill>
+                <a:schemeClr val="tx1"/>
+              </a:solidFill>
+            </a:ln>
+          </p:spPr>
+          <p:style>
+            <a:lnRef idx="2">
+              <a:schemeClr val="accent1">
+                <a:shade val="50000"/>
+              </a:schemeClr>
+            </a:lnRef>
+            <a:fillRef idx="1">
+              <a:schemeClr val="accent1"/>
+            </a:fillRef>
+            <a:effectRef idx="0">
+              <a:schemeClr val="accent1"/>
+            </a:effectRef>
+            <a:fontRef idx="minor">
+              <a:schemeClr val="lt1"/>
+            </a:fontRef>
+          </p:style>
+          <p:txBody>
+            <a:bodyPr rot="0" spcFirstLastPara="0" vertOverflow="overflow" horzOverflow="overflow" vert="horz" wrap="square" lIns="63926" tIns="31964" rIns="63926" bIns="31964" numCol="1" spcCol="0" rtlCol="0" fromWordArt="0" anchor="ctr" anchorCtr="0" forceAA="0" compatLnSpc="1">
+              <a:prstTxWarp prst="textNoShape">
+                <a:avLst/>
+              </a:prstTxWarp>
+              <a:noAutofit/>
+            </a:bodyPr>
+            <a:lstStyle/>
+            <a:p>
+              <a:pPr algn="ctr"/>
+              <a:r>
+                <a:rPr lang="en-US" sz="1491" dirty="0">
+                  <a:solidFill>
+                    <a:schemeClr val="tx1"/>
+                  </a:solidFill>
+                </a:rPr>
+                <a:t>Poor Localization</a:t>
+              </a:r>
+              <a:endParaRPr lang="en-US" sz="1491" dirty="0">
+                <a:solidFill>
+                  <a:schemeClr val="tx1"/>
+                </a:solidFill>
+              </a:endParaRPr>
+            </a:p>
+          </p:txBody>
+        </p:sp>
+        <p:sp>
+          <p:nvSpPr>
+            <p:cNvPr id="30" name="Flowchart: Stored Data 29"/>
+            <p:cNvSpPr/>
+            <p:nvPr/>
+          </p:nvSpPr>
+          <p:spPr>
+            <a:xfrm rot="5400000">
+              <a:off x="4447952" y="7781541"/>
+              <a:ext cx="485229" cy="515478"/>
+            </a:xfrm>
+            <a:prstGeom prst="flowChartOnlineStorage">
+              <a:avLst/>
+            </a:prstGeom>
+            <a:noFill/>
+            <a:ln w="19050">
+              <a:solidFill>
+                <a:schemeClr val="tx1"/>
+              </a:solidFill>
+            </a:ln>
+          </p:spPr>
+          <p:style>
+            <a:lnRef idx="2">
+              <a:schemeClr val="accent1">
+                <a:shade val="50000"/>
+              </a:schemeClr>
+            </a:lnRef>
+            <a:fillRef idx="1">
+              <a:schemeClr val="accent1"/>
+            </a:fillRef>
+            <a:effectRef idx="0">
+              <a:schemeClr val="accent1"/>
+            </a:effectRef>
+            <a:fontRef idx="minor">
+              <a:schemeClr val="lt1"/>
+            </a:fontRef>
+          </p:style>
+          <p:txBody>
+            <a:bodyPr rot="0" spcFirstLastPara="0" vertOverflow="overflow" horzOverflow="overflow" vert="horz" wrap="square" lIns="63926" tIns="31964" rIns="63926" bIns="31964" numCol="1" spcCol="0" rtlCol="0" fromWordArt="0" anchor="ctr" anchorCtr="0" forceAA="0" compatLnSpc="1">
+              <a:prstTxWarp prst="textNoShape">
+                <a:avLst/>
+              </a:prstTxWarp>
+              <a:noAutofit/>
+            </a:bodyPr>
+            <a:lstStyle/>
+            <a:p>
+              <a:pPr algn="ctr"/>
+              <a:endParaRPr lang="en-US" sz="1259"/>
+            </a:p>
+          </p:txBody>
+        </p:sp>
+        <p:sp>
+          <p:nvSpPr>
+            <p:cNvPr id="31" name="Rectangle 30"/>
+            <p:cNvSpPr/>
+            <p:nvPr/>
+          </p:nvSpPr>
+          <p:spPr>
+            <a:xfrm>
+              <a:off x="5286335" y="8776299"/>
+              <a:ext cx="1016078" cy="791803"/>
+            </a:xfrm>
+            <a:prstGeom prst="rect">
+              <a:avLst/>
+            </a:prstGeom>
+            <a:noFill/>
+            <a:ln w="19050">
+              <a:solidFill>
+                <a:schemeClr val="tx1"/>
+              </a:solidFill>
+            </a:ln>
+          </p:spPr>
+          <p:style>
+            <a:lnRef idx="2">
+              <a:schemeClr val="accent1">
+                <a:shade val="50000"/>
+              </a:schemeClr>
+            </a:lnRef>
+            <a:fillRef idx="1">
+              <a:schemeClr val="accent1"/>
+            </a:fillRef>
+            <a:effectRef idx="0">
+              <a:schemeClr val="accent1"/>
+            </a:effectRef>
+            <a:fontRef idx="minor">
+              <a:schemeClr val="lt1"/>
+            </a:fontRef>
+          </p:style>
+          <p:txBody>
+            <a:bodyPr rot="0" spcFirstLastPara="0" vertOverflow="overflow" horzOverflow="overflow" vert="horz" wrap="square" lIns="63926" tIns="31964" rIns="63926" bIns="31964" numCol="1" spcCol="0" rtlCol="0" fromWordArt="0" anchor="ctr" anchorCtr="0" forceAA="0" compatLnSpc="1">
+              <a:prstTxWarp prst="textNoShape">
+                <a:avLst/>
+              </a:prstTxWarp>
+              <a:noAutofit/>
+            </a:bodyPr>
+            <a:lstStyle/>
+            <a:p>
+              <a:pPr algn="ctr"/>
+              <a:r>
+                <a:rPr lang="en-US" sz="1491" dirty="0">
+                  <a:solidFill>
+                    <a:schemeClr val="tx1"/>
+                  </a:solidFill>
+                </a:rPr>
+                <a:t>Bad Camera Data</a:t>
+              </a:r>
+              <a:endParaRPr lang="en-US" sz="1491" dirty="0">
+                <a:solidFill>
+                  <a:schemeClr val="tx1"/>
+                </a:solidFill>
+              </a:endParaRPr>
+            </a:p>
+          </p:txBody>
+        </p:sp>
+        <p:sp>
+          <p:nvSpPr>
+            <p:cNvPr id="32" name="Flowchart: Stored Data 31"/>
+            <p:cNvSpPr/>
+            <p:nvPr/>
+          </p:nvSpPr>
+          <p:spPr>
+            <a:xfrm rot="5400000">
+              <a:off x="5551760" y="9960546"/>
+              <a:ext cx="485229" cy="515478"/>
+            </a:xfrm>
+            <a:prstGeom prst="flowChartOnlineStorage">
+              <a:avLst/>
+            </a:prstGeom>
+            <a:noFill/>
+            <a:ln w="19050">
+              <a:solidFill>
+                <a:schemeClr val="tx1"/>
+              </a:solidFill>
+            </a:ln>
+          </p:spPr>
+          <p:style>
+            <a:lnRef idx="2">
+              <a:schemeClr val="accent1">
+                <a:shade val="50000"/>
+              </a:schemeClr>
+            </a:lnRef>
+            <a:fillRef idx="1">
+              <a:schemeClr val="accent1"/>
+            </a:fillRef>
+            <a:effectRef idx="0">
+              <a:schemeClr val="accent1"/>
+            </a:effectRef>
+            <a:fontRef idx="minor">
+              <a:schemeClr val="lt1"/>
+            </a:fontRef>
+          </p:style>
+          <p:txBody>
+            <a:bodyPr rot="0" spcFirstLastPara="0" vertOverflow="overflow" horzOverflow="overflow" vert="horz" wrap="square" lIns="63926" tIns="31964" rIns="63926" bIns="31964" numCol="1" spcCol="0" rtlCol="0" fromWordArt="0" anchor="ctr" anchorCtr="0" forceAA="0" compatLnSpc="1">
+              <a:prstTxWarp prst="textNoShape">
+                <a:avLst/>
+              </a:prstTxWarp>
+              <a:noAutofit/>
+            </a:bodyPr>
+            <a:lstStyle/>
+            <a:p>
+              <a:pPr algn="ctr"/>
+              <a:endParaRPr lang="en-US" sz="1259"/>
+            </a:p>
+          </p:txBody>
+        </p:sp>
+        <p:grpSp>
+          <p:nvGrpSpPr>
+            <p:cNvPr id="33" name="Group 32"/>
+            <p:cNvGrpSpPr/>
+            <p:nvPr/>
+          </p:nvGrpSpPr>
+          <p:grpSpPr>
+            <a:xfrm>
+              <a:off x="4188196" y="10897852"/>
+              <a:ext cx="1298837" cy="1135452"/>
+              <a:chOff x="640162" y="4840830"/>
+              <a:chExt cx="941862" cy="902847"/>
+            </a:xfrm>
+          </p:grpSpPr>
+          <p:sp>
+            <p:nvSpPr>
+              <p:cNvPr id="34" name="Rectangle 33"/>
+              <p:cNvSpPr/>
+              <p:nvPr/>
+            </p:nvSpPr>
+            <p:spPr>
+              <a:xfrm>
+                <a:off x="640162" y="4840830"/>
+                <a:ext cx="941862" cy="902847"/>
+              </a:xfrm>
+              <a:prstGeom prst="rect">
+                <a:avLst/>
+              </a:prstGeom>
+              <a:noFill/>
+              <a:ln w="19050">
+                <a:noFill/>
+              </a:ln>
+            </p:spPr>
+            <p:style>
+              <a:lnRef idx="2">
+                <a:schemeClr val="accent1">
+                  <a:shade val="50000"/>
+                </a:schemeClr>
+              </a:lnRef>
+              <a:fillRef idx="1">
+                <a:schemeClr val="accent1"/>
+              </a:fillRef>
+              <a:effectRef idx="0">
+                <a:schemeClr val="accent1"/>
+              </a:effectRef>
+              <a:fontRef idx="minor">
+                <a:schemeClr val="lt1"/>
+              </a:fontRef>
+            </p:style>
+            <p:txBody>
+              <a:bodyPr rot="0" spcFirstLastPara="0" vertOverflow="overflow" horzOverflow="overflow" vert="horz" wrap="square" lIns="63926" tIns="31964" rIns="63926" bIns="31964" numCol="1" spcCol="0" rtlCol="0" fromWordArt="0" anchor="ctr" anchorCtr="0" forceAA="0" compatLnSpc="1">
+                <a:prstTxWarp prst="textNoShape">
+                  <a:avLst/>
+                </a:prstTxWarp>
+                <a:noAutofit/>
+              </a:bodyPr>
+              <a:lstStyle/>
+              <a:p>
+                <a:pPr algn="ctr"/>
+                <a:r>
+                  <a:rPr lang="en-US" sz="1491" dirty="0" err="1">
+                    <a:solidFill>
+                      <a:schemeClr val="tx1"/>
+                    </a:solidFill>
+                  </a:rPr>
+                  <a:t>Miscalibrated</a:t>
+                </a:r>
+                <a:r>
+                  <a:rPr lang="en-US" sz="1491" dirty="0">
+                    <a:solidFill>
+                      <a:schemeClr val="tx1"/>
+                    </a:solidFill>
+                  </a:rPr>
+                  <a:t> Camera</a:t>
+                </a:r>
+                <a:endParaRPr lang="en-US" sz="1491" dirty="0">
+                  <a:solidFill>
+                    <a:schemeClr val="tx1"/>
+                  </a:solidFill>
+                </a:endParaRPr>
+              </a:p>
+            </p:txBody>
+          </p:sp>
+          <p:sp>
+            <p:nvSpPr>
+              <p:cNvPr id="35" name="Diamond 34"/>
+              <p:cNvSpPr/>
+              <p:nvPr/>
+            </p:nvSpPr>
+            <p:spPr>
+              <a:xfrm>
+                <a:off x="640162" y="4840830"/>
+                <a:ext cx="941862" cy="902847"/>
+              </a:xfrm>
+              <a:prstGeom prst="diamond">
+                <a:avLst/>
+              </a:prstGeom>
+              <a:noFill/>
+              <a:ln w="19050">
+                <a:solidFill>
+                  <a:schemeClr val="tx1"/>
+                </a:solidFill>
+              </a:ln>
+            </p:spPr>
+            <p:style>
+              <a:lnRef idx="2">
+                <a:schemeClr val="accent1">
+                  <a:shade val="50000"/>
+                </a:schemeClr>
+              </a:lnRef>
+              <a:fillRef idx="1">
+                <a:schemeClr val="accent1"/>
+              </a:fillRef>
+              <a:effectRef idx="0">
+                <a:schemeClr val="accent1"/>
+              </a:effectRef>
+              <a:fontRef idx="minor">
+                <a:schemeClr val="lt1"/>
+              </a:fontRef>
+            </p:style>
+            <p:txBody>
+              <a:bodyPr rot="0" spcFirstLastPara="0" vertOverflow="overflow" horzOverflow="overflow" vert="horz" wrap="square" lIns="63926" tIns="31964" rIns="63926" bIns="31964" numCol="1" spcCol="0" rtlCol="0" fromWordArt="0" anchor="ctr" anchorCtr="0" forceAA="0" compatLnSpc="1">
+                <a:prstTxWarp prst="textNoShape">
+                  <a:avLst/>
+                </a:prstTxWarp>
+                <a:noAutofit/>
+              </a:bodyPr>
+              <a:lstStyle/>
+              <a:p>
+                <a:pPr algn="ctr"/>
+                <a:endParaRPr lang="en-US" sz="1259" dirty="0">
+                  <a:solidFill>
+                    <a:schemeClr val="tx1"/>
+                  </a:solidFill>
+                </a:endParaRPr>
+              </a:p>
+            </p:txBody>
+          </p:sp>
+        </p:grpSp>
+        <p:sp>
+          <p:nvSpPr>
+            <p:cNvPr id="37" name="Oval 36"/>
+            <p:cNvSpPr/>
+            <p:nvPr/>
+          </p:nvSpPr>
+          <p:spPr>
+            <a:xfrm>
+              <a:off x="6133634" y="10897852"/>
+              <a:ext cx="1593340" cy="975237"/>
+            </a:xfrm>
+            <a:prstGeom prst="ellipse">
+              <a:avLst/>
+            </a:prstGeom>
+            <a:noFill/>
+            <a:ln w="19050">
+              <a:solidFill>
+                <a:schemeClr val="tx1"/>
+              </a:solidFill>
+            </a:ln>
+          </p:spPr>
+          <p:style>
+            <a:lnRef idx="2">
+              <a:schemeClr val="accent1">
+                <a:shade val="50000"/>
+              </a:schemeClr>
+            </a:lnRef>
+            <a:fillRef idx="1">
+              <a:schemeClr val="accent1"/>
+            </a:fillRef>
+            <a:effectRef idx="0">
+              <a:schemeClr val="accent1"/>
+            </a:effectRef>
+            <a:fontRef idx="minor">
+              <a:schemeClr val="lt1"/>
+            </a:fontRef>
+          </p:style>
+          <p:txBody>
+            <a:bodyPr rot="0" spcFirstLastPara="0" vertOverflow="overflow" horzOverflow="overflow" vert="horz" wrap="square" lIns="63926" tIns="31964" rIns="63926" bIns="31964" numCol="1" spcCol="0" rtlCol="0" fromWordArt="0" anchor="ctr" anchorCtr="0" forceAA="0" compatLnSpc="1">
+              <a:prstTxWarp prst="textNoShape">
+                <a:avLst/>
+              </a:prstTxWarp>
+              <a:noAutofit/>
+            </a:bodyPr>
+            <a:lstStyle/>
+            <a:p>
+              <a:pPr algn="ctr"/>
+              <a:r>
+                <a:rPr lang="en-US" sz="1491" dirty="0">
+                  <a:solidFill>
+                    <a:schemeClr val="tx1"/>
+                  </a:solidFill>
+                </a:rPr>
+                <a:t>Obstacles Obstructing Vision Tags</a:t>
+              </a:r>
+              <a:endParaRPr lang="en-US" sz="1491" dirty="0">
+                <a:solidFill>
+                  <a:schemeClr val="tx1"/>
+                </a:solidFill>
+              </a:endParaRPr>
+            </a:p>
+          </p:txBody>
+        </p:sp>
+        <p:sp>
+          <p:nvSpPr>
+            <p:cNvPr id="38" name="Rectangle 37"/>
+            <p:cNvSpPr/>
+            <p:nvPr/>
+          </p:nvSpPr>
+          <p:spPr>
+            <a:xfrm>
+              <a:off x="7134948" y="6627241"/>
+              <a:ext cx="1016078" cy="791803"/>
+            </a:xfrm>
+            <a:prstGeom prst="rect">
+              <a:avLst/>
+            </a:prstGeom>
+            <a:noFill/>
+            <a:ln w="19050">
+              <a:solidFill>
+                <a:schemeClr val="tx1"/>
+              </a:solidFill>
+            </a:ln>
+          </p:spPr>
+          <p:style>
+            <a:lnRef idx="2">
+              <a:schemeClr val="accent1">
+                <a:shade val="50000"/>
+              </a:schemeClr>
+            </a:lnRef>
+            <a:fillRef idx="1">
+              <a:schemeClr val="accent1"/>
+            </a:fillRef>
+            <a:effectRef idx="0">
+              <a:schemeClr val="accent1"/>
+            </a:effectRef>
+            <a:fontRef idx="minor">
+              <a:schemeClr val="lt1"/>
+            </a:fontRef>
+          </p:style>
+          <p:txBody>
+            <a:bodyPr rot="0" spcFirstLastPara="0" vertOverflow="overflow" horzOverflow="overflow" vert="horz" wrap="square" lIns="63926" tIns="31964" rIns="63926" bIns="31964" numCol="1" spcCol="0" rtlCol="0" fromWordArt="0" anchor="ctr" anchorCtr="0" forceAA="0" compatLnSpc="1">
+              <a:prstTxWarp prst="textNoShape">
+                <a:avLst/>
+              </a:prstTxWarp>
+              <a:noAutofit/>
+            </a:bodyPr>
+            <a:lstStyle/>
+            <a:p>
+              <a:pPr algn="ctr"/>
+              <a:r>
+                <a:rPr lang="en-US" sz="1491" dirty="0">
+                  <a:solidFill>
+                    <a:schemeClr val="tx1"/>
+                  </a:solidFill>
+                </a:rPr>
+                <a:t>Incorrect Input Image</a:t>
+              </a:r>
+            </a:p>
+          </p:txBody>
+        </p:sp>
         <p:cxnSp>
           <p:nvCxnSpPr>
-            <p:cNvPr id="51" name="Straight Connector 50"/>
+            <p:cNvPr id="41" name="Straight Connector 40"/>
             <p:cNvCxnSpPr>
-              <a:endCxn id="23" idx="0"/>
+              <a:stCxn id="9" idx="2"/>
+              <a:endCxn id="24" idx="1"/>
             </p:cNvCxnSpPr>
             <p:nvPr/>
           </p:nvCxnSpPr>
           <p:spPr>
+            <a:xfrm flipH="1">
+              <a:off x="6897720" y="898491"/>
+              <a:ext cx="579" cy="238140"/>
+            </a:xfrm>
+            <a:prstGeom prst="line">
+              <a:avLst/>
+            </a:prstGeom>
+            <a:ln w="25400">
+              <a:solidFill>
+                <a:schemeClr val="tx1"/>
+              </a:solidFill>
+            </a:ln>
+          </p:spPr>
+          <p:style>
+            <a:lnRef idx="1">
+              <a:schemeClr val="accent1"/>
+            </a:lnRef>
+            <a:fillRef idx="0">
+              <a:schemeClr val="accent1"/>
+            </a:fillRef>
+            <a:effectRef idx="0">
+              <a:schemeClr val="accent1"/>
+            </a:effectRef>
+            <a:fontRef idx="minor">
+              <a:schemeClr val="tx1"/>
+            </a:fontRef>
+          </p:style>
+        </p:cxnSp>
+        <p:grpSp>
+          <p:nvGrpSpPr>
+            <p:cNvPr id="60" name="Group 59"/>
+            <p:cNvGrpSpPr/>
+            <p:nvPr/>
+          </p:nvGrpSpPr>
+          <p:grpSpPr>
             <a:xfrm>
-              <a:off x="4355048" y="1645920"/>
-              <a:ext cx="0" cy="150153"/>
+              <a:off x="6897720" y="1551623"/>
+              <a:ext cx="1018199" cy="468960"/>
+              <a:chOff x="3573780" y="1379220"/>
+              <a:chExt cx="795592" cy="416853"/>
+            </a:xfrm>
+          </p:grpSpPr>
+          <p:cxnSp>
+            <p:nvCxnSpPr>
+              <p:cNvPr id="51" name="Straight Connector 50"/>
+              <p:cNvCxnSpPr>
+                <a:endCxn id="23" idx="0"/>
+              </p:cNvCxnSpPr>
+              <p:nvPr/>
+            </p:nvCxnSpPr>
+            <p:spPr>
+              <a:xfrm>
+                <a:off x="4355048" y="1645920"/>
+                <a:ext cx="0" cy="150153"/>
+              </a:xfrm>
+              <a:prstGeom prst="line">
+                <a:avLst/>
+              </a:prstGeom>
+              <a:ln w="25400">
+                <a:solidFill>
+                  <a:schemeClr val="tx1"/>
+                </a:solidFill>
+              </a:ln>
+            </p:spPr>
+            <p:style>
+              <a:lnRef idx="1">
+                <a:schemeClr val="accent1"/>
+              </a:lnRef>
+              <a:fillRef idx="0">
+                <a:schemeClr val="accent1"/>
+              </a:fillRef>
+              <a:effectRef idx="0">
+                <a:schemeClr val="accent1"/>
+              </a:effectRef>
+              <a:fontRef idx="minor">
+                <a:schemeClr val="tx1"/>
+              </a:fontRef>
+            </p:style>
+          </p:cxnSp>
+          <p:cxnSp>
+            <p:nvCxnSpPr>
+              <p:cNvPr id="54" name="Straight Connector 53"/>
+              <p:cNvCxnSpPr/>
+              <p:nvPr/>
+            </p:nvCxnSpPr>
+            <p:spPr>
+              <a:xfrm flipH="1">
+                <a:off x="3573780" y="1645920"/>
+                <a:ext cx="795592" cy="1243"/>
+              </a:xfrm>
+              <a:prstGeom prst="line">
+                <a:avLst/>
+              </a:prstGeom>
+              <a:ln w="25400">
+                <a:solidFill>
+                  <a:schemeClr val="tx1"/>
+                </a:solidFill>
+              </a:ln>
+            </p:spPr>
+            <p:style>
+              <a:lnRef idx="1">
+                <a:schemeClr val="accent1"/>
+              </a:lnRef>
+              <a:fillRef idx="0">
+                <a:schemeClr val="accent1"/>
+              </a:fillRef>
+              <a:effectRef idx="0">
+                <a:schemeClr val="accent1"/>
+              </a:effectRef>
+              <a:fontRef idx="minor">
+                <a:schemeClr val="tx1"/>
+              </a:fontRef>
+            </p:style>
+          </p:cxnSp>
+          <p:cxnSp>
+            <p:nvCxnSpPr>
+              <p:cNvPr id="57" name="Straight Connector 56"/>
+              <p:cNvCxnSpPr/>
+              <p:nvPr/>
+            </p:nvCxnSpPr>
+            <p:spPr>
+              <a:xfrm>
+                <a:off x="3573780" y="1379220"/>
+                <a:ext cx="0" cy="266700"/>
+              </a:xfrm>
+              <a:prstGeom prst="line">
+                <a:avLst/>
+              </a:prstGeom>
+              <a:ln w="25400">
+                <a:solidFill>
+                  <a:schemeClr val="tx1"/>
+                </a:solidFill>
+              </a:ln>
+            </p:spPr>
+            <p:style>
+              <a:lnRef idx="1">
+                <a:schemeClr val="accent1"/>
+              </a:lnRef>
+              <a:fillRef idx="0">
+                <a:schemeClr val="accent1"/>
+              </a:fillRef>
+              <a:effectRef idx="0">
+                <a:schemeClr val="accent1"/>
+              </a:effectRef>
+              <a:fontRef idx="minor">
+                <a:schemeClr val="tx1"/>
+              </a:fontRef>
+            </p:style>
+          </p:cxnSp>
+        </p:grpSp>
+        <p:grpSp>
+          <p:nvGrpSpPr>
+            <p:cNvPr id="61" name="Group 60"/>
+            <p:cNvGrpSpPr/>
+            <p:nvPr/>
+          </p:nvGrpSpPr>
+          <p:grpSpPr>
+            <a:xfrm flipH="1">
+              <a:off x="5595948" y="1543048"/>
+              <a:ext cx="1202615" cy="431113"/>
+              <a:chOff x="3573780" y="1405241"/>
+              <a:chExt cx="795592" cy="383212"/>
+            </a:xfrm>
+          </p:grpSpPr>
+          <p:cxnSp>
+            <p:nvCxnSpPr>
+              <p:cNvPr id="62" name="Straight Connector 61"/>
+              <p:cNvCxnSpPr/>
+              <p:nvPr/>
+            </p:nvCxnSpPr>
+            <p:spPr>
+              <a:xfrm>
+                <a:off x="4363249" y="1638300"/>
+                <a:ext cx="0" cy="150153"/>
+              </a:xfrm>
+              <a:prstGeom prst="line">
+                <a:avLst/>
+              </a:prstGeom>
+              <a:ln w="25400">
+                <a:solidFill>
+                  <a:schemeClr val="tx1"/>
+                </a:solidFill>
+              </a:ln>
+            </p:spPr>
+            <p:style>
+              <a:lnRef idx="1">
+                <a:schemeClr val="accent1"/>
+              </a:lnRef>
+              <a:fillRef idx="0">
+                <a:schemeClr val="accent1"/>
+              </a:fillRef>
+              <a:effectRef idx="0">
+                <a:schemeClr val="accent1"/>
+              </a:effectRef>
+              <a:fontRef idx="minor">
+                <a:schemeClr val="tx1"/>
+              </a:fontRef>
+            </p:style>
+          </p:cxnSp>
+          <p:cxnSp>
+            <p:nvCxnSpPr>
+              <p:cNvPr id="63" name="Straight Connector 62"/>
+              <p:cNvCxnSpPr/>
+              <p:nvPr/>
+            </p:nvCxnSpPr>
+            <p:spPr>
+              <a:xfrm flipH="1">
+                <a:off x="3573780" y="1645920"/>
+                <a:ext cx="795592" cy="1243"/>
+              </a:xfrm>
+              <a:prstGeom prst="line">
+                <a:avLst/>
+              </a:prstGeom>
+              <a:ln w="25400">
+                <a:solidFill>
+                  <a:schemeClr val="tx1"/>
+                </a:solidFill>
+              </a:ln>
+            </p:spPr>
+            <p:style>
+              <a:lnRef idx="1">
+                <a:schemeClr val="accent1"/>
+              </a:lnRef>
+              <a:fillRef idx="0">
+                <a:schemeClr val="accent1"/>
+              </a:fillRef>
+              <a:effectRef idx="0">
+                <a:schemeClr val="accent1"/>
+              </a:effectRef>
+              <a:fontRef idx="minor">
+                <a:schemeClr val="tx1"/>
+              </a:fontRef>
+            </p:style>
+          </p:cxnSp>
+          <p:cxnSp>
+            <p:nvCxnSpPr>
+              <p:cNvPr id="64" name="Straight Connector 63"/>
+              <p:cNvCxnSpPr/>
+              <p:nvPr/>
+            </p:nvCxnSpPr>
+            <p:spPr>
+              <a:xfrm flipH="1">
+                <a:off x="3582399" y="1405241"/>
+                <a:ext cx="0" cy="240678"/>
+              </a:xfrm>
+              <a:prstGeom prst="line">
+                <a:avLst/>
+              </a:prstGeom>
+              <a:ln w="25400">
+                <a:solidFill>
+                  <a:schemeClr val="tx1"/>
+                </a:solidFill>
+              </a:ln>
+            </p:spPr>
+            <p:style>
+              <a:lnRef idx="1">
+                <a:schemeClr val="accent1"/>
+              </a:lnRef>
+              <a:fillRef idx="0">
+                <a:schemeClr val="accent1"/>
+              </a:fillRef>
+              <a:effectRef idx="0">
+                <a:schemeClr val="accent1"/>
+              </a:effectRef>
+              <a:fontRef idx="minor">
+                <a:schemeClr val="tx1"/>
+              </a:fontRef>
+            </p:style>
+          </p:cxnSp>
+        </p:grpSp>
+        <p:cxnSp>
+          <p:nvCxnSpPr>
+            <p:cNvPr id="65" name="Straight Connector 64"/>
+            <p:cNvCxnSpPr>
+              <a:stCxn id="23" idx="2"/>
+              <a:endCxn id="4" idx="1"/>
+            </p:cNvCxnSpPr>
+            <p:nvPr/>
+          </p:nvCxnSpPr>
+          <p:spPr>
+            <a:xfrm flipH="1">
+              <a:off x="7897669" y="2760320"/>
+              <a:ext cx="2135" cy="277359"/>
+            </a:xfrm>
+            <a:prstGeom prst="line">
+              <a:avLst/>
+            </a:prstGeom>
+            <a:ln w="25400">
+              <a:solidFill>
+                <a:schemeClr val="tx1"/>
+              </a:solidFill>
+            </a:ln>
+          </p:spPr>
+          <p:style>
+            <a:lnRef idx="1">
+              <a:schemeClr val="accent1"/>
+            </a:lnRef>
+            <a:fillRef idx="0">
+              <a:schemeClr val="accent1"/>
+            </a:fillRef>
+            <a:effectRef idx="0">
+              <a:schemeClr val="accent1"/>
+            </a:effectRef>
+            <a:fontRef idx="minor">
+              <a:schemeClr val="tx1"/>
+            </a:fontRef>
+          </p:style>
+        </p:cxnSp>
+        <p:grpSp>
+          <p:nvGrpSpPr>
+            <p:cNvPr id="69" name="Group 68"/>
+            <p:cNvGrpSpPr/>
+            <p:nvPr/>
+          </p:nvGrpSpPr>
+          <p:grpSpPr>
+            <a:xfrm flipH="1">
+              <a:off x="7498884" y="3437573"/>
+              <a:ext cx="276374" cy="786205"/>
+              <a:chOff x="3581980" y="1163066"/>
+              <a:chExt cx="799001" cy="698849"/>
+            </a:xfrm>
+          </p:grpSpPr>
+          <p:cxnSp>
+            <p:nvCxnSpPr>
+              <p:cNvPr id="70" name="Straight Connector 69"/>
+              <p:cNvCxnSpPr>
+                <a:endCxn id="21" idx="0"/>
+              </p:cNvCxnSpPr>
+              <p:nvPr/>
+            </p:nvCxnSpPr>
+            <p:spPr>
+              <a:xfrm>
+                <a:off x="4376455" y="1645920"/>
+                <a:ext cx="4526" cy="215995"/>
+              </a:xfrm>
+              <a:prstGeom prst="line">
+                <a:avLst/>
+              </a:prstGeom>
+              <a:ln w="25400">
+                <a:solidFill>
+                  <a:schemeClr val="tx1"/>
+                </a:solidFill>
+              </a:ln>
+            </p:spPr>
+            <p:style>
+              <a:lnRef idx="1">
+                <a:schemeClr val="accent1"/>
+              </a:lnRef>
+              <a:fillRef idx="0">
+                <a:schemeClr val="accent1"/>
+              </a:fillRef>
+              <a:effectRef idx="0">
+                <a:schemeClr val="accent1"/>
+              </a:effectRef>
+              <a:fontRef idx="minor">
+                <a:schemeClr val="tx1"/>
+              </a:fontRef>
+            </p:style>
+          </p:cxnSp>
+          <p:cxnSp>
+            <p:nvCxnSpPr>
+              <p:cNvPr id="71" name="Straight Connector 70"/>
+              <p:cNvCxnSpPr/>
+              <p:nvPr/>
+            </p:nvCxnSpPr>
+            <p:spPr>
+              <a:xfrm flipH="1">
+                <a:off x="3581980" y="1645920"/>
+                <a:ext cx="795592" cy="1243"/>
+              </a:xfrm>
+              <a:prstGeom prst="line">
+                <a:avLst/>
+              </a:prstGeom>
+              <a:ln w="25400">
+                <a:solidFill>
+                  <a:schemeClr val="tx1"/>
+                </a:solidFill>
+              </a:ln>
+            </p:spPr>
+            <p:style>
+              <a:lnRef idx="1">
+                <a:schemeClr val="accent1"/>
+              </a:lnRef>
+              <a:fillRef idx="0">
+                <a:schemeClr val="accent1"/>
+              </a:fillRef>
+              <a:effectRef idx="0">
+                <a:schemeClr val="accent1"/>
+              </a:effectRef>
+              <a:fontRef idx="minor">
+                <a:schemeClr val="tx1"/>
+              </a:fontRef>
+            </p:style>
+          </p:cxnSp>
+          <p:cxnSp>
+            <p:nvCxnSpPr>
+              <p:cNvPr id="72" name="Straight Connector 71"/>
+              <p:cNvCxnSpPr/>
+              <p:nvPr/>
+            </p:nvCxnSpPr>
+            <p:spPr>
+              <a:xfrm flipH="1">
+                <a:off x="3581980" y="1163066"/>
+                <a:ext cx="0" cy="482854"/>
+              </a:xfrm>
+              <a:prstGeom prst="line">
+                <a:avLst/>
+              </a:prstGeom>
+              <a:ln w="25400">
+                <a:solidFill>
+                  <a:schemeClr val="tx1"/>
+                </a:solidFill>
+              </a:ln>
+            </p:spPr>
+            <p:style>
+              <a:lnRef idx="1">
+                <a:schemeClr val="accent1"/>
+              </a:lnRef>
+              <a:fillRef idx="0">
+                <a:schemeClr val="accent1"/>
+              </a:fillRef>
+              <a:effectRef idx="0">
+                <a:schemeClr val="accent1"/>
+              </a:effectRef>
+              <a:fontRef idx="minor">
+                <a:schemeClr val="tx1"/>
+              </a:fontRef>
+            </p:style>
+          </p:cxnSp>
+        </p:grpSp>
+        <p:grpSp>
+          <p:nvGrpSpPr>
+            <p:cNvPr id="77" name="Group 76"/>
+            <p:cNvGrpSpPr/>
+            <p:nvPr/>
+          </p:nvGrpSpPr>
+          <p:grpSpPr>
+            <a:xfrm>
+              <a:off x="8007064" y="3437573"/>
+              <a:ext cx="1157190" cy="786205"/>
+              <a:chOff x="3573780" y="1143939"/>
+              <a:chExt cx="795592" cy="698849"/>
+            </a:xfrm>
+          </p:grpSpPr>
+          <p:cxnSp>
+            <p:nvCxnSpPr>
+              <p:cNvPr id="78" name="Straight Connector 77"/>
+              <p:cNvCxnSpPr>
+                <a:endCxn id="22" idx="0"/>
+              </p:cNvCxnSpPr>
+              <p:nvPr/>
+            </p:nvCxnSpPr>
+            <p:spPr>
+              <a:xfrm>
+                <a:off x="4359622" y="1626793"/>
+                <a:ext cx="0" cy="215995"/>
+              </a:xfrm>
+              <a:prstGeom prst="line">
+                <a:avLst/>
+              </a:prstGeom>
+              <a:ln w="25400">
+                <a:solidFill>
+                  <a:schemeClr val="tx1"/>
+                </a:solidFill>
+              </a:ln>
+            </p:spPr>
+            <p:style>
+              <a:lnRef idx="1">
+                <a:schemeClr val="accent1"/>
+              </a:lnRef>
+              <a:fillRef idx="0">
+                <a:schemeClr val="accent1"/>
+              </a:fillRef>
+              <a:effectRef idx="0">
+                <a:schemeClr val="accent1"/>
+              </a:effectRef>
+              <a:fontRef idx="minor">
+                <a:schemeClr val="tx1"/>
+              </a:fontRef>
+            </p:style>
+          </p:cxnSp>
+          <p:cxnSp>
+            <p:nvCxnSpPr>
+              <p:cNvPr id="79" name="Straight Connector 78"/>
+              <p:cNvCxnSpPr/>
+              <p:nvPr/>
+            </p:nvCxnSpPr>
+            <p:spPr>
+              <a:xfrm flipH="1">
+                <a:off x="3573780" y="1630680"/>
+                <a:ext cx="795592" cy="1243"/>
+              </a:xfrm>
+              <a:prstGeom prst="line">
+                <a:avLst/>
+              </a:prstGeom>
+              <a:ln w="25400">
+                <a:solidFill>
+                  <a:schemeClr val="tx1"/>
+                </a:solidFill>
+              </a:ln>
+            </p:spPr>
+            <p:style>
+              <a:lnRef idx="1">
+                <a:schemeClr val="accent1"/>
+              </a:lnRef>
+              <a:fillRef idx="0">
+                <a:schemeClr val="accent1"/>
+              </a:fillRef>
+              <a:effectRef idx="0">
+                <a:schemeClr val="accent1"/>
+              </a:effectRef>
+              <a:fontRef idx="minor">
+                <a:schemeClr val="tx1"/>
+              </a:fontRef>
+            </p:style>
+          </p:cxnSp>
+          <p:cxnSp>
+            <p:nvCxnSpPr>
+              <p:cNvPr id="80" name="Straight Connector 79"/>
+              <p:cNvCxnSpPr/>
+              <p:nvPr/>
+            </p:nvCxnSpPr>
+            <p:spPr>
+              <a:xfrm>
+                <a:off x="3573780" y="1143939"/>
+                <a:ext cx="0" cy="494361"/>
+              </a:xfrm>
+              <a:prstGeom prst="line">
+                <a:avLst/>
+              </a:prstGeom>
+              <a:ln w="25400">
+                <a:solidFill>
+                  <a:schemeClr val="tx1"/>
+                </a:solidFill>
+              </a:ln>
+            </p:spPr>
+            <p:style>
+              <a:lnRef idx="1">
+                <a:schemeClr val="accent1"/>
+              </a:lnRef>
+              <a:fillRef idx="0">
+                <a:schemeClr val="accent1"/>
+              </a:fillRef>
+              <a:effectRef idx="0">
+                <a:schemeClr val="accent1"/>
+              </a:effectRef>
+              <a:fontRef idx="minor">
+                <a:schemeClr val="tx1"/>
+              </a:fontRef>
+            </p:style>
+          </p:cxnSp>
+        </p:grpSp>
+        <p:cxnSp>
+          <p:nvCxnSpPr>
+            <p:cNvPr id="84" name="Straight Connector 83"/>
+            <p:cNvCxnSpPr>
+              <a:stCxn id="11" idx="2"/>
+              <a:endCxn id="12" idx="0"/>
+            </p:cNvCxnSpPr>
+            <p:nvPr/>
+          </p:nvCxnSpPr>
+          <p:spPr>
+            <a:xfrm flipH="1">
+              <a:off x="5595953" y="2889480"/>
+              <a:ext cx="0" cy="382380"/>
             </a:xfrm>
             <a:prstGeom prst="line">
               <a:avLst/>
@@ -4542,14 +5072,17 @@
         </p:cxnSp>
         <p:cxnSp>
           <p:nvCxnSpPr>
-            <p:cNvPr id="54" name="Straight Connector 53"/>
-            <p:cNvCxnSpPr/>
+            <p:cNvPr id="87" name="Straight Connector 86"/>
+            <p:cNvCxnSpPr>
+              <a:stCxn id="12" idx="2"/>
+              <a:endCxn id="13" idx="0"/>
+            </p:cNvCxnSpPr>
             <p:nvPr/>
           </p:nvCxnSpPr>
           <p:spPr>
             <a:xfrm flipH="1">
-              <a:off x="3573780" y="1645920"/>
-              <a:ext cx="795592" cy="1243"/>
+              <a:off x="5593775" y="3966616"/>
+              <a:ext cx="2178" cy="464258"/>
             </a:xfrm>
             <a:prstGeom prst="line">
               <a:avLst/>
@@ -4577,14 +5110,17 @@
         </p:cxnSp>
         <p:cxnSp>
           <p:nvCxnSpPr>
-            <p:cNvPr id="57" name="Straight Connector 56"/>
-            <p:cNvCxnSpPr/>
+            <p:cNvPr id="91" name="Straight Connector 90"/>
+            <p:cNvCxnSpPr>
+              <a:stCxn id="25" idx="1"/>
+              <a:endCxn id="13" idx="2"/>
+            </p:cNvCxnSpPr>
             <p:nvPr/>
           </p:nvCxnSpPr>
           <p:spPr>
-            <a:xfrm>
-              <a:off x="3573780" y="1379220"/>
-              <a:ext cx="0" cy="266700"/>
+            <a:xfrm flipH="1" flipV="1">
+              <a:off x="5593775" y="5222677"/>
+              <a:ext cx="2175" cy="307774"/>
             </a:xfrm>
             <a:prstGeom prst="line">
               <a:avLst/>
@@ -4610,31 +5146,263 @@
             </a:fontRef>
           </p:style>
         </p:cxnSp>
-      </p:grpSp>
-      <p:grpSp>
-        <p:nvGrpSpPr>
-          <p:cNvPr id="61" name="Group 60"/>
-          <p:cNvGrpSpPr/>
-          <p:nvPr/>
-        </p:nvGrpSpPr>
-        <p:grpSpPr>
-          <a:xfrm flipH="1">
-            <a:off x="2629250" y="1379220"/>
-            <a:ext cx="739299" cy="409233"/>
-            <a:chOff x="3573780" y="1379220"/>
-            <a:chExt cx="795592" cy="409233"/>
-          </a:xfrm>
-        </p:grpSpPr>
+        <p:grpSp>
+          <p:nvGrpSpPr>
+            <p:cNvPr id="94" name="Group 93"/>
+            <p:cNvGrpSpPr/>
+            <p:nvPr/>
+          </p:nvGrpSpPr>
+          <p:grpSpPr>
+            <a:xfrm flipH="1">
+              <a:off x="4690567" y="5932170"/>
+              <a:ext cx="796465" cy="746123"/>
+              <a:chOff x="3573780" y="1379220"/>
+              <a:chExt cx="795592" cy="475574"/>
+            </a:xfrm>
+          </p:grpSpPr>
+          <p:cxnSp>
+            <p:nvCxnSpPr>
+              <p:cNvPr id="95" name="Straight Connector 94"/>
+              <p:cNvCxnSpPr>
+                <a:endCxn id="29" idx="0"/>
+              </p:cNvCxnSpPr>
+              <p:nvPr/>
+            </p:nvCxnSpPr>
+            <p:spPr>
+              <a:xfrm>
+                <a:off x="4363250" y="1638294"/>
+                <a:ext cx="703" cy="216500"/>
+              </a:xfrm>
+              <a:prstGeom prst="line">
+                <a:avLst/>
+              </a:prstGeom>
+              <a:ln w="25400">
+                <a:solidFill>
+                  <a:schemeClr val="tx1"/>
+                </a:solidFill>
+              </a:ln>
+            </p:spPr>
+            <p:style>
+              <a:lnRef idx="1">
+                <a:schemeClr val="accent1"/>
+              </a:lnRef>
+              <a:fillRef idx="0">
+                <a:schemeClr val="accent1"/>
+              </a:fillRef>
+              <a:effectRef idx="0">
+                <a:schemeClr val="accent1"/>
+              </a:effectRef>
+              <a:fontRef idx="minor">
+                <a:schemeClr val="tx1"/>
+              </a:fontRef>
+            </p:style>
+          </p:cxnSp>
+          <p:cxnSp>
+            <p:nvCxnSpPr>
+              <p:cNvPr id="96" name="Straight Connector 95"/>
+              <p:cNvCxnSpPr/>
+              <p:nvPr/>
+            </p:nvCxnSpPr>
+            <p:spPr>
+              <a:xfrm flipH="1">
+                <a:off x="3573780" y="1640456"/>
+                <a:ext cx="795592" cy="1243"/>
+              </a:xfrm>
+              <a:prstGeom prst="line">
+                <a:avLst/>
+              </a:prstGeom>
+              <a:ln w="25400">
+                <a:solidFill>
+                  <a:schemeClr val="tx1"/>
+                </a:solidFill>
+              </a:ln>
+            </p:spPr>
+            <p:style>
+              <a:lnRef idx="1">
+                <a:schemeClr val="accent1"/>
+              </a:lnRef>
+              <a:fillRef idx="0">
+                <a:schemeClr val="accent1"/>
+              </a:fillRef>
+              <a:effectRef idx="0">
+                <a:schemeClr val="accent1"/>
+              </a:effectRef>
+              <a:fontRef idx="minor">
+                <a:schemeClr val="tx1"/>
+              </a:fontRef>
+            </p:style>
+          </p:cxnSp>
+          <p:cxnSp>
+            <p:nvCxnSpPr>
+              <p:cNvPr id="97" name="Straight Connector 96"/>
+              <p:cNvCxnSpPr/>
+              <p:nvPr/>
+            </p:nvCxnSpPr>
+            <p:spPr>
+              <a:xfrm>
+                <a:off x="3573780" y="1379220"/>
+                <a:ext cx="0" cy="266700"/>
+              </a:xfrm>
+              <a:prstGeom prst="line">
+                <a:avLst/>
+              </a:prstGeom>
+              <a:ln w="25400">
+                <a:solidFill>
+                  <a:schemeClr val="tx1"/>
+                </a:solidFill>
+              </a:ln>
+            </p:spPr>
+            <p:style>
+              <a:lnRef idx="1">
+                <a:schemeClr val="accent1"/>
+              </a:lnRef>
+              <a:fillRef idx="0">
+                <a:schemeClr val="accent1"/>
+              </a:fillRef>
+              <a:effectRef idx="0">
+                <a:schemeClr val="accent1"/>
+              </a:effectRef>
+              <a:fontRef idx="minor">
+                <a:schemeClr val="tx1"/>
+              </a:fontRef>
+            </p:style>
+          </p:cxnSp>
+        </p:grpSp>
+        <p:grpSp>
+          <p:nvGrpSpPr>
+            <p:cNvPr id="99" name="Group 98"/>
+            <p:cNvGrpSpPr/>
+            <p:nvPr/>
+          </p:nvGrpSpPr>
+          <p:grpSpPr>
+            <a:xfrm>
+              <a:off x="5700712" y="5932169"/>
+              <a:ext cx="1939217" cy="695072"/>
+              <a:chOff x="3573780" y="1305022"/>
+              <a:chExt cx="795592" cy="617571"/>
+            </a:xfrm>
+          </p:grpSpPr>
+          <p:cxnSp>
+            <p:nvCxnSpPr>
+              <p:cNvPr id="100" name="Straight Connector 99"/>
+              <p:cNvCxnSpPr>
+                <a:endCxn id="38" idx="0"/>
+              </p:cNvCxnSpPr>
+              <p:nvPr/>
+            </p:nvCxnSpPr>
+            <p:spPr>
+              <a:xfrm>
+                <a:off x="4363249" y="1638300"/>
+                <a:ext cx="0" cy="284293"/>
+              </a:xfrm>
+              <a:prstGeom prst="line">
+                <a:avLst/>
+              </a:prstGeom>
+              <a:ln w="25400">
+                <a:solidFill>
+                  <a:schemeClr val="tx1"/>
+                </a:solidFill>
+              </a:ln>
+            </p:spPr>
+            <p:style>
+              <a:lnRef idx="1">
+                <a:schemeClr val="accent1"/>
+              </a:lnRef>
+              <a:fillRef idx="0">
+                <a:schemeClr val="accent1"/>
+              </a:fillRef>
+              <a:effectRef idx="0">
+                <a:schemeClr val="accent1"/>
+              </a:effectRef>
+              <a:fontRef idx="minor">
+                <a:schemeClr val="tx1"/>
+              </a:fontRef>
+            </p:style>
+          </p:cxnSp>
+          <p:cxnSp>
+            <p:nvCxnSpPr>
+              <p:cNvPr id="101" name="Straight Connector 100"/>
+              <p:cNvCxnSpPr/>
+              <p:nvPr/>
+            </p:nvCxnSpPr>
+            <p:spPr>
+              <a:xfrm flipH="1">
+                <a:off x="3573780" y="1640456"/>
+                <a:ext cx="795592" cy="1243"/>
+              </a:xfrm>
+              <a:prstGeom prst="line">
+                <a:avLst/>
+              </a:prstGeom>
+              <a:ln w="25400">
+                <a:solidFill>
+                  <a:schemeClr val="tx1"/>
+                </a:solidFill>
+              </a:ln>
+            </p:spPr>
+            <p:style>
+              <a:lnRef idx="1">
+                <a:schemeClr val="accent1"/>
+              </a:lnRef>
+              <a:fillRef idx="0">
+                <a:schemeClr val="accent1"/>
+              </a:fillRef>
+              <a:effectRef idx="0">
+                <a:schemeClr val="accent1"/>
+              </a:effectRef>
+              <a:fontRef idx="minor">
+                <a:schemeClr val="tx1"/>
+              </a:fontRef>
+            </p:style>
+          </p:cxnSp>
+          <p:cxnSp>
+            <p:nvCxnSpPr>
+              <p:cNvPr id="102" name="Straight Connector 101"/>
+              <p:cNvCxnSpPr/>
+              <p:nvPr/>
+            </p:nvCxnSpPr>
+            <p:spPr>
+              <a:xfrm>
+                <a:off x="3573780" y="1305022"/>
+                <a:ext cx="0" cy="340897"/>
+              </a:xfrm>
+              <a:prstGeom prst="line">
+                <a:avLst/>
+              </a:prstGeom>
+              <a:ln w="25400">
+                <a:solidFill>
+                  <a:schemeClr val="tx1"/>
+                </a:solidFill>
+              </a:ln>
+            </p:spPr>
+            <p:style>
+              <a:lnRef idx="1">
+                <a:schemeClr val="accent1"/>
+              </a:lnRef>
+              <a:fillRef idx="0">
+                <a:schemeClr val="accent1"/>
+              </a:fillRef>
+              <a:effectRef idx="0">
+                <a:schemeClr val="accent1"/>
+              </a:effectRef>
+              <a:fontRef idx="minor">
+                <a:schemeClr val="tx1"/>
+              </a:fontRef>
+            </p:style>
+          </p:cxnSp>
+        </p:grpSp>
         <p:cxnSp>
           <p:nvCxnSpPr>
-            <p:cNvPr id="62" name="Straight Connector 61"/>
-            <p:cNvCxnSpPr/>
+            <p:cNvPr id="106" name="Straight Connector 105"/>
+            <p:cNvCxnSpPr>
+              <a:stCxn id="38" idx="2"/>
+              <a:endCxn id="5" idx="3"/>
+            </p:cNvCxnSpPr>
             <p:nvPr/>
           </p:nvCxnSpPr>
           <p:spPr>
             <a:xfrm>
-              <a:off x="4363249" y="1638300"/>
-              <a:ext cx="0" cy="150153"/>
+              <a:off x="7642987" y="7419043"/>
+              <a:ext cx="0" cy="259364"/>
             </a:xfrm>
             <a:prstGeom prst="line">
               <a:avLst/>
@@ -4662,14 +5430,17 @@
         </p:cxnSp>
         <p:cxnSp>
           <p:nvCxnSpPr>
-            <p:cNvPr id="63" name="Straight Connector 62"/>
-            <p:cNvCxnSpPr/>
+            <p:cNvPr id="111" name="Straight Connector 110"/>
+            <p:cNvCxnSpPr>
+              <a:stCxn id="29" idx="2"/>
+              <a:endCxn id="30" idx="1"/>
+            </p:cNvCxnSpPr>
             <p:nvPr/>
           </p:nvCxnSpPr>
           <p:spPr>
             <a:xfrm flipH="1">
-              <a:off x="3573780" y="1645920"/>
-              <a:ext cx="795592" cy="1243"/>
+              <a:off x="4690565" y="7470098"/>
+              <a:ext cx="0" cy="326568"/>
             </a:xfrm>
             <a:prstGeom prst="line">
               <a:avLst/>
@@ -4695,16 +5466,509 @@
             </a:fontRef>
           </p:style>
         </p:cxnSp>
+        <p:grpSp>
+          <p:nvGrpSpPr>
+            <p:cNvPr id="114" name="Group 113"/>
+            <p:cNvGrpSpPr/>
+            <p:nvPr/>
+          </p:nvGrpSpPr>
+          <p:grpSpPr>
+            <a:xfrm flipH="1">
+              <a:off x="7394694" y="8144329"/>
+              <a:ext cx="166251" cy="631968"/>
+              <a:chOff x="3581980" y="1321806"/>
+              <a:chExt cx="795592" cy="561749"/>
+            </a:xfrm>
+          </p:grpSpPr>
+          <p:cxnSp>
+            <p:nvCxnSpPr>
+              <p:cNvPr id="115" name="Straight Connector 114"/>
+              <p:cNvCxnSpPr>
+                <a:endCxn id="19" idx="0"/>
+              </p:cNvCxnSpPr>
+              <p:nvPr/>
+            </p:nvCxnSpPr>
+            <p:spPr>
+              <a:xfrm>
+                <a:off x="4376458" y="1645920"/>
+                <a:ext cx="1114" cy="237635"/>
+              </a:xfrm>
+              <a:prstGeom prst="line">
+                <a:avLst/>
+              </a:prstGeom>
+              <a:ln w="25400">
+                <a:solidFill>
+                  <a:schemeClr val="tx1"/>
+                </a:solidFill>
+              </a:ln>
+            </p:spPr>
+            <p:style>
+              <a:lnRef idx="1">
+                <a:schemeClr val="accent1"/>
+              </a:lnRef>
+              <a:fillRef idx="0">
+                <a:schemeClr val="accent1"/>
+              </a:fillRef>
+              <a:effectRef idx="0">
+                <a:schemeClr val="accent1"/>
+              </a:effectRef>
+              <a:fontRef idx="minor">
+                <a:schemeClr val="tx1"/>
+              </a:fontRef>
+            </p:style>
+          </p:cxnSp>
+          <p:cxnSp>
+            <p:nvCxnSpPr>
+              <p:cNvPr id="116" name="Straight Connector 115"/>
+              <p:cNvCxnSpPr/>
+              <p:nvPr/>
+            </p:nvCxnSpPr>
+            <p:spPr>
+              <a:xfrm flipH="1">
+                <a:off x="3581980" y="1645920"/>
+                <a:ext cx="795592" cy="1243"/>
+              </a:xfrm>
+              <a:prstGeom prst="line">
+                <a:avLst/>
+              </a:prstGeom>
+              <a:ln w="25400">
+                <a:solidFill>
+                  <a:schemeClr val="tx1"/>
+                </a:solidFill>
+              </a:ln>
+            </p:spPr>
+            <p:style>
+              <a:lnRef idx="1">
+                <a:schemeClr val="accent1"/>
+              </a:lnRef>
+              <a:fillRef idx="0">
+                <a:schemeClr val="accent1"/>
+              </a:fillRef>
+              <a:effectRef idx="0">
+                <a:schemeClr val="accent1"/>
+              </a:effectRef>
+              <a:fontRef idx="minor">
+                <a:schemeClr val="tx1"/>
+              </a:fontRef>
+            </p:style>
+          </p:cxnSp>
+          <p:cxnSp>
+            <p:nvCxnSpPr>
+              <p:cNvPr id="117" name="Straight Connector 116"/>
+              <p:cNvCxnSpPr>
+                <a:stCxn id="5" idx="1"/>
+              </p:cNvCxnSpPr>
+              <p:nvPr/>
+            </p:nvCxnSpPr>
+            <p:spPr>
+              <a:xfrm>
+                <a:off x="3581980" y="1321806"/>
+                <a:ext cx="0" cy="324114"/>
+              </a:xfrm>
+              <a:prstGeom prst="line">
+                <a:avLst/>
+              </a:prstGeom>
+              <a:ln w="25400">
+                <a:solidFill>
+                  <a:schemeClr val="tx1"/>
+                </a:solidFill>
+              </a:ln>
+            </p:spPr>
+            <p:style>
+              <a:lnRef idx="1">
+                <a:schemeClr val="accent1"/>
+              </a:lnRef>
+              <a:fillRef idx="0">
+                <a:schemeClr val="accent1"/>
+              </a:fillRef>
+              <a:effectRef idx="0">
+                <a:schemeClr val="accent1"/>
+              </a:effectRef>
+              <a:fontRef idx="minor">
+                <a:schemeClr val="tx1"/>
+              </a:fontRef>
+            </p:style>
+          </p:cxnSp>
+        </p:grpSp>
+        <p:grpSp>
+          <p:nvGrpSpPr>
+            <p:cNvPr id="120" name="Group 119"/>
+            <p:cNvGrpSpPr/>
+            <p:nvPr/>
+          </p:nvGrpSpPr>
+          <p:grpSpPr>
+            <a:xfrm>
+              <a:off x="7726974" y="8144328"/>
+              <a:ext cx="1535226" cy="631969"/>
+              <a:chOff x="3566746" y="1404751"/>
+              <a:chExt cx="795592" cy="561507"/>
+            </a:xfrm>
+          </p:grpSpPr>
+          <p:cxnSp>
+            <p:nvCxnSpPr>
+              <p:cNvPr id="121" name="Straight Connector 120"/>
+              <p:cNvCxnSpPr>
+                <a:endCxn id="20" idx="0"/>
+              </p:cNvCxnSpPr>
+              <p:nvPr/>
+            </p:nvCxnSpPr>
+            <p:spPr>
+              <a:xfrm>
+                <a:off x="4356826" y="1640458"/>
+                <a:ext cx="0" cy="325800"/>
+              </a:xfrm>
+              <a:prstGeom prst="line">
+                <a:avLst/>
+              </a:prstGeom>
+              <a:ln w="25400">
+                <a:solidFill>
+                  <a:schemeClr val="tx1"/>
+                </a:solidFill>
+              </a:ln>
+            </p:spPr>
+            <p:style>
+              <a:lnRef idx="1">
+                <a:schemeClr val="accent1"/>
+              </a:lnRef>
+              <a:fillRef idx="0">
+                <a:schemeClr val="accent1"/>
+              </a:fillRef>
+              <a:effectRef idx="0">
+                <a:schemeClr val="accent1"/>
+              </a:effectRef>
+              <a:fontRef idx="minor">
+                <a:schemeClr val="tx1"/>
+              </a:fontRef>
+            </p:style>
+          </p:cxnSp>
+          <p:cxnSp>
+            <p:nvCxnSpPr>
+              <p:cNvPr id="122" name="Straight Connector 121"/>
+              <p:cNvCxnSpPr/>
+              <p:nvPr/>
+            </p:nvCxnSpPr>
+            <p:spPr>
+              <a:xfrm flipH="1">
+                <a:off x="3566746" y="1640456"/>
+                <a:ext cx="795592" cy="1243"/>
+              </a:xfrm>
+              <a:prstGeom prst="line">
+                <a:avLst/>
+              </a:prstGeom>
+              <a:ln w="25400">
+                <a:solidFill>
+                  <a:schemeClr val="tx1"/>
+                </a:solidFill>
+              </a:ln>
+            </p:spPr>
+            <p:style>
+              <a:lnRef idx="1">
+                <a:schemeClr val="accent1"/>
+              </a:lnRef>
+              <a:fillRef idx="0">
+                <a:schemeClr val="accent1"/>
+              </a:fillRef>
+              <a:effectRef idx="0">
+                <a:schemeClr val="accent1"/>
+              </a:effectRef>
+              <a:fontRef idx="minor">
+                <a:schemeClr val="tx1"/>
+              </a:fontRef>
+            </p:style>
+          </p:cxnSp>
+          <p:cxnSp>
+            <p:nvCxnSpPr>
+              <p:cNvPr id="123" name="Straight Connector 122"/>
+              <p:cNvCxnSpPr/>
+              <p:nvPr/>
+            </p:nvCxnSpPr>
+            <p:spPr>
+              <a:xfrm>
+                <a:off x="3569415" y="1404751"/>
+                <a:ext cx="0" cy="241168"/>
+              </a:xfrm>
+              <a:prstGeom prst="line">
+                <a:avLst/>
+              </a:prstGeom>
+              <a:ln w="25400">
+                <a:solidFill>
+                  <a:schemeClr val="tx1"/>
+                </a:solidFill>
+              </a:ln>
+            </p:spPr>
+            <p:style>
+              <a:lnRef idx="1">
+                <a:schemeClr val="accent1"/>
+              </a:lnRef>
+              <a:fillRef idx="0">
+                <a:schemeClr val="accent1"/>
+              </a:fillRef>
+              <a:effectRef idx="0">
+                <a:schemeClr val="accent1"/>
+              </a:effectRef>
+              <a:fontRef idx="minor">
+                <a:schemeClr val="tx1"/>
+              </a:fontRef>
+            </p:style>
+          </p:cxnSp>
+        </p:grpSp>
+        <p:grpSp>
+          <p:nvGrpSpPr>
+            <p:cNvPr id="128" name="Group 127"/>
+            <p:cNvGrpSpPr/>
+            <p:nvPr/>
+          </p:nvGrpSpPr>
+          <p:grpSpPr>
+            <a:xfrm flipH="1">
+              <a:off x="3837315" y="8201023"/>
+              <a:ext cx="766116" cy="575273"/>
+              <a:chOff x="793390" y="1417266"/>
+              <a:chExt cx="3666228" cy="511354"/>
+            </a:xfrm>
+          </p:grpSpPr>
+          <p:cxnSp>
+            <p:nvCxnSpPr>
+              <p:cNvPr id="129" name="Straight Connector 128"/>
+              <p:cNvCxnSpPr>
+                <a:endCxn id="15" idx="0"/>
+              </p:cNvCxnSpPr>
+              <p:nvPr/>
+            </p:nvCxnSpPr>
+            <p:spPr>
+              <a:xfrm flipH="1">
+                <a:off x="4401146" y="1708265"/>
+                <a:ext cx="0" cy="220355"/>
+              </a:xfrm>
+              <a:prstGeom prst="line">
+                <a:avLst/>
+              </a:prstGeom>
+              <a:ln w="25400">
+                <a:solidFill>
+                  <a:schemeClr val="tx1"/>
+                </a:solidFill>
+              </a:ln>
+            </p:spPr>
+            <p:style>
+              <a:lnRef idx="1">
+                <a:schemeClr val="accent1"/>
+              </a:lnRef>
+              <a:fillRef idx="0">
+                <a:schemeClr val="accent1"/>
+              </a:fillRef>
+              <a:effectRef idx="0">
+                <a:schemeClr val="accent1"/>
+              </a:effectRef>
+              <a:fontRef idx="minor">
+                <a:schemeClr val="tx1"/>
+              </a:fontRef>
+            </p:style>
+          </p:cxnSp>
+          <p:cxnSp>
+            <p:nvCxnSpPr>
+              <p:cNvPr id="130" name="Straight Connector 129"/>
+              <p:cNvCxnSpPr/>
+              <p:nvPr/>
+            </p:nvCxnSpPr>
+            <p:spPr>
+              <a:xfrm flipH="1" flipV="1">
+                <a:off x="793390" y="1690985"/>
+                <a:ext cx="3666228" cy="0"/>
+              </a:xfrm>
+              <a:prstGeom prst="line">
+                <a:avLst/>
+              </a:prstGeom>
+              <a:ln w="25400">
+                <a:solidFill>
+                  <a:schemeClr val="tx1"/>
+                </a:solidFill>
+              </a:ln>
+            </p:spPr>
+            <p:style>
+              <a:lnRef idx="1">
+                <a:schemeClr val="accent1"/>
+              </a:lnRef>
+              <a:fillRef idx="0">
+                <a:schemeClr val="accent1"/>
+              </a:fillRef>
+              <a:effectRef idx="0">
+                <a:schemeClr val="accent1"/>
+              </a:effectRef>
+              <a:fontRef idx="minor">
+                <a:schemeClr val="tx1"/>
+              </a:fontRef>
+            </p:style>
+          </p:cxnSp>
+          <p:cxnSp>
+            <p:nvCxnSpPr>
+              <p:cNvPr id="131" name="Straight Connector 130"/>
+              <p:cNvCxnSpPr>
+                <a:stCxn id="30" idx="3"/>
+              </p:cNvCxnSpPr>
+              <p:nvPr/>
+            </p:nvCxnSpPr>
+            <p:spPr>
+              <a:xfrm>
+                <a:off x="833407" y="1417266"/>
+                <a:ext cx="0" cy="274374"/>
+              </a:xfrm>
+              <a:prstGeom prst="line">
+                <a:avLst/>
+              </a:prstGeom>
+              <a:ln w="25400">
+                <a:solidFill>
+                  <a:schemeClr val="tx1"/>
+                </a:solidFill>
+              </a:ln>
+            </p:spPr>
+            <p:style>
+              <a:lnRef idx="1">
+                <a:schemeClr val="accent1"/>
+              </a:lnRef>
+              <a:fillRef idx="0">
+                <a:schemeClr val="accent1"/>
+              </a:fillRef>
+              <a:effectRef idx="0">
+                <a:schemeClr val="accent1"/>
+              </a:effectRef>
+              <a:fontRef idx="minor">
+                <a:schemeClr val="tx1"/>
+              </a:fontRef>
+            </p:style>
+          </p:cxnSp>
+        </p:grpSp>
+        <p:grpSp>
+          <p:nvGrpSpPr>
+            <p:cNvPr id="136" name="Group 135"/>
+            <p:cNvGrpSpPr/>
+            <p:nvPr/>
+          </p:nvGrpSpPr>
+          <p:grpSpPr>
+            <a:xfrm>
+              <a:off x="4757313" y="8193310"/>
+              <a:ext cx="1096376" cy="575273"/>
+              <a:chOff x="793390" y="1417266"/>
+              <a:chExt cx="3666228" cy="511354"/>
+            </a:xfrm>
+          </p:grpSpPr>
+          <p:cxnSp>
+            <p:nvCxnSpPr>
+              <p:cNvPr id="137" name="Straight Connector 136"/>
+              <p:cNvCxnSpPr/>
+              <p:nvPr/>
+            </p:nvCxnSpPr>
+            <p:spPr>
+              <a:xfrm flipH="1">
+                <a:off x="4401147" y="1708265"/>
+                <a:ext cx="0" cy="220355"/>
+              </a:xfrm>
+              <a:prstGeom prst="line">
+                <a:avLst/>
+              </a:prstGeom>
+              <a:ln w="25400">
+                <a:solidFill>
+                  <a:schemeClr val="tx1"/>
+                </a:solidFill>
+              </a:ln>
+            </p:spPr>
+            <p:style>
+              <a:lnRef idx="1">
+                <a:schemeClr val="accent1"/>
+              </a:lnRef>
+              <a:fillRef idx="0">
+                <a:schemeClr val="accent1"/>
+              </a:fillRef>
+              <a:effectRef idx="0">
+                <a:schemeClr val="accent1"/>
+              </a:effectRef>
+              <a:fontRef idx="minor">
+                <a:schemeClr val="tx1"/>
+              </a:fontRef>
+            </p:style>
+          </p:cxnSp>
+          <p:cxnSp>
+            <p:nvCxnSpPr>
+              <p:cNvPr id="138" name="Straight Connector 137"/>
+              <p:cNvCxnSpPr/>
+              <p:nvPr/>
+            </p:nvCxnSpPr>
+            <p:spPr>
+              <a:xfrm flipH="1" flipV="1">
+                <a:off x="793390" y="1690985"/>
+                <a:ext cx="3666228" cy="0"/>
+              </a:xfrm>
+              <a:prstGeom prst="line">
+                <a:avLst/>
+              </a:prstGeom>
+              <a:ln w="25400">
+                <a:solidFill>
+                  <a:schemeClr val="tx1"/>
+                </a:solidFill>
+              </a:ln>
+            </p:spPr>
+            <p:style>
+              <a:lnRef idx="1">
+                <a:schemeClr val="accent1"/>
+              </a:lnRef>
+              <a:fillRef idx="0">
+                <a:schemeClr val="accent1"/>
+              </a:fillRef>
+              <a:effectRef idx="0">
+                <a:schemeClr val="accent1"/>
+              </a:effectRef>
+              <a:fontRef idx="minor">
+                <a:schemeClr val="tx1"/>
+              </a:fontRef>
+            </p:style>
+          </p:cxnSp>
+          <p:cxnSp>
+            <p:nvCxnSpPr>
+              <p:cNvPr id="139" name="Straight Connector 138"/>
+              <p:cNvCxnSpPr/>
+              <p:nvPr/>
+            </p:nvCxnSpPr>
+            <p:spPr>
+              <a:xfrm>
+                <a:off x="833407" y="1417266"/>
+                <a:ext cx="0" cy="274374"/>
+              </a:xfrm>
+              <a:prstGeom prst="line">
+                <a:avLst/>
+              </a:prstGeom>
+              <a:ln w="25400">
+                <a:solidFill>
+                  <a:schemeClr val="tx1"/>
+                </a:solidFill>
+              </a:ln>
+            </p:spPr>
+            <p:style>
+              <a:lnRef idx="1">
+                <a:schemeClr val="accent1"/>
+              </a:lnRef>
+              <a:fillRef idx="0">
+                <a:schemeClr val="accent1"/>
+              </a:fillRef>
+              <a:effectRef idx="0">
+                <a:schemeClr val="accent1"/>
+              </a:effectRef>
+              <a:fontRef idx="minor">
+                <a:schemeClr val="tx1"/>
+              </a:fontRef>
+            </p:style>
+          </p:cxnSp>
+        </p:grpSp>
         <p:cxnSp>
           <p:nvCxnSpPr>
-            <p:cNvPr id="64" name="Straight Connector 63"/>
-            <p:cNvCxnSpPr/>
+            <p:cNvPr id="140" name="Straight Connector 139"/>
+            <p:cNvCxnSpPr>
+              <a:stCxn id="31" idx="2"/>
+              <a:endCxn id="32" idx="1"/>
+            </p:cNvCxnSpPr>
             <p:nvPr/>
           </p:nvCxnSpPr>
           <p:spPr>
-            <a:xfrm>
-              <a:off x="3573780" y="1379220"/>
-              <a:ext cx="0" cy="266700"/>
+            <a:xfrm flipH="1">
+              <a:off x="5794374" y="9568102"/>
+              <a:ext cx="1" cy="407568"/>
             </a:xfrm>
             <a:prstGeom prst="line">
               <a:avLst/>
@@ -4730,1496 +5994,435 @@
             </a:fontRef>
           </p:style>
         </p:cxnSp>
-      </p:grpSp>
-      <p:cxnSp>
-        <p:nvCxnSpPr>
-          <p:cNvPr id="65" name="Straight Connector 64"/>
-          <p:cNvCxnSpPr>
-            <a:stCxn id="23" idx="2"/>
-            <a:endCxn id="4" idx="1"/>
-          </p:cNvCxnSpPr>
-          <p:nvPr/>
-        </p:nvCxnSpPr>
-        <p:spPr>
-          <a:xfrm flipH="1">
-            <a:off x="4353150" y="2453617"/>
-            <a:ext cx="1898" cy="246541"/>
-          </a:xfrm>
-          <a:prstGeom prst="line">
-            <a:avLst/>
-          </a:prstGeom>
-          <a:ln w="25400">
-            <a:solidFill>
-              <a:schemeClr val="tx1"/>
-            </a:solidFill>
-          </a:ln>
-        </p:spPr>
-        <p:style>
-          <a:lnRef idx="1">
-            <a:schemeClr val="accent1"/>
-          </a:lnRef>
-          <a:fillRef idx="0">
-            <a:schemeClr val="accent1"/>
-          </a:fillRef>
-          <a:effectRef idx="0">
-            <a:schemeClr val="accent1"/>
-          </a:effectRef>
-          <a:fontRef idx="minor">
-            <a:schemeClr val="tx1"/>
-          </a:fontRef>
-        </p:style>
-      </p:cxnSp>
-      <p:grpSp>
-        <p:nvGrpSpPr>
-          <p:cNvPr id="69" name="Group 68"/>
-          <p:cNvGrpSpPr/>
-          <p:nvPr/>
-        </p:nvGrpSpPr>
-        <p:grpSpPr>
-          <a:xfrm flipH="1">
-            <a:off x="3999722" y="3055620"/>
-            <a:ext cx="244618" cy="698849"/>
-            <a:chOff x="3581980" y="1163066"/>
-            <a:chExt cx="795592" cy="698849"/>
-          </a:xfrm>
-        </p:grpSpPr>
-        <p:cxnSp>
-          <p:nvCxnSpPr>
-            <p:cNvPr id="70" name="Straight Connector 69"/>
-            <p:cNvCxnSpPr>
-              <a:endCxn id="21" idx="0"/>
-            </p:cNvCxnSpPr>
+        <p:grpSp>
+          <p:nvGrpSpPr>
+            <p:cNvPr id="143" name="Group 142"/>
+            <p:cNvGrpSpPr/>
             <p:nvPr/>
-          </p:nvCxnSpPr>
+          </p:nvGrpSpPr>
+          <p:grpSpPr>
+            <a:xfrm flipH="1">
+              <a:off x="4829788" y="10380027"/>
+              <a:ext cx="870924" cy="517824"/>
+              <a:chOff x="752367" y="1475842"/>
+              <a:chExt cx="3666227" cy="460288"/>
+            </a:xfrm>
+          </p:grpSpPr>
+          <p:cxnSp>
+            <p:nvCxnSpPr>
+              <p:cNvPr id="144" name="Straight Connector 143"/>
+              <p:cNvCxnSpPr>
+                <a:endCxn id="35" idx="0"/>
+              </p:cNvCxnSpPr>
+              <p:nvPr/>
+            </p:nvCxnSpPr>
+            <p:spPr>
+              <a:xfrm flipH="1">
+                <a:off x="4401147" y="1708265"/>
+                <a:ext cx="0" cy="227865"/>
+              </a:xfrm>
+              <a:prstGeom prst="line">
+                <a:avLst/>
+              </a:prstGeom>
+              <a:ln w="25400">
+                <a:solidFill>
+                  <a:schemeClr val="tx1"/>
+                </a:solidFill>
+              </a:ln>
+            </p:spPr>
+            <p:style>
+              <a:lnRef idx="1">
+                <a:schemeClr val="accent1"/>
+              </a:lnRef>
+              <a:fillRef idx="0">
+                <a:schemeClr val="accent1"/>
+              </a:fillRef>
+              <a:effectRef idx="0">
+                <a:schemeClr val="accent1"/>
+              </a:effectRef>
+              <a:fontRef idx="minor">
+                <a:schemeClr val="tx1"/>
+              </a:fontRef>
+            </p:style>
+          </p:cxnSp>
+          <p:cxnSp>
+            <p:nvCxnSpPr>
+              <p:cNvPr id="145" name="Straight Connector 144"/>
+              <p:cNvCxnSpPr/>
+              <p:nvPr/>
+            </p:nvCxnSpPr>
+            <p:spPr>
+              <a:xfrm flipH="1" flipV="1">
+                <a:off x="752367" y="1698605"/>
+                <a:ext cx="3666227" cy="0"/>
+              </a:xfrm>
+              <a:prstGeom prst="line">
+                <a:avLst/>
+              </a:prstGeom>
+              <a:ln w="25400">
+                <a:solidFill>
+                  <a:schemeClr val="tx1"/>
+                </a:solidFill>
+              </a:ln>
+            </p:spPr>
+            <p:style>
+              <a:lnRef idx="1">
+                <a:schemeClr val="accent1"/>
+              </a:lnRef>
+              <a:fillRef idx="0">
+                <a:schemeClr val="accent1"/>
+              </a:fillRef>
+              <a:effectRef idx="0">
+                <a:schemeClr val="accent1"/>
+              </a:effectRef>
+              <a:fontRef idx="minor">
+                <a:schemeClr val="tx1"/>
+              </a:fontRef>
+            </p:style>
+          </p:cxnSp>
+          <p:cxnSp>
+            <p:nvCxnSpPr>
+              <p:cNvPr id="146" name="Straight Connector 145"/>
+              <p:cNvCxnSpPr>
+                <a:stCxn id="32" idx="3"/>
+              </p:cNvCxnSpPr>
+              <p:nvPr/>
+            </p:nvCxnSpPr>
+            <p:spPr>
+              <a:xfrm>
+                <a:off x="833406" y="1475842"/>
+                <a:ext cx="0" cy="215798"/>
+              </a:xfrm>
+              <a:prstGeom prst="line">
+                <a:avLst/>
+              </a:prstGeom>
+              <a:ln w="25400">
+                <a:solidFill>
+                  <a:schemeClr val="tx1"/>
+                </a:solidFill>
+              </a:ln>
+            </p:spPr>
+            <p:style>
+              <a:lnRef idx="1">
+                <a:schemeClr val="accent1"/>
+              </a:lnRef>
+              <a:fillRef idx="0">
+                <a:schemeClr val="accent1"/>
+              </a:fillRef>
+              <a:effectRef idx="0">
+                <a:schemeClr val="accent1"/>
+              </a:effectRef>
+              <a:fontRef idx="minor">
+                <a:schemeClr val="tx1"/>
+              </a:fontRef>
+            </p:style>
+          </p:cxnSp>
+        </p:grpSp>
+        <p:grpSp>
+          <p:nvGrpSpPr>
+            <p:cNvPr id="149" name="Group 148"/>
+            <p:cNvGrpSpPr/>
+            <p:nvPr/>
+          </p:nvGrpSpPr>
+          <p:grpSpPr>
+            <a:xfrm>
+              <a:off x="5862261" y="10380027"/>
+              <a:ext cx="1035459" cy="517825"/>
+              <a:chOff x="785938" y="1475842"/>
+              <a:chExt cx="4054484" cy="460289"/>
+            </a:xfrm>
+          </p:grpSpPr>
+          <p:cxnSp>
+            <p:nvCxnSpPr>
+              <p:cNvPr id="150" name="Straight Connector 149"/>
+              <p:cNvCxnSpPr>
+                <a:endCxn id="37" idx="0"/>
+              </p:cNvCxnSpPr>
+              <p:nvPr/>
+            </p:nvCxnSpPr>
+            <p:spPr>
+              <a:xfrm>
+                <a:off x="4840422" y="1691640"/>
+                <a:ext cx="0" cy="244491"/>
+              </a:xfrm>
+              <a:prstGeom prst="line">
+                <a:avLst/>
+              </a:prstGeom>
+              <a:ln w="25400">
+                <a:solidFill>
+                  <a:schemeClr val="tx1"/>
+                </a:solidFill>
+              </a:ln>
+            </p:spPr>
+            <p:style>
+              <a:lnRef idx="1">
+                <a:schemeClr val="accent1"/>
+              </a:lnRef>
+              <a:fillRef idx="0">
+                <a:schemeClr val="accent1"/>
+              </a:fillRef>
+              <a:effectRef idx="0">
+                <a:schemeClr val="accent1"/>
+              </a:effectRef>
+              <a:fontRef idx="minor">
+                <a:schemeClr val="tx1"/>
+              </a:fontRef>
+            </p:style>
+          </p:cxnSp>
+          <p:cxnSp>
+            <p:nvCxnSpPr>
+              <p:cNvPr id="151" name="Straight Connector 150"/>
+              <p:cNvCxnSpPr/>
+              <p:nvPr/>
+            </p:nvCxnSpPr>
+            <p:spPr>
+              <a:xfrm flipH="1">
+                <a:off x="785938" y="1698605"/>
+                <a:ext cx="4054484" cy="0"/>
+              </a:xfrm>
+              <a:prstGeom prst="line">
+                <a:avLst/>
+              </a:prstGeom>
+              <a:ln w="25400">
+                <a:solidFill>
+                  <a:schemeClr val="tx1"/>
+                </a:solidFill>
+              </a:ln>
+            </p:spPr>
+            <p:style>
+              <a:lnRef idx="1">
+                <a:schemeClr val="accent1"/>
+              </a:lnRef>
+              <a:fillRef idx="0">
+                <a:schemeClr val="accent1"/>
+              </a:fillRef>
+              <a:effectRef idx="0">
+                <a:schemeClr val="accent1"/>
+              </a:effectRef>
+              <a:fontRef idx="minor">
+                <a:schemeClr val="tx1"/>
+              </a:fontRef>
+            </p:style>
+          </p:cxnSp>
+          <p:cxnSp>
+            <p:nvCxnSpPr>
+              <p:cNvPr id="152" name="Straight Connector 151"/>
+              <p:cNvCxnSpPr/>
+              <p:nvPr/>
+            </p:nvCxnSpPr>
+            <p:spPr>
+              <a:xfrm>
+                <a:off x="833406" y="1475842"/>
+                <a:ext cx="0" cy="215798"/>
+              </a:xfrm>
+              <a:prstGeom prst="line">
+                <a:avLst/>
+              </a:prstGeom>
+              <a:ln w="25400">
+                <a:solidFill>
+                  <a:schemeClr val="tx1"/>
+                </a:solidFill>
+              </a:ln>
+            </p:spPr>
+            <p:style>
+              <a:lnRef idx="1">
+                <a:schemeClr val="accent1"/>
+              </a:lnRef>
+              <a:fillRef idx="0">
+                <a:schemeClr val="accent1"/>
+              </a:fillRef>
+              <a:effectRef idx="0">
+                <a:schemeClr val="accent1"/>
+              </a:effectRef>
+              <a:fontRef idx="minor">
+                <a:schemeClr val="tx1"/>
+              </a:fontRef>
+            </p:style>
+          </p:cxnSp>
+        </p:grpSp>
+        <p:grpSp>
+          <p:nvGrpSpPr>
+            <p:cNvPr id="86" name="Group 85"/>
+            <p:cNvGrpSpPr/>
+            <p:nvPr/>
+          </p:nvGrpSpPr>
+          <p:grpSpPr>
+            <a:xfrm>
+              <a:off x="6988865" y="1543050"/>
+              <a:ext cx="2536135" cy="828675"/>
+              <a:chOff x="3573780" y="1379220"/>
+              <a:chExt cx="795592" cy="1021470"/>
+            </a:xfrm>
+          </p:grpSpPr>
+          <p:cxnSp>
+            <p:nvCxnSpPr>
+              <p:cNvPr id="88" name="Straight Connector 87"/>
+              <p:cNvCxnSpPr/>
+              <p:nvPr/>
+            </p:nvCxnSpPr>
+            <p:spPr>
+              <a:xfrm>
+                <a:off x="4367000" y="1645920"/>
+                <a:ext cx="0" cy="754770"/>
+              </a:xfrm>
+              <a:prstGeom prst="line">
+                <a:avLst/>
+              </a:prstGeom>
+              <a:ln w="25400">
+                <a:solidFill>
+                  <a:schemeClr val="tx1"/>
+                </a:solidFill>
+              </a:ln>
+            </p:spPr>
+            <p:style>
+              <a:lnRef idx="1">
+                <a:schemeClr val="accent1"/>
+              </a:lnRef>
+              <a:fillRef idx="0">
+                <a:schemeClr val="accent1"/>
+              </a:fillRef>
+              <a:effectRef idx="0">
+                <a:schemeClr val="accent1"/>
+              </a:effectRef>
+              <a:fontRef idx="minor">
+                <a:schemeClr val="tx1"/>
+              </a:fontRef>
+            </p:style>
+          </p:cxnSp>
+          <p:cxnSp>
+            <p:nvCxnSpPr>
+              <p:cNvPr id="89" name="Straight Connector 88"/>
+              <p:cNvCxnSpPr/>
+              <p:nvPr/>
+            </p:nvCxnSpPr>
+            <p:spPr>
+              <a:xfrm flipH="1">
+                <a:off x="3573780" y="1645920"/>
+                <a:ext cx="795592" cy="1243"/>
+              </a:xfrm>
+              <a:prstGeom prst="line">
+                <a:avLst/>
+              </a:prstGeom>
+              <a:ln w="25400">
+                <a:solidFill>
+                  <a:schemeClr val="tx1"/>
+                </a:solidFill>
+              </a:ln>
+            </p:spPr>
+            <p:style>
+              <a:lnRef idx="1">
+                <a:schemeClr val="accent1"/>
+              </a:lnRef>
+              <a:fillRef idx="0">
+                <a:schemeClr val="accent1"/>
+              </a:fillRef>
+              <a:effectRef idx="0">
+                <a:schemeClr val="accent1"/>
+              </a:effectRef>
+              <a:fontRef idx="minor">
+                <a:schemeClr val="tx1"/>
+              </a:fontRef>
+            </p:style>
+          </p:cxnSp>
+          <p:cxnSp>
+            <p:nvCxnSpPr>
+              <p:cNvPr id="90" name="Straight Connector 89"/>
+              <p:cNvCxnSpPr/>
+              <p:nvPr/>
+            </p:nvCxnSpPr>
+            <p:spPr>
+              <a:xfrm>
+                <a:off x="3573780" y="1379220"/>
+                <a:ext cx="0" cy="266700"/>
+              </a:xfrm>
+              <a:prstGeom prst="line">
+                <a:avLst/>
+              </a:prstGeom>
+              <a:ln w="25400">
+                <a:solidFill>
+                  <a:schemeClr val="tx1"/>
+                </a:solidFill>
+              </a:ln>
+            </p:spPr>
+            <p:style>
+              <a:lnRef idx="1">
+                <a:schemeClr val="accent1"/>
+              </a:lnRef>
+              <a:fillRef idx="0">
+                <a:schemeClr val="accent1"/>
+              </a:fillRef>
+              <a:effectRef idx="0">
+                <a:schemeClr val="accent1"/>
+              </a:effectRef>
+              <a:fontRef idx="minor">
+                <a:schemeClr val="tx1"/>
+              </a:fontRef>
+            </p:style>
+          </p:cxnSp>
+        </p:grpSp>
+        <p:sp>
+          <p:nvSpPr>
+            <p:cNvPr id="92" name="Rectangle 91"/>
+            <p:cNvSpPr/>
+            <p:nvPr/>
+          </p:nvSpPr>
           <p:spPr>
-            <a:xfrm flipH="1">
-              <a:off x="4376456" y="1645920"/>
-              <a:ext cx="0" cy="215995"/>
+            <a:xfrm>
+              <a:off x="8918746" y="2382373"/>
+              <a:ext cx="1197385" cy="739737"/>
             </a:xfrm>
-            <a:prstGeom prst="line">
+            <a:prstGeom prst="rect">
               <a:avLst/>
             </a:prstGeom>
-            <a:ln w="25400">
+            <a:noFill/>
+            <a:ln w="19050">
               <a:solidFill>
                 <a:schemeClr val="tx1"/>
               </a:solidFill>
             </a:ln>
           </p:spPr>
           <p:style>
-            <a:lnRef idx="1">
-              <a:schemeClr val="accent1"/>
+            <a:lnRef idx="2">
+              <a:schemeClr val="accent1">
+                <a:shade val="50000"/>
+              </a:schemeClr>
             </a:lnRef>
-            <a:fillRef idx="0">
+            <a:fillRef idx="1">
               <a:schemeClr val="accent1"/>
             </a:fillRef>
             <a:effectRef idx="0">
               <a:schemeClr val="accent1"/>
             </a:effectRef>
             <a:fontRef idx="minor">
-              <a:schemeClr val="tx1"/>
+              <a:schemeClr val="lt1"/>
             </a:fontRef>
           </p:style>
-        </p:cxnSp>
-        <p:cxnSp>
-          <p:nvCxnSpPr>
-            <p:cNvPr id="71" name="Straight Connector 70"/>
-            <p:cNvCxnSpPr/>
-            <p:nvPr/>
-          </p:nvCxnSpPr>
-          <p:spPr>
-            <a:xfrm flipH="1">
-              <a:off x="3581980" y="1645920"/>
-              <a:ext cx="795592" cy="1243"/>
-            </a:xfrm>
-            <a:prstGeom prst="line">
-              <a:avLst/>
-            </a:prstGeom>
-            <a:ln w="25400">
-              <a:solidFill>
-                <a:schemeClr val="tx1"/>
-              </a:solidFill>
-            </a:ln>
-          </p:spPr>
-          <p:style>
-            <a:lnRef idx="1">
-              <a:schemeClr val="accent1"/>
-            </a:lnRef>
-            <a:fillRef idx="0">
-              <a:schemeClr val="accent1"/>
-            </a:fillRef>
-            <a:effectRef idx="0">
-              <a:schemeClr val="accent1"/>
-            </a:effectRef>
-            <a:fontRef idx="minor">
-              <a:schemeClr val="tx1"/>
-            </a:fontRef>
-          </p:style>
-        </p:cxnSp>
-        <p:cxnSp>
-          <p:nvCxnSpPr>
-            <p:cNvPr id="72" name="Straight Connector 71"/>
-            <p:cNvCxnSpPr/>
-            <p:nvPr/>
-          </p:nvCxnSpPr>
-          <p:spPr>
-            <a:xfrm flipH="1">
-              <a:off x="3581980" y="1163066"/>
-              <a:ext cx="0" cy="482854"/>
-            </a:xfrm>
-            <a:prstGeom prst="line">
-              <a:avLst/>
-            </a:prstGeom>
-            <a:ln w="25400">
-              <a:solidFill>
-                <a:schemeClr val="tx1"/>
-              </a:solidFill>
-            </a:ln>
-          </p:spPr>
-          <p:style>
-            <a:lnRef idx="1">
-              <a:schemeClr val="accent1"/>
-            </a:lnRef>
-            <a:fillRef idx="0">
-              <a:schemeClr val="accent1"/>
-            </a:fillRef>
-            <a:effectRef idx="0">
-              <a:schemeClr val="accent1"/>
-            </a:effectRef>
-            <a:fontRef idx="minor">
-              <a:schemeClr val="tx1"/>
-            </a:fontRef>
-          </p:style>
-        </p:cxnSp>
-      </p:grpSp>
-      <p:grpSp>
-        <p:nvGrpSpPr>
-          <p:cNvPr id="77" name="Group 76"/>
-          <p:cNvGrpSpPr/>
-          <p:nvPr/>
-        </p:nvGrpSpPr>
-        <p:grpSpPr>
-          <a:xfrm>
-            <a:off x="4450390" y="3055620"/>
-            <a:ext cx="1028613" cy="698849"/>
-            <a:chOff x="3573780" y="1143939"/>
-            <a:chExt cx="795592" cy="698849"/>
-          </a:xfrm>
-        </p:grpSpPr>
-        <p:cxnSp>
-          <p:nvCxnSpPr>
-            <p:cNvPr id="78" name="Straight Connector 77"/>
-            <p:cNvCxnSpPr>
-              <a:endCxn id="22" idx="0"/>
-            </p:cNvCxnSpPr>
-            <p:nvPr/>
-          </p:nvCxnSpPr>
-          <p:spPr>
-            <a:xfrm>
-              <a:off x="4359622" y="1626793"/>
-              <a:ext cx="0" cy="215995"/>
-            </a:xfrm>
-            <a:prstGeom prst="line">
-              <a:avLst/>
-            </a:prstGeom>
-            <a:ln w="25400">
-              <a:solidFill>
-                <a:schemeClr val="tx1"/>
-              </a:solidFill>
-            </a:ln>
-          </p:spPr>
-          <p:style>
-            <a:lnRef idx="1">
-              <a:schemeClr val="accent1"/>
-            </a:lnRef>
-            <a:fillRef idx="0">
-              <a:schemeClr val="accent1"/>
-            </a:fillRef>
-            <a:effectRef idx="0">
-              <a:schemeClr val="accent1"/>
-            </a:effectRef>
-            <a:fontRef idx="minor">
-              <a:schemeClr val="tx1"/>
-            </a:fontRef>
-          </p:style>
-        </p:cxnSp>
-        <p:cxnSp>
-          <p:nvCxnSpPr>
-            <p:cNvPr id="79" name="Straight Connector 78"/>
-            <p:cNvCxnSpPr/>
-            <p:nvPr/>
-          </p:nvCxnSpPr>
-          <p:spPr>
-            <a:xfrm flipH="1">
-              <a:off x="3573780" y="1630680"/>
-              <a:ext cx="795592" cy="1243"/>
-            </a:xfrm>
-            <a:prstGeom prst="line">
-              <a:avLst/>
-            </a:prstGeom>
-            <a:ln w="25400">
-              <a:solidFill>
-                <a:schemeClr val="tx1"/>
-              </a:solidFill>
-            </a:ln>
-          </p:spPr>
-          <p:style>
-            <a:lnRef idx="1">
-              <a:schemeClr val="accent1"/>
-            </a:lnRef>
-            <a:fillRef idx="0">
-              <a:schemeClr val="accent1"/>
-            </a:fillRef>
-            <a:effectRef idx="0">
-              <a:schemeClr val="accent1"/>
-            </a:effectRef>
-            <a:fontRef idx="minor">
-              <a:schemeClr val="tx1"/>
-            </a:fontRef>
-          </p:style>
-        </p:cxnSp>
-        <p:cxnSp>
-          <p:nvCxnSpPr>
-            <p:cNvPr id="80" name="Straight Connector 79"/>
-            <p:cNvCxnSpPr/>
-            <p:nvPr/>
-          </p:nvCxnSpPr>
-          <p:spPr>
-            <a:xfrm>
-              <a:off x="3573780" y="1143939"/>
-              <a:ext cx="0" cy="494361"/>
-            </a:xfrm>
-            <a:prstGeom prst="line">
-              <a:avLst/>
-            </a:prstGeom>
-            <a:ln w="25400">
-              <a:solidFill>
-                <a:schemeClr val="tx1"/>
-              </a:solidFill>
-            </a:ln>
-          </p:spPr>
-          <p:style>
-            <a:lnRef idx="1">
-              <a:schemeClr val="accent1"/>
-            </a:lnRef>
-            <a:fillRef idx="0">
-              <a:schemeClr val="accent1"/>
-            </a:fillRef>
-            <a:effectRef idx="0">
-              <a:schemeClr val="accent1"/>
-            </a:effectRef>
-            <a:fontRef idx="minor">
-              <a:schemeClr val="tx1"/>
-            </a:fontRef>
-          </p:style>
-        </p:cxnSp>
-      </p:grpSp>
-      <p:cxnSp>
-        <p:nvCxnSpPr>
-          <p:cNvPr id="84" name="Straight Connector 83"/>
-          <p:cNvCxnSpPr>
-            <a:stCxn id="11" idx="2"/>
-            <a:endCxn id="12" idx="0"/>
-          </p:cNvCxnSpPr>
-          <p:nvPr/>
-        </p:nvCxnSpPr>
-        <p:spPr>
-          <a:xfrm flipH="1">
-            <a:off x="2307180" y="2468132"/>
-            <a:ext cx="115" cy="440187"/>
-          </a:xfrm>
-          <a:prstGeom prst="line">
-            <a:avLst/>
-          </a:prstGeom>
-          <a:ln w="25400">
-            <a:solidFill>
-              <a:schemeClr val="tx1"/>
-            </a:solidFill>
-          </a:ln>
-        </p:spPr>
-        <p:style>
-          <a:lnRef idx="1">
-            <a:schemeClr val="accent1"/>
-          </a:lnRef>
-          <a:fillRef idx="0">
-            <a:schemeClr val="accent1"/>
-          </a:fillRef>
-          <a:effectRef idx="0">
-            <a:schemeClr val="accent1"/>
-          </a:effectRef>
-          <a:fontRef idx="minor">
-            <a:schemeClr val="tx1"/>
-          </a:fontRef>
-        </p:style>
-      </p:cxnSp>
-      <p:cxnSp>
-        <p:nvCxnSpPr>
-          <p:cNvPr id="87" name="Straight Connector 86"/>
-          <p:cNvCxnSpPr>
-            <a:stCxn id="12" idx="2"/>
-            <a:endCxn id="13" idx="0"/>
-          </p:cNvCxnSpPr>
-          <p:nvPr/>
-        </p:nvCxnSpPr>
-        <p:spPr>
-          <a:xfrm flipH="1">
-            <a:off x="2307179" y="3525881"/>
-            <a:ext cx="1" cy="401783"/>
-          </a:xfrm>
-          <a:prstGeom prst="line">
-            <a:avLst/>
-          </a:prstGeom>
-          <a:ln w="25400">
-            <a:solidFill>
-              <a:schemeClr val="tx1"/>
-            </a:solidFill>
-          </a:ln>
-        </p:spPr>
-        <p:style>
-          <a:lnRef idx="1">
-            <a:schemeClr val="accent1"/>
-          </a:lnRef>
-          <a:fillRef idx="0">
-            <a:schemeClr val="accent1"/>
-          </a:fillRef>
-          <a:effectRef idx="0">
-            <a:schemeClr val="accent1"/>
-          </a:effectRef>
-          <a:fontRef idx="minor">
-            <a:schemeClr val="tx1"/>
-          </a:fontRef>
-        </p:style>
-      </p:cxnSp>
-      <p:cxnSp>
-        <p:nvCxnSpPr>
-          <p:cNvPr id="91" name="Straight Connector 90"/>
-          <p:cNvCxnSpPr>
-            <a:stCxn id="25" idx="1"/>
-            <a:endCxn id="13" idx="2"/>
-          </p:cNvCxnSpPr>
-          <p:nvPr/>
-        </p:nvCxnSpPr>
-        <p:spPr>
-          <a:xfrm flipV="1">
-            <a:off x="2307177" y="4631489"/>
-            <a:ext cx="2" cy="284466"/>
-          </a:xfrm>
-          <a:prstGeom prst="line">
-            <a:avLst/>
-          </a:prstGeom>
-          <a:ln w="25400">
-            <a:solidFill>
-              <a:schemeClr val="tx1"/>
-            </a:solidFill>
-          </a:ln>
-        </p:spPr>
-        <p:style>
-          <a:lnRef idx="1">
-            <a:schemeClr val="accent1"/>
-          </a:lnRef>
-          <a:fillRef idx="0">
-            <a:schemeClr val="accent1"/>
-          </a:fillRef>
-          <a:effectRef idx="0">
-            <a:schemeClr val="accent1"/>
-          </a:effectRef>
-          <a:fontRef idx="minor">
-            <a:schemeClr val="tx1"/>
-          </a:fontRef>
-        </p:style>
-      </p:cxnSp>
-      <p:grpSp>
-        <p:nvGrpSpPr>
-          <p:cNvPr id="94" name="Group 93"/>
-          <p:cNvGrpSpPr/>
-          <p:nvPr/>
-        </p:nvGrpSpPr>
-        <p:grpSpPr>
-          <a:xfrm flipH="1">
-            <a:off x="1502392" y="5273040"/>
-            <a:ext cx="707969" cy="663220"/>
-            <a:chOff x="3573780" y="1379220"/>
-            <a:chExt cx="795592" cy="475574"/>
-          </a:xfrm>
-        </p:grpSpPr>
-        <p:cxnSp>
-          <p:nvCxnSpPr>
-            <p:cNvPr id="95" name="Straight Connector 94"/>
-            <p:cNvCxnSpPr>
-              <a:endCxn id="29" idx="0"/>
-            </p:cNvCxnSpPr>
-            <p:nvPr/>
-          </p:nvCxnSpPr>
-          <p:spPr>
-            <a:xfrm>
-              <a:off x="4363250" y="1638294"/>
-              <a:ext cx="703" cy="216500"/>
-            </a:xfrm>
-            <a:prstGeom prst="line">
-              <a:avLst/>
-            </a:prstGeom>
-            <a:ln w="25400">
-              <a:solidFill>
-                <a:schemeClr val="tx1"/>
-              </a:solidFill>
-            </a:ln>
-          </p:spPr>
-          <p:style>
-            <a:lnRef idx="1">
-              <a:schemeClr val="accent1"/>
-            </a:lnRef>
-            <a:fillRef idx="0">
-              <a:schemeClr val="accent1"/>
-            </a:fillRef>
-            <a:effectRef idx="0">
-              <a:schemeClr val="accent1"/>
-            </a:effectRef>
-            <a:fontRef idx="minor">
-              <a:schemeClr val="tx1"/>
-            </a:fontRef>
-          </p:style>
-        </p:cxnSp>
-        <p:cxnSp>
-          <p:nvCxnSpPr>
-            <p:cNvPr id="96" name="Straight Connector 95"/>
-            <p:cNvCxnSpPr/>
-            <p:nvPr/>
-          </p:nvCxnSpPr>
-          <p:spPr>
-            <a:xfrm flipH="1">
-              <a:off x="3573780" y="1640456"/>
-              <a:ext cx="795592" cy="1243"/>
-            </a:xfrm>
-            <a:prstGeom prst="line">
-              <a:avLst/>
-            </a:prstGeom>
-            <a:ln w="25400">
-              <a:solidFill>
-                <a:schemeClr val="tx1"/>
-              </a:solidFill>
-            </a:ln>
-          </p:spPr>
-          <p:style>
-            <a:lnRef idx="1">
-              <a:schemeClr val="accent1"/>
-            </a:lnRef>
-            <a:fillRef idx="0">
-              <a:schemeClr val="accent1"/>
-            </a:fillRef>
-            <a:effectRef idx="0">
-              <a:schemeClr val="accent1"/>
-            </a:effectRef>
-            <a:fontRef idx="minor">
-              <a:schemeClr val="tx1"/>
-            </a:fontRef>
-          </p:style>
-        </p:cxnSp>
-        <p:cxnSp>
-          <p:nvCxnSpPr>
-            <p:cNvPr id="97" name="Straight Connector 96"/>
-            <p:cNvCxnSpPr/>
-            <p:nvPr/>
-          </p:nvCxnSpPr>
-          <p:spPr>
-            <a:xfrm>
-              <a:off x="3573780" y="1379220"/>
-              <a:ext cx="0" cy="266700"/>
-            </a:xfrm>
-            <a:prstGeom prst="line">
-              <a:avLst/>
-            </a:prstGeom>
-            <a:ln w="25400">
-              <a:solidFill>
-                <a:schemeClr val="tx1"/>
-              </a:solidFill>
-            </a:ln>
-          </p:spPr>
-          <p:style>
-            <a:lnRef idx="1">
-              <a:schemeClr val="accent1"/>
-            </a:lnRef>
-            <a:fillRef idx="0">
-              <a:schemeClr val="accent1"/>
-            </a:fillRef>
-            <a:effectRef idx="0">
-              <a:schemeClr val="accent1"/>
-            </a:effectRef>
-            <a:fontRef idx="minor">
-              <a:schemeClr val="tx1"/>
-            </a:fontRef>
-          </p:style>
-        </p:cxnSp>
-      </p:grpSp>
-      <p:grpSp>
-        <p:nvGrpSpPr>
-          <p:cNvPr id="99" name="Group 98"/>
-          <p:cNvGrpSpPr/>
-          <p:nvPr/>
-        </p:nvGrpSpPr>
-        <p:grpSpPr>
-          <a:xfrm>
-            <a:off x="2400300" y="5273039"/>
-            <a:ext cx="1723748" cy="617842"/>
-            <a:chOff x="3573780" y="1305022"/>
-            <a:chExt cx="795592" cy="617571"/>
-          </a:xfrm>
-        </p:grpSpPr>
-        <p:cxnSp>
-          <p:nvCxnSpPr>
-            <p:cNvPr id="100" name="Straight Connector 99"/>
-            <p:cNvCxnSpPr>
-              <a:endCxn id="38" idx="0"/>
-            </p:cNvCxnSpPr>
-            <p:nvPr/>
-          </p:nvCxnSpPr>
-          <p:spPr>
-            <a:xfrm>
-              <a:off x="4363249" y="1638300"/>
-              <a:ext cx="0" cy="284293"/>
-            </a:xfrm>
-            <a:prstGeom prst="line">
-              <a:avLst/>
-            </a:prstGeom>
-            <a:ln w="25400">
-              <a:solidFill>
-                <a:schemeClr val="tx1"/>
-              </a:solidFill>
-            </a:ln>
-          </p:spPr>
-          <p:style>
-            <a:lnRef idx="1">
-              <a:schemeClr val="accent1"/>
-            </a:lnRef>
-            <a:fillRef idx="0">
-              <a:schemeClr val="accent1"/>
-            </a:fillRef>
-            <a:effectRef idx="0">
-              <a:schemeClr val="accent1"/>
-            </a:effectRef>
-            <a:fontRef idx="minor">
-              <a:schemeClr val="tx1"/>
-            </a:fontRef>
-          </p:style>
-        </p:cxnSp>
-        <p:cxnSp>
-          <p:nvCxnSpPr>
-            <p:cNvPr id="101" name="Straight Connector 100"/>
-            <p:cNvCxnSpPr/>
-            <p:nvPr/>
-          </p:nvCxnSpPr>
-          <p:spPr>
-            <a:xfrm flipH="1">
-              <a:off x="3573780" y="1640456"/>
-              <a:ext cx="795592" cy="1243"/>
-            </a:xfrm>
-            <a:prstGeom prst="line">
-              <a:avLst/>
-            </a:prstGeom>
-            <a:ln w="25400">
-              <a:solidFill>
-                <a:schemeClr val="tx1"/>
-              </a:solidFill>
-            </a:ln>
-          </p:spPr>
-          <p:style>
-            <a:lnRef idx="1">
-              <a:schemeClr val="accent1"/>
-            </a:lnRef>
-            <a:fillRef idx="0">
-              <a:schemeClr val="accent1"/>
-            </a:fillRef>
-            <a:effectRef idx="0">
-              <a:schemeClr val="accent1"/>
-            </a:effectRef>
-            <a:fontRef idx="minor">
-              <a:schemeClr val="tx1"/>
-            </a:fontRef>
-          </p:style>
-        </p:cxnSp>
-        <p:cxnSp>
-          <p:nvCxnSpPr>
-            <p:cNvPr id="102" name="Straight Connector 101"/>
-            <p:cNvCxnSpPr/>
-            <p:nvPr/>
-          </p:nvCxnSpPr>
-          <p:spPr>
-            <a:xfrm>
-              <a:off x="3573780" y="1305022"/>
-              <a:ext cx="0" cy="340897"/>
-            </a:xfrm>
-            <a:prstGeom prst="line">
-              <a:avLst/>
-            </a:prstGeom>
-            <a:ln w="25400">
-              <a:solidFill>
-                <a:schemeClr val="tx1"/>
-              </a:solidFill>
-            </a:ln>
-          </p:spPr>
-          <p:style>
-            <a:lnRef idx="1">
-              <a:schemeClr val="accent1"/>
-            </a:lnRef>
-            <a:fillRef idx="0">
-              <a:schemeClr val="accent1"/>
-            </a:fillRef>
-            <a:effectRef idx="0">
-              <a:schemeClr val="accent1"/>
-            </a:effectRef>
-            <a:fontRef idx="minor">
-              <a:schemeClr val="tx1"/>
-            </a:fontRef>
-          </p:style>
-        </p:cxnSp>
-      </p:grpSp>
-      <p:cxnSp>
-        <p:nvCxnSpPr>
-          <p:cNvPr id="106" name="Straight Connector 105"/>
-          <p:cNvCxnSpPr>
-            <a:stCxn id="38" idx="2"/>
-            <a:endCxn id="5" idx="3"/>
-          </p:cNvCxnSpPr>
-          <p:nvPr/>
-        </p:nvCxnSpPr>
-        <p:spPr>
-          <a:xfrm>
-            <a:off x="4126766" y="6594705"/>
-            <a:ext cx="0" cy="230546"/>
-          </a:xfrm>
-          <a:prstGeom prst="line">
-            <a:avLst/>
-          </a:prstGeom>
-          <a:ln w="25400">
-            <a:solidFill>
-              <a:schemeClr val="tx1"/>
-            </a:solidFill>
-          </a:ln>
-        </p:spPr>
-        <p:style>
-          <a:lnRef idx="1">
-            <a:schemeClr val="accent1"/>
-          </a:lnRef>
-          <a:fillRef idx="0">
-            <a:schemeClr val="accent1"/>
-          </a:fillRef>
-          <a:effectRef idx="0">
-            <a:schemeClr val="accent1"/>
-          </a:effectRef>
-          <a:fontRef idx="minor">
-            <a:schemeClr val="tx1"/>
-          </a:fontRef>
-        </p:style>
-      </p:cxnSp>
-      <p:cxnSp>
-        <p:nvCxnSpPr>
-          <p:cNvPr id="111" name="Straight Connector 110"/>
-          <p:cNvCxnSpPr>
-            <a:stCxn id="29" idx="2"/>
-            <a:endCxn id="30" idx="1"/>
-          </p:cNvCxnSpPr>
-          <p:nvPr/>
-        </p:nvCxnSpPr>
-        <p:spPr>
-          <a:xfrm flipH="1">
-            <a:off x="1502391" y="6640086"/>
-            <a:ext cx="0" cy="290283"/>
-          </a:xfrm>
-          <a:prstGeom prst="line">
-            <a:avLst/>
-          </a:prstGeom>
-          <a:ln w="25400">
-            <a:solidFill>
-              <a:schemeClr val="tx1"/>
-            </a:solidFill>
-          </a:ln>
-        </p:spPr>
-        <p:style>
-          <a:lnRef idx="1">
-            <a:schemeClr val="accent1"/>
-          </a:lnRef>
-          <a:fillRef idx="0">
-            <a:schemeClr val="accent1"/>
-          </a:fillRef>
-          <a:effectRef idx="0">
-            <a:schemeClr val="accent1"/>
-          </a:effectRef>
-          <a:fontRef idx="minor">
-            <a:schemeClr val="tx1"/>
-          </a:fontRef>
-        </p:style>
-      </p:cxnSp>
-      <p:grpSp>
-        <p:nvGrpSpPr>
-          <p:cNvPr id="114" name="Group 113"/>
-          <p:cNvGrpSpPr/>
-          <p:nvPr/>
-        </p:nvGrpSpPr>
-        <p:grpSpPr>
-          <a:xfrm flipH="1">
-            <a:off x="3906061" y="7239403"/>
-            <a:ext cx="147779" cy="561749"/>
-            <a:chOff x="3581980" y="1321806"/>
-            <a:chExt cx="795592" cy="561749"/>
-          </a:xfrm>
-        </p:grpSpPr>
-        <p:cxnSp>
-          <p:nvCxnSpPr>
-            <p:cNvPr id="115" name="Straight Connector 114"/>
-            <p:cNvCxnSpPr>
-              <a:endCxn id="19" idx="0"/>
-            </p:cNvCxnSpPr>
-            <p:nvPr/>
-          </p:nvCxnSpPr>
-          <p:spPr>
-            <a:xfrm>
-              <a:off x="4376458" y="1645920"/>
-              <a:ext cx="1114" cy="237635"/>
-            </a:xfrm>
-            <a:prstGeom prst="line">
-              <a:avLst/>
-            </a:prstGeom>
-            <a:ln w="25400">
-              <a:solidFill>
-                <a:schemeClr val="tx1"/>
-              </a:solidFill>
-            </a:ln>
-          </p:spPr>
-          <p:style>
-            <a:lnRef idx="1">
-              <a:schemeClr val="accent1"/>
-            </a:lnRef>
-            <a:fillRef idx="0">
-              <a:schemeClr val="accent1"/>
-            </a:fillRef>
-            <a:effectRef idx="0">
-              <a:schemeClr val="accent1"/>
-            </a:effectRef>
-            <a:fontRef idx="minor">
-              <a:schemeClr val="tx1"/>
-            </a:fontRef>
-          </p:style>
-        </p:cxnSp>
-        <p:cxnSp>
-          <p:nvCxnSpPr>
-            <p:cNvPr id="116" name="Straight Connector 115"/>
-            <p:cNvCxnSpPr/>
-            <p:nvPr/>
-          </p:nvCxnSpPr>
-          <p:spPr>
-            <a:xfrm flipH="1">
-              <a:off x="3581980" y="1645920"/>
-              <a:ext cx="795592" cy="1243"/>
-            </a:xfrm>
-            <a:prstGeom prst="line">
-              <a:avLst/>
-            </a:prstGeom>
-            <a:ln w="25400">
-              <a:solidFill>
-                <a:schemeClr val="tx1"/>
-              </a:solidFill>
-            </a:ln>
-          </p:spPr>
-          <p:style>
-            <a:lnRef idx="1">
-              <a:schemeClr val="accent1"/>
-            </a:lnRef>
-            <a:fillRef idx="0">
-              <a:schemeClr val="accent1"/>
-            </a:fillRef>
-            <a:effectRef idx="0">
-              <a:schemeClr val="accent1"/>
-            </a:effectRef>
-            <a:fontRef idx="minor">
-              <a:schemeClr val="tx1"/>
-            </a:fontRef>
-          </p:style>
-        </p:cxnSp>
-        <p:cxnSp>
-          <p:nvCxnSpPr>
-            <p:cNvPr id="117" name="Straight Connector 116"/>
-            <p:cNvCxnSpPr>
-              <a:stCxn id="5" idx="1"/>
-            </p:cNvCxnSpPr>
-            <p:nvPr/>
-          </p:nvCxnSpPr>
-          <p:spPr>
-            <a:xfrm>
-              <a:off x="3581980" y="1321806"/>
-              <a:ext cx="0" cy="324114"/>
-            </a:xfrm>
-            <a:prstGeom prst="line">
-              <a:avLst/>
-            </a:prstGeom>
-            <a:ln w="25400">
-              <a:solidFill>
-                <a:schemeClr val="tx1"/>
-              </a:solidFill>
-            </a:ln>
-          </p:spPr>
-          <p:style>
-            <a:lnRef idx="1">
-              <a:schemeClr val="accent1"/>
-            </a:lnRef>
-            <a:fillRef idx="0">
-              <a:schemeClr val="accent1"/>
-            </a:fillRef>
-            <a:effectRef idx="0">
-              <a:schemeClr val="accent1"/>
-            </a:effectRef>
-            <a:fontRef idx="minor">
-              <a:schemeClr val="tx1"/>
-            </a:fontRef>
-          </p:style>
-        </p:cxnSp>
-      </p:grpSp>
-      <p:grpSp>
-        <p:nvGrpSpPr>
-          <p:cNvPr id="120" name="Group 119"/>
-          <p:cNvGrpSpPr/>
-          <p:nvPr/>
-        </p:nvGrpSpPr>
-        <p:grpSpPr>
-          <a:xfrm>
-            <a:off x="4201421" y="7239403"/>
-            <a:ext cx="1364645" cy="561750"/>
-            <a:chOff x="3566746" y="1404751"/>
-            <a:chExt cx="795592" cy="561507"/>
-          </a:xfrm>
-        </p:grpSpPr>
-        <p:cxnSp>
-          <p:nvCxnSpPr>
-            <p:cNvPr id="121" name="Straight Connector 120"/>
-            <p:cNvCxnSpPr>
-              <a:endCxn id="20" idx="0"/>
-            </p:cNvCxnSpPr>
-            <p:nvPr/>
-          </p:nvCxnSpPr>
-          <p:spPr>
-            <a:xfrm>
-              <a:off x="4356826" y="1640458"/>
-              <a:ext cx="0" cy="325800"/>
-            </a:xfrm>
-            <a:prstGeom prst="line">
-              <a:avLst/>
-            </a:prstGeom>
-            <a:ln w="25400">
-              <a:solidFill>
-                <a:schemeClr val="tx1"/>
-              </a:solidFill>
-            </a:ln>
-          </p:spPr>
-          <p:style>
-            <a:lnRef idx="1">
-              <a:schemeClr val="accent1"/>
-            </a:lnRef>
-            <a:fillRef idx="0">
-              <a:schemeClr val="accent1"/>
-            </a:fillRef>
-            <a:effectRef idx="0">
-              <a:schemeClr val="accent1"/>
-            </a:effectRef>
-            <a:fontRef idx="minor">
-              <a:schemeClr val="tx1"/>
-            </a:fontRef>
-          </p:style>
-        </p:cxnSp>
-        <p:cxnSp>
-          <p:nvCxnSpPr>
-            <p:cNvPr id="122" name="Straight Connector 121"/>
-            <p:cNvCxnSpPr/>
-            <p:nvPr/>
-          </p:nvCxnSpPr>
-          <p:spPr>
-            <a:xfrm flipH="1">
-              <a:off x="3566746" y="1640456"/>
-              <a:ext cx="795592" cy="1243"/>
-            </a:xfrm>
-            <a:prstGeom prst="line">
-              <a:avLst/>
-            </a:prstGeom>
-            <a:ln w="25400">
-              <a:solidFill>
-                <a:schemeClr val="tx1"/>
-              </a:solidFill>
-            </a:ln>
-          </p:spPr>
-          <p:style>
-            <a:lnRef idx="1">
-              <a:schemeClr val="accent1"/>
-            </a:lnRef>
-            <a:fillRef idx="0">
-              <a:schemeClr val="accent1"/>
-            </a:fillRef>
-            <a:effectRef idx="0">
-              <a:schemeClr val="accent1"/>
-            </a:effectRef>
-            <a:fontRef idx="minor">
-              <a:schemeClr val="tx1"/>
-            </a:fontRef>
-          </p:style>
-        </p:cxnSp>
-        <p:cxnSp>
-          <p:nvCxnSpPr>
-            <p:cNvPr id="123" name="Straight Connector 122"/>
-            <p:cNvCxnSpPr/>
-            <p:nvPr/>
-          </p:nvCxnSpPr>
-          <p:spPr>
-            <a:xfrm>
-              <a:off x="3569415" y="1404751"/>
-              <a:ext cx="0" cy="241168"/>
-            </a:xfrm>
-            <a:prstGeom prst="line">
-              <a:avLst/>
-            </a:prstGeom>
-            <a:ln w="25400">
-              <a:solidFill>
-                <a:schemeClr val="tx1"/>
-              </a:solidFill>
-            </a:ln>
-          </p:spPr>
-          <p:style>
-            <a:lnRef idx="1">
-              <a:schemeClr val="accent1"/>
-            </a:lnRef>
-            <a:fillRef idx="0">
-              <a:schemeClr val="accent1"/>
-            </a:fillRef>
-            <a:effectRef idx="0">
-              <a:schemeClr val="accent1"/>
-            </a:effectRef>
-            <a:fontRef idx="minor">
-              <a:schemeClr val="tx1"/>
-            </a:fontRef>
-          </p:style>
-        </p:cxnSp>
-      </p:grpSp>
-      <p:grpSp>
-        <p:nvGrpSpPr>
-          <p:cNvPr id="128" name="Group 127"/>
-          <p:cNvGrpSpPr/>
-          <p:nvPr/>
-        </p:nvGrpSpPr>
-        <p:grpSpPr>
-          <a:xfrm flipH="1">
-            <a:off x="743947" y="7289798"/>
-            <a:ext cx="680992" cy="511354"/>
-            <a:chOff x="793390" y="1417266"/>
-            <a:chExt cx="3666228" cy="511354"/>
-          </a:xfrm>
-        </p:grpSpPr>
-        <p:cxnSp>
-          <p:nvCxnSpPr>
-            <p:cNvPr id="129" name="Straight Connector 128"/>
-            <p:cNvCxnSpPr>
-              <a:endCxn id="15" idx="0"/>
-            </p:cNvCxnSpPr>
-            <p:nvPr/>
-          </p:nvCxnSpPr>
-          <p:spPr>
-            <a:xfrm flipH="1">
-              <a:off x="4401146" y="1708265"/>
-              <a:ext cx="0" cy="220355"/>
-            </a:xfrm>
-            <a:prstGeom prst="line">
-              <a:avLst/>
-            </a:prstGeom>
-            <a:ln w="25400">
-              <a:solidFill>
-                <a:schemeClr val="tx1"/>
-              </a:solidFill>
-            </a:ln>
-          </p:spPr>
-          <p:style>
-            <a:lnRef idx="1">
-              <a:schemeClr val="accent1"/>
-            </a:lnRef>
-            <a:fillRef idx="0">
-              <a:schemeClr val="accent1"/>
-            </a:fillRef>
-            <a:effectRef idx="0">
-              <a:schemeClr val="accent1"/>
-            </a:effectRef>
-            <a:fontRef idx="minor">
-              <a:schemeClr val="tx1"/>
-            </a:fontRef>
-          </p:style>
-        </p:cxnSp>
-        <p:cxnSp>
-          <p:nvCxnSpPr>
-            <p:cNvPr id="130" name="Straight Connector 129"/>
-            <p:cNvCxnSpPr/>
-            <p:nvPr/>
-          </p:nvCxnSpPr>
-          <p:spPr>
-            <a:xfrm flipH="1" flipV="1">
-              <a:off x="793390" y="1690985"/>
-              <a:ext cx="3666228" cy="0"/>
-            </a:xfrm>
-            <a:prstGeom prst="line">
-              <a:avLst/>
-            </a:prstGeom>
-            <a:ln w="25400">
-              <a:solidFill>
-                <a:schemeClr val="tx1"/>
-              </a:solidFill>
-            </a:ln>
-          </p:spPr>
-          <p:style>
-            <a:lnRef idx="1">
-              <a:schemeClr val="accent1"/>
-            </a:lnRef>
-            <a:fillRef idx="0">
-              <a:schemeClr val="accent1"/>
-            </a:fillRef>
-            <a:effectRef idx="0">
-              <a:schemeClr val="accent1"/>
-            </a:effectRef>
-            <a:fontRef idx="minor">
-              <a:schemeClr val="tx1"/>
-            </a:fontRef>
-          </p:style>
-        </p:cxnSp>
-        <p:cxnSp>
-          <p:nvCxnSpPr>
-            <p:cNvPr id="131" name="Straight Connector 130"/>
-            <p:cNvCxnSpPr>
-              <a:stCxn id="30" idx="3"/>
-            </p:cNvCxnSpPr>
-            <p:nvPr/>
-          </p:nvCxnSpPr>
-          <p:spPr>
-            <a:xfrm>
-              <a:off x="833407" y="1417266"/>
-              <a:ext cx="0" cy="274374"/>
-            </a:xfrm>
-            <a:prstGeom prst="line">
-              <a:avLst/>
-            </a:prstGeom>
-            <a:ln w="25400">
-              <a:solidFill>
-                <a:schemeClr val="tx1"/>
-              </a:solidFill>
-            </a:ln>
-          </p:spPr>
-          <p:style>
-            <a:lnRef idx="1">
-              <a:schemeClr val="accent1"/>
-            </a:lnRef>
-            <a:fillRef idx="0">
-              <a:schemeClr val="accent1"/>
-            </a:fillRef>
-            <a:effectRef idx="0">
-              <a:schemeClr val="accent1"/>
-            </a:effectRef>
-            <a:fontRef idx="minor">
-              <a:schemeClr val="tx1"/>
-            </a:fontRef>
-          </p:style>
-        </p:cxnSp>
-      </p:grpSp>
-      <p:grpSp>
-        <p:nvGrpSpPr>
-          <p:cNvPr id="136" name="Group 135"/>
-          <p:cNvGrpSpPr/>
-          <p:nvPr/>
-        </p:nvGrpSpPr>
-        <p:grpSpPr>
-          <a:xfrm>
-            <a:off x="1561723" y="7282942"/>
-            <a:ext cx="974556" cy="511354"/>
-            <a:chOff x="793390" y="1417266"/>
-            <a:chExt cx="3666228" cy="511354"/>
-          </a:xfrm>
-        </p:grpSpPr>
-        <p:cxnSp>
-          <p:nvCxnSpPr>
-            <p:cNvPr id="137" name="Straight Connector 136"/>
-            <p:cNvCxnSpPr/>
-            <p:nvPr/>
-          </p:nvCxnSpPr>
-          <p:spPr>
-            <a:xfrm flipH="1">
-              <a:off x="4401147" y="1708265"/>
-              <a:ext cx="0" cy="220355"/>
-            </a:xfrm>
-            <a:prstGeom prst="line">
-              <a:avLst/>
-            </a:prstGeom>
-            <a:ln w="25400">
-              <a:solidFill>
-                <a:schemeClr val="tx1"/>
-              </a:solidFill>
-            </a:ln>
-          </p:spPr>
-          <p:style>
-            <a:lnRef idx="1">
-              <a:schemeClr val="accent1"/>
-            </a:lnRef>
-            <a:fillRef idx="0">
-              <a:schemeClr val="accent1"/>
-            </a:fillRef>
-            <a:effectRef idx="0">
-              <a:schemeClr val="accent1"/>
-            </a:effectRef>
-            <a:fontRef idx="minor">
-              <a:schemeClr val="tx1"/>
-            </a:fontRef>
-          </p:style>
-        </p:cxnSp>
-        <p:cxnSp>
-          <p:nvCxnSpPr>
-            <p:cNvPr id="138" name="Straight Connector 137"/>
-            <p:cNvCxnSpPr/>
-            <p:nvPr/>
-          </p:nvCxnSpPr>
-          <p:spPr>
-            <a:xfrm flipH="1" flipV="1">
-              <a:off x="793390" y="1690985"/>
-              <a:ext cx="3666228" cy="0"/>
-            </a:xfrm>
-            <a:prstGeom prst="line">
-              <a:avLst/>
-            </a:prstGeom>
-            <a:ln w="25400">
-              <a:solidFill>
-                <a:schemeClr val="tx1"/>
-              </a:solidFill>
-            </a:ln>
-          </p:spPr>
-          <p:style>
-            <a:lnRef idx="1">
-              <a:schemeClr val="accent1"/>
-            </a:lnRef>
-            <a:fillRef idx="0">
-              <a:schemeClr val="accent1"/>
-            </a:fillRef>
-            <a:effectRef idx="0">
-              <a:schemeClr val="accent1"/>
-            </a:effectRef>
-            <a:fontRef idx="minor">
-              <a:schemeClr val="tx1"/>
-            </a:fontRef>
-          </p:style>
-        </p:cxnSp>
-        <p:cxnSp>
-          <p:nvCxnSpPr>
-            <p:cNvPr id="139" name="Straight Connector 138"/>
-            <p:cNvCxnSpPr/>
-            <p:nvPr/>
-          </p:nvCxnSpPr>
-          <p:spPr>
-            <a:xfrm>
-              <a:off x="833407" y="1417266"/>
-              <a:ext cx="0" cy="274374"/>
-            </a:xfrm>
-            <a:prstGeom prst="line">
-              <a:avLst/>
-            </a:prstGeom>
-            <a:ln w="25400">
-              <a:solidFill>
-                <a:schemeClr val="tx1"/>
-              </a:solidFill>
-            </a:ln>
-          </p:spPr>
-          <p:style>
-            <a:lnRef idx="1">
-              <a:schemeClr val="accent1"/>
-            </a:lnRef>
-            <a:fillRef idx="0">
-              <a:schemeClr val="accent1"/>
-            </a:fillRef>
-            <a:effectRef idx="0">
-              <a:schemeClr val="accent1"/>
-            </a:effectRef>
-            <a:fontRef idx="minor">
-              <a:schemeClr val="tx1"/>
-            </a:fontRef>
-          </p:style>
-        </p:cxnSp>
-      </p:grpSp>
-      <p:cxnSp>
-        <p:nvCxnSpPr>
-          <p:cNvPr id="140" name="Straight Connector 139"/>
-          <p:cNvCxnSpPr>
-            <a:stCxn id="31" idx="2"/>
-            <a:endCxn id="32" idx="1"/>
-          </p:cNvCxnSpPr>
-          <p:nvPr/>
-        </p:nvCxnSpPr>
-        <p:spPr>
-          <a:xfrm flipH="1">
-            <a:off x="2483554" y="8504979"/>
-            <a:ext cx="1" cy="362283"/>
-          </a:xfrm>
-          <a:prstGeom prst="line">
-            <a:avLst/>
-          </a:prstGeom>
-          <a:ln w="25400">
-            <a:solidFill>
-              <a:schemeClr val="tx1"/>
-            </a:solidFill>
-          </a:ln>
-        </p:spPr>
-        <p:style>
-          <a:lnRef idx="1">
-            <a:schemeClr val="accent1"/>
-          </a:lnRef>
-          <a:fillRef idx="0">
-            <a:schemeClr val="accent1"/>
-          </a:fillRef>
-          <a:effectRef idx="0">
-            <a:schemeClr val="accent1"/>
-          </a:effectRef>
-          <a:fontRef idx="minor">
-            <a:schemeClr val="tx1"/>
-          </a:fontRef>
-        </p:style>
-      </p:cxnSp>
-      <p:grpSp>
-        <p:nvGrpSpPr>
-          <p:cNvPr id="143" name="Group 142"/>
-          <p:cNvGrpSpPr/>
-          <p:nvPr/>
-        </p:nvGrpSpPr>
-        <p:grpSpPr>
-          <a:xfrm flipH="1">
-            <a:off x="1626144" y="9226691"/>
-            <a:ext cx="774155" cy="460288"/>
-            <a:chOff x="752367" y="1475842"/>
-            <a:chExt cx="3666227" cy="460288"/>
-          </a:xfrm>
-        </p:grpSpPr>
-        <p:cxnSp>
-          <p:nvCxnSpPr>
-            <p:cNvPr id="144" name="Straight Connector 143"/>
-            <p:cNvCxnSpPr>
-              <a:endCxn id="35" idx="0"/>
-            </p:cNvCxnSpPr>
-            <p:nvPr/>
-          </p:nvCxnSpPr>
-          <p:spPr>
-            <a:xfrm flipH="1">
-              <a:off x="4401147" y="1708265"/>
-              <a:ext cx="0" cy="227865"/>
-            </a:xfrm>
-            <a:prstGeom prst="line">
-              <a:avLst/>
-            </a:prstGeom>
-            <a:ln w="25400">
-              <a:solidFill>
-                <a:schemeClr val="tx1"/>
-              </a:solidFill>
-            </a:ln>
-          </p:spPr>
-          <p:style>
-            <a:lnRef idx="1">
-              <a:schemeClr val="accent1"/>
-            </a:lnRef>
-            <a:fillRef idx="0">
-              <a:schemeClr val="accent1"/>
-            </a:fillRef>
-            <a:effectRef idx="0">
-              <a:schemeClr val="accent1"/>
-            </a:effectRef>
-            <a:fontRef idx="minor">
-              <a:schemeClr val="tx1"/>
-            </a:fontRef>
-          </p:style>
-        </p:cxnSp>
-        <p:cxnSp>
-          <p:nvCxnSpPr>
-            <p:cNvPr id="145" name="Straight Connector 144"/>
-            <p:cNvCxnSpPr/>
-            <p:nvPr/>
-          </p:nvCxnSpPr>
-          <p:spPr>
-            <a:xfrm flipH="1" flipV="1">
-              <a:off x="752367" y="1698605"/>
-              <a:ext cx="3666227" cy="0"/>
-            </a:xfrm>
-            <a:prstGeom prst="line">
-              <a:avLst/>
-            </a:prstGeom>
-            <a:ln w="25400">
-              <a:solidFill>
-                <a:schemeClr val="tx1"/>
-              </a:solidFill>
-            </a:ln>
-          </p:spPr>
-          <p:style>
-            <a:lnRef idx="1">
-              <a:schemeClr val="accent1"/>
-            </a:lnRef>
-            <a:fillRef idx="0">
-              <a:schemeClr val="accent1"/>
-            </a:fillRef>
-            <a:effectRef idx="0">
-              <a:schemeClr val="accent1"/>
-            </a:effectRef>
-            <a:fontRef idx="minor">
-              <a:schemeClr val="tx1"/>
-            </a:fontRef>
-          </p:style>
-        </p:cxnSp>
-        <p:cxnSp>
-          <p:nvCxnSpPr>
-            <p:cNvPr id="146" name="Straight Connector 145"/>
-            <p:cNvCxnSpPr>
-              <a:stCxn id="32" idx="3"/>
-            </p:cNvCxnSpPr>
-            <p:nvPr/>
-          </p:nvCxnSpPr>
-          <p:spPr>
-            <a:xfrm>
-              <a:off x="833406" y="1475842"/>
-              <a:ext cx="0" cy="215798"/>
-            </a:xfrm>
-            <a:prstGeom prst="line">
-              <a:avLst/>
-            </a:prstGeom>
-            <a:ln w="25400">
-              <a:solidFill>
-                <a:schemeClr val="tx1"/>
-              </a:solidFill>
-            </a:ln>
-          </p:spPr>
-          <p:style>
-            <a:lnRef idx="1">
-              <a:schemeClr val="accent1"/>
-            </a:lnRef>
-            <a:fillRef idx="0">
-              <a:schemeClr val="accent1"/>
-            </a:fillRef>
-            <a:effectRef idx="0">
-              <a:schemeClr val="accent1"/>
-            </a:effectRef>
-            <a:fontRef idx="minor">
-              <a:schemeClr val="tx1"/>
-            </a:fontRef>
-          </p:style>
-        </p:cxnSp>
-      </p:grpSp>
-      <p:grpSp>
-        <p:nvGrpSpPr>
-          <p:cNvPr id="149" name="Group 148"/>
-          <p:cNvGrpSpPr/>
-          <p:nvPr/>
-        </p:nvGrpSpPr>
-        <p:grpSpPr>
-          <a:xfrm>
-            <a:off x="2543898" y="9226691"/>
-            <a:ext cx="832270" cy="460288"/>
-            <a:chOff x="785934" y="1475842"/>
-            <a:chExt cx="3666227" cy="460288"/>
-          </a:xfrm>
-        </p:grpSpPr>
-        <p:cxnSp>
-          <p:nvCxnSpPr>
-            <p:cNvPr id="150" name="Straight Connector 149"/>
-            <p:cNvCxnSpPr>
-              <a:endCxn id="37" idx="0"/>
-            </p:cNvCxnSpPr>
-            <p:nvPr/>
-          </p:nvCxnSpPr>
-          <p:spPr>
-            <a:xfrm>
-              <a:off x="4401146" y="1708265"/>
-              <a:ext cx="0" cy="227865"/>
-            </a:xfrm>
-            <a:prstGeom prst="line">
-              <a:avLst/>
-            </a:prstGeom>
-            <a:ln w="25400">
-              <a:solidFill>
-                <a:schemeClr val="tx1"/>
-              </a:solidFill>
-            </a:ln>
-          </p:spPr>
-          <p:style>
-            <a:lnRef idx="1">
-              <a:schemeClr val="accent1"/>
-            </a:lnRef>
-            <a:fillRef idx="0">
-              <a:schemeClr val="accent1"/>
-            </a:fillRef>
-            <a:effectRef idx="0">
-              <a:schemeClr val="accent1"/>
-            </a:effectRef>
-            <a:fontRef idx="minor">
-              <a:schemeClr val="tx1"/>
-            </a:fontRef>
-          </p:style>
-        </p:cxnSp>
-        <p:cxnSp>
-          <p:nvCxnSpPr>
-            <p:cNvPr id="151" name="Straight Connector 150"/>
-            <p:cNvCxnSpPr/>
-            <p:nvPr/>
-          </p:nvCxnSpPr>
-          <p:spPr>
-            <a:xfrm flipH="1" flipV="1">
-              <a:off x="785934" y="1698605"/>
-              <a:ext cx="3666227" cy="0"/>
-            </a:xfrm>
-            <a:prstGeom prst="line">
-              <a:avLst/>
-            </a:prstGeom>
-            <a:ln w="25400">
-              <a:solidFill>
-                <a:schemeClr val="tx1"/>
-              </a:solidFill>
-            </a:ln>
-          </p:spPr>
-          <p:style>
-            <a:lnRef idx="1">
-              <a:schemeClr val="accent1"/>
-            </a:lnRef>
-            <a:fillRef idx="0">
-              <a:schemeClr val="accent1"/>
-            </a:fillRef>
-            <a:effectRef idx="0">
-              <a:schemeClr val="accent1"/>
-            </a:effectRef>
-            <a:fontRef idx="minor">
-              <a:schemeClr val="tx1"/>
-            </a:fontRef>
-          </p:style>
-        </p:cxnSp>
-        <p:cxnSp>
-          <p:nvCxnSpPr>
-            <p:cNvPr id="152" name="Straight Connector 151"/>
-            <p:cNvCxnSpPr/>
-            <p:nvPr/>
-          </p:nvCxnSpPr>
-          <p:spPr>
-            <a:xfrm>
-              <a:off x="833406" y="1475842"/>
-              <a:ext cx="0" cy="215798"/>
-            </a:xfrm>
-            <a:prstGeom prst="line">
-              <a:avLst/>
-            </a:prstGeom>
-            <a:ln w="25400">
-              <a:solidFill>
-                <a:schemeClr val="tx1"/>
-              </a:solidFill>
-            </a:ln>
-          </p:spPr>
-          <p:style>
-            <a:lnRef idx="1">
-              <a:schemeClr val="accent1"/>
-            </a:lnRef>
-            <a:fillRef idx="0">
-              <a:schemeClr val="accent1"/>
-            </a:fillRef>
-            <a:effectRef idx="0">
-              <a:schemeClr val="accent1"/>
-            </a:effectRef>
-            <a:fontRef idx="minor">
-              <a:schemeClr val="tx1"/>
-            </a:fontRef>
-          </p:style>
-        </p:cxnSp>
+          <p:txBody>
+            <a:bodyPr rot="0" spcFirstLastPara="0" vertOverflow="overflow" horzOverflow="overflow" vert="horz" wrap="square" lIns="63926" tIns="31964" rIns="63926" bIns="31964" numCol="1" spcCol="0" rtlCol="0" fromWordArt="0" anchor="ctr" anchorCtr="0" forceAA="0" compatLnSpc="1">
+              <a:prstTxWarp prst="textNoShape">
+                <a:avLst/>
+              </a:prstTxWarp>
+              <a:noAutofit/>
+            </a:bodyPr>
+            <a:lstStyle/>
+            <a:p>
+              <a:pPr algn="ctr"/>
+              <a:r>
+                <a:rPr lang="en-US" sz="1491" dirty="0">
+                  <a:solidFill>
+                    <a:schemeClr val="tx1"/>
+                  </a:solidFill>
+                </a:rPr>
+                <a:t>Person pushes robot</a:t>
+              </a:r>
+              <a:endParaRPr lang="en-US" sz="1491" dirty="0">
+                <a:solidFill>
+                  <a:schemeClr val="tx1"/>
+                </a:solidFill>
+              </a:endParaRPr>
+            </a:p>
+          </p:txBody>
+        </p:sp>
       </p:grpSp>
     </p:spTree>
     <p:extLst>
@@ -6266,8 +6469,8 @@
         </p:nvSpPr>
         <p:spPr>
           <a:xfrm>
-            <a:off x="2068744" y="2457071"/>
-            <a:ext cx="313954" cy="320634"/>
+            <a:off x="1966997" y="2106734"/>
+            <a:ext cx="390200" cy="398502"/>
           </a:xfrm>
           <a:prstGeom prst="ellipse">
             <a:avLst/>
@@ -6296,7 +6499,7 @@
           </a:fontRef>
         </p:style>
         <p:txBody>
-          <a:bodyPr rot="0" spcFirstLastPara="0" vertOverflow="overflow" horzOverflow="overflow" vert="horz" wrap="square" lIns="51435" tIns="25718" rIns="51435" bIns="25718" numCol="1" spcCol="0" rtlCol="0" fromWordArt="0" anchor="ctr" anchorCtr="0" forceAA="0" compatLnSpc="1">
+          <a:bodyPr rot="0" spcFirstLastPara="0" vertOverflow="overflow" horzOverflow="overflow" vert="horz" wrap="square" lIns="63926" tIns="31964" rIns="63926" bIns="31964" numCol="1" spcCol="0" rtlCol="0" fromWordArt="0" anchor="ctr" anchorCtr="0" forceAA="0" compatLnSpc="1">
             <a:prstTxWarp prst="textNoShape">
               <a:avLst/>
             </a:prstTxWarp>
@@ -6305,7 +6508,7 @@
           <a:lstStyle/>
           <a:p>
             <a:pPr algn="ctr"/>
-            <a:endParaRPr lang="en-US" sz="1013"/>
+            <a:endParaRPr lang="en-US" sz="1259"/>
           </a:p>
         </p:txBody>
       </p:sp>
@@ -6317,8 +6520,8 @@
         </p:nvSpPr>
         <p:spPr>
           <a:xfrm>
-            <a:off x="2594197" y="1614344"/>
-            <a:ext cx="732147" cy="747638"/>
+            <a:off x="2620061" y="1059343"/>
+            <a:ext cx="909954" cy="929208"/>
           </a:xfrm>
           <a:prstGeom prst="diamond">
             <a:avLst/>
@@ -6347,7 +6550,7 @@
           </a:fontRef>
         </p:style>
         <p:txBody>
-          <a:bodyPr rot="0" spcFirstLastPara="0" vertOverflow="overflow" horzOverflow="overflow" vert="horz" wrap="square" lIns="51435" tIns="25718" rIns="51435" bIns="25718" numCol="1" spcCol="0" rtlCol="0" fromWordArt="0" anchor="ctr" anchorCtr="0" forceAA="0" compatLnSpc="1">
+          <a:bodyPr rot="0" spcFirstLastPara="0" vertOverflow="overflow" horzOverflow="overflow" vert="horz" wrap="square" lIns="63926" tIns="31964" rIns="63926" bIns="31964" numCol="1" spcCol="0" rtlCol="0" fromWordArt="0" anchor="ctr" anchorCtr="0" forceAA="0" compatLnSpc="1">
             <a:prstTxWarp prst="textNoShape">
               <a:avLst/>
             </a:prstTxWarp>
@@ -6357,14 +6560,14 @@
           <a:p>
             <a:pPr algn="ctr"/>
             <a:r>
-              <a:rPr lang="en-US" sz="1013" dirty="0" smtClean="0">
+              <a:rPr lang="en-US" sz="1259" dirty="0">
                 <a:solidFill>
                   <a:schemeClr val="tx1"/>
                 </a:solidFill>
               </a:rPr>
               <a:t>Test</a:t>
             </a:r>
-            <a:endParaRPr lang="en-US" sz="1013" dirty="0">
+            <a:endParaRPr lang="en-US" sz="1259" dirty="0">
               <a:solidFill>
                 <a:schemeClr val="tx1"/>
               </a:solidFill>
@@ -6380,8 +6583,8 @@
         </p:nvSpPr>
         <p:spPr>
           <a:xfrm>
-            <a:off x="2579476" y="2565620"/>
-            <a:ext cx="745084" cy="424171"/>
+            <a:off x="2601763" y="2241642"/>
+            <a:ext cx="926033" cy="527184"/>
           </a:xfrm>
           <a:prstGeom prst="rect">
             <a:avLst/>
@@ -6410,7 +6613,7 @@
           </a:fontRef>
         </p:style>
         <p:txBody>
-          <a:bodyPr rot="0" spcFirstLastPara="0" vertOverflow="overflow" horzOverflow="overflow" vert="horz" wrap="square" lIns="51435" tIns="25718" rIns="51435" bIns="25718" numCol="1" spcCol="0" rtlCol="0" fromWordArt="0" anchor="ctr" anchorCtr="0" forceAA="0" compatLnSpc="1">
+          <a:bodyPr rot="0" spcFirstLastPara="0" vertOverflow="overflow" horzOverflow="overflow" vert="horz" wrap="square" lIns="63926" tIns="31964" rIns="63926" bIns="31964" numCol="1" spcCol="0" rtlCol="0" fromWordArt="0" anchor="ctr" anchorCtr="0" forceAA="0" compatLnSpc="1">
             <a:prstTxWarp prst="textNoShape">
               <a:avLst/>
             </a:prstTxWarp>
@@ -6420,14 +6623,14 @@
           <a:p>
             <a:pPr algn="ctr"/>
             <a:r>
-              <a:rPr lang="en-US" sz="1200" dirty="0" smtClean="0">
+              <a:rPr lang="en-US" sz="1491" dirty="0">
                 <a:solidFill>
                   <a:schemeClr val="tx1"/>
                 </a:solidFill>
               </a:rPr>
               <a:t>Text</a:t>
             </a:r>
-            <a:endParaRPr lang="en-US" sz="1200" dirty="0">
+            <a:endParaRPr lang="en-US" sz="1491" dirty="0">
               <a:solidFill>
                 <a:schemeClr val="tx1"/>
               </a:solidFill>
@@ -6443,8 +6646,8 @@
         </p:nvCxnSpPr>
         <p:spPr>
           <a:xfrm>
-            <a:off x="2914571" y="3430438"/>
-            <a:ext cx="0" cy="883609"/>
+            <a:off x="3018238" y="3316488"/>
+            <a:ext cx="0" cy="1098200"/>
           </a:xfrm>
           <a:prstGeom prst="line">
             <a:avLst/>
@@ -6478,8 +6681,8 @@
         </p:nvCxnSpPr>
         <p:spPr>
           <a:xfrm rot="16200000" flipH="1">
-            <a:off x="1982324" y="3761273"/>
-            <a:ext cx="486794" cy="313954"/>
+            <a:off x="1859591" y="3727668"/>
+            <a:ext cx="605016" cy="390200"/>
           </a:xfrm>
           <a:prstGeom prst="bentConnector3">
             <a:avLst/>
